--- a/Airbnb NYC Analysis Presentation Deck.pptx
+++ b/Airbnb NYC Analysis Presentation Deck.pptx
@@ -6127,6 +6127,80 @@
           </a:fontRef>
         </p:style>
       </p:cxnSp>
+      <p:sp>
+        <p:nvSpPr>
+          <p:cNvPr id="3" name="Rectangle 2">
+            <a:extLst>
+              <a:ext uri="{FF2B5EF4-FFF2-40B4-BE49-F238E27FC236}">
+                <a16:creationId xmlns:a16="http://schemas.microsoft.com/office/drawing/2014/main" id="{CDEF6BA6-7EFE-9847-83BD-5AF111B60B33}"/>
+              </a:ext>
+            </a:extLst>
+          </p:cNvPr>
+          <p:cNvSpPr/>
+          <p:nvPr/>
+        </p:nvSpPr>
+        <p:spPr>
+          <a:xfrm>
+            <a:off x="895349" y="2137440"/>
+            <a:ext cx="10744201" cy="2677656"/>
+          </a:xfrm>
+          <a:prstGeom prst="rect">
+            <a:avLst/>
+          </a:prstGeom>
+        </p:spPr>
+        <p:txBody>
+          <a:bodyPr wrap="square">
+            <a:spAutoFit/>
+          </a:bodyPr>
+          <a:lstStyle/>
+          <a:p>
+            <a:pPr marL="285750" indent="-285750">
+              <a:buFontTx/>
+              <a:buChar char="-"/>
+            </a:pPr>
+            <a:r>
+              <a:rPr lang="en-US" sz="2400" dirty="0">
+                <a:latin typeface="+mj-lt"/>
+              </a:rPr>
+              <a:t>A major area of concern for cities worldwide is the effect that expansion of Airbnb has made on the housing market for indigenous residents. </a:t>
+            </a:r>
+          </a:p>
+          <a:p>
+            <a:pPr marL="285750" indent="-285750">
+              <a:buFontTx/>
+              <a:buChar char="-"/>
+            </a:pPr>
+            <a:endParaRPr lang="en-US" sz="2400" dirty="0">
+              <a:latin typeface="+mj-lt"/>
+            </a:endParaRPr>
+          </a:p>
+          <a:p>
+            <a:pPr marL="285750" indent="-285750">
+              <a:buFontTx/>
+              <a:buChar char="-"/>
+            </a:pPr>
+            <a:r>
+              <a:rPr lang="en-US" sz="2400" dirty="0">
+                <a:latin typeface="+mj-lt"/>
+              </a:rPr>
+              <a:t>Further analysis can help determine if there is a correlation between Airbnb    listings and rental/house prices for NYC neighbourhoods. </a:t>
+            </a:r>
+          </a:p>
+          <a:p>
+            <a:endParaRPr lang="en-US" sz="2400" dirty="0">
+              <a:latin typeface="+mj-lt"/>
+            </a:endParaRPr>
+          </a:p>
+          <a:p>
+            <a:r>
+              <a:rPr lang="en-US" sz="2400" dirty="0">
+                <a:latin typeface="+mj-lt"/>
+              </a:rPr>
+              <a:t>-   Create a model to predict the average Airbnb prices in New York.</a:t>
+            </a:r>
+          </a:p>
+        </p:txBody>
+      </p:sp>
     </p:spTree>
     <p:extLst>
       <p:ext uri="{BB962C8B-B14F-4D97-AF65-F5344CB8AC3E}">

--- a/Airbnb NYC Analysis Presentation Deck.pptx
+++ b/Airbnb NYC Analysis Presentation Deck.pptx
@@ -5,7 +5,7 @@
     <p:sldMasterId id="2147483648" r:id="rId1"/>
   </p:sldMasterIdLst>
   <p:notesMasterIdLst>
-    <p:notesMasterId r:id="rId15"/>
+    <p:notesMasterId r:id="rId17"/>
   </p:notesMasterIdLst>
   <p:sldIdLst>
     <p:sldId id="257" r:id="rId2"/>
@@ -17,10 +17,12 @@
     <p:sldId id="271" r:id="rId8"/>
     <p:sldId id="270" r:id="rId9"/>
     <p:sldId id="273" r:id="rId10"/>
-    <p:sldId id="275" r:id="rId11"/>
-    <p:sldId id="264" r:id="rId12"/>
-    <p:sldId id="261" r:id="rId13"/>
-    <p:sldId id="274" r:id="rId14"/>
+    <p:sldId id="264" r:id="rId11"/>
+    <p:sldId id="277" r:id="rId12"/>
+    <p:sldId id="278" r:id="rId13"/>
+    <p:sldId id="261" r:id="rId14"/>
+    <p:sldId id="275" r:id="rId15"/>
+    <p:sldId id="274" r:id="rId16"/>
   </p:sldIdLst>
   <p:sldSz cx="12192000" cy="6858000"/>
   <p:notesSz cx="6858000" cy="9144000"/>
@@ -646,7 +648,7 @@
     </p:spTree>
     <p:extLst>
       <p:ext uri="{BB962C8B-B14F-4D97-AF65-F5344CB8AC3E}">
-        <p14:creationId xmlns:p14="http://schemas.microsoft.com/office/powerpoint/2010/main" val="3493068767"/>
+        <p14:creationId xmlns:p14="http://schemas.microsoft.com/office/powerpoint/2010/main" val="3373496410"/>
       </p:ext>
     </p:extLst>
   </p:cSld>
@@ -730,7 +732,7 @@
     </p:spTree>
     <p:extLst>
       <p:ext uri="{BB962C8B-B14F-4D97-AF65-F5344CB8AC3E}">
-        <p14:creationId xmlns:p14="http://schemas.microsoft.com/office/powerpoint/2010/main" val="2363009839"/>
+        <p14:creationId xmlns:p14="http://schemas.microsoft.com/office/powerpoint/2010/main" val="617814075"/>
       </p:ext>
     </p:extLst>
   </p:cSld>
@@ -806,6 +808,185 @@
             <a:fld id="{DF2352D6-35AF-0544-A99E-554CC41E76C4}" type="slidenum">
               <a:rPr lang="en-US" smtClean="0"/>
               <a:t>13</a:t>
+            </a:fld>
+            <a:endParaRPr lang="en-US"/>
+          </a:p>
+        </p:txBody>
+      </p:sp>
+    </p:spTree>
+    <p:extLst>
+      <p:ext uri="{BB962C8B-B14F-4D97-AF65-F5344CB8AC3E}">
+        <p14:creationId xmlns:p14="http://schemas.microsoft.com/office/powerpoint/2010/main" val="2363009839"/>
+      </p:ext>
+    </p:extLst>
+  </p:cSld>
+  <p:clrMapOvr>
+    <a:masterClrMapping/>
+  </p:clrMapOvr>
+</p:notes>
+</file>
+
+<file path=ppt/notesSlides/notesSlide13.xml><?xml version="1.0" encoding="utf-8"?>
+<p:notes xmlns:a="http://schemas.openxmlformats.org/drawingml/2006/main" xmlns:r="http://schemas.openxmlformats.org/officeDocument/2006/relationships" xmlns:p="http://schemas.openxmlformats.org/presentationml/2006/main">
+  <p:cSld>
+    <p:spTree>
+      <p:nvGrpSpPr>
+        <p:cNvPr id="1" name=""/>
+        <p:cNvGrpSpPr/>
+        <p:nvPr/>
+      </p:nvGrpSpPr>
+      <p:grpSpPr>
+        <a:xfrm>
+          <a:off x="0" y="0"/>
+          <a:ext cx="0" cy="0"/>
+          <a:chOff x="0" y="0"/>
+          <a:chExt cx="0" cy="0"/>
+        </a:xfrm>
+      </p:grpSpPr>
+      <p:sp>
+        <p:nvSpPr>
+          <p:cNvPr id="2" name="Slide Image Placeholder 1"/>
+          <p:cNvSpPr>
+            <a:spLocks noGrp="1" noRot="1" noChangeAspect="1"/>
+          </p:cNvSpPr>
+          <p:nvPr>
+            <p:ph type="sldImg"/>
+          </p:nvPr>
+        </p:nvSpPr>
+        <p:spPr/>
+      </p:sp>
+      <p:sp>
+        <p:nvSpPr>
+          <p:cNvPr id="3" name="Notes Placeholder 2"/>
+          <p:cNvSpPr>
+            <a:spLocks noGrp="1"/>
+          </p:cNvSpPr>
+          <p:nvPr>
+            <p:ph type="body" idx="1"/>
+          </p:nvPr>
+        </p:nvSpPr>
+        <p:spPr/>
+        <p:txBody>
+          <a:bodyPr/>
+          <a:lstStyle/>
+          <a:p>
+            <a:r>
+              <a:rPr lang="en-US" dirty="0"/>
+              <a:t>*** Provide details on Elephant </a:t>
+            </a:r>
+            <a:r>
+              <a:rPr lang="en-US" dirty="0" err="1"/>
+              <a:t>SQLscreenshots</a:t>
+            </a:r>
+            <a:r>
+              <a:rPr lang="en-US" dirty="0"/>
+              <a:t>/ queries.</a:t>
+            </a:r>
+          </a:p>
+        </p:txBody>
+      </p:sp>
+      <p:sp>
+        <p:nvSpPr>
+          <p:cNvPr id="4" name="Slide Number Placeholder 3"/>
+          <p:cNvSpPr>
+            <a:spLocks noGrp="1"/>
+          </p:cNvSpPr>
+          <p:nvPr>
+            <p:ph type="sldNum" sz="quarter" idx="5"/>
+          </p:nvPr>
+        </p:nvSpPr>
+        <p:spPr/>
+        <p:txBody>
+          <a:bodyPr/>
+          <a:lstStyle/>
+          <a:p>
+            <a:fld id="{DF2352D6-35AF-0544-A99E-554CC41E76C4}" type="slidenum">
+              <a:rPr lang="en-US" smtClean="0"/>
+              <a:t>14</a:t>
+            </a:fld>
+            <a:endParaRPr lang="en-US"/>
+          </a:p>
+        </p:txBody>
+      </p:sp>
+    </p:spTree>
+    <p:extLst>
+      <p:ext uri="{BB962C8B-B14F-4D97-AF65-F5344CB8AC3E}">
+        <p14:creationId xmlns:p14="http://schemas.microsoft.com/office/powerpoint/2010/main" val="1729663945"/>
+      </p:ext>
+    </p:extLst>
+  </p:cSld>
+  <p:clrMapOvr>
+    <a:masterClrMapping/>
+  </p:clrMapOvr>
+</p:notes>
+</file>
+
+<file path=ppt/notesSlides/notesSlide14.xml><?xml version="1.0" encoding="utf-8"?>
+<p:notes xmlns:a="http://schemas.openxmlformats.org/drawingml/2006/main" xmlns:r="http://schemas.openxmlformats.org/officeDocument/2006/relationships" xmlns:p="http://schemas.openxmlformats.org/presentationml/2006/main">
+  <p:cSld>
+    <p:spTree>
+      <p:nvGrpSpPr>
+        <p:cNvPr id="1" name=""/>
+        <p:cNvGrpSpPr/>
+        <p:nvPr/>
+      </p:nvGrpSpPr>
+      <p:grpSpPr>
+        <a:xfrm>
+          <a:off x="0" y="0"/>
+          <a:ext cx="0" cy="0"/>
+          <a:chOff x="0" y="0"/>
+          <a:chExt cx="0" cy="0"/>
+        </a:xfrm>
+      </p:grpSpPr>
+      <p:sp>
+        <p:nvSpPr>
+          <p:cNvPr id="2" name="Slide Image Placeholder 1"/>
+          <p:cNvSpPr>
+            <a:spLocks noGrp="1" noRot="1" noChangeAspect="1"/>
+          </p:cNvSpPr>
+          <p:nvPr>
+            <p:ph type="sldImg"/>
+          </p:nvPr>
+        </p:nvSpPr>
+        <p:spPr/>
+      </p:sp>
+      <p:sp>
+        <p:nvSpPr>
+          <p:cNvPr id="3" name="Notes Placeholder 2"/>
+          <p:cNvSpPr>
+            <a:spLocks noGrp="1"/>
+          </p:cNvSpPr>
+          <p:nvPr>
+            <p:ph type="body" idx="1"/>
+          </p:nvPr>
+        </p:nvSpPr>
+        <p:spPr/>
+        <p:txBody>
+          <a:bodyPr/>
+          <a:lstStyle/>
+          <a:p>
+            <a:endParaRPr lang="en-US" dirty="0"/>
+          </a:p>
+        </p:txBody>
+      </p:sp>
+      <p:sp>
+        <p:nvSpPr>
+          <p:cNvPr id="4" name="Slide Number Placeholder 3"/>
+          <p:cNvSpPr>
+            <a:spLocks noGrp="1"/>
+          </p:cNvSpPr>
+          <p:nvPr>
+            <p:ph type="sldNum" sz="quarter" idx="5"/>
+          </p:nvPr>
+        </p:nvSpPr>
+        <p:spPr/>
+        <p:txBody>
+          <a:bodyPr/>
+          <a:lstStyle/>
+          <a:p>
+            <a:fld id="{DF2352D6-35AF-0544-A99E-554CC41E76C4}" type="slidenum">
+              <a:rPr lang="en-US" smtClean="0"/>
+              <a:t>15</a:t>
             </a:fld>
             <a:endParaRPr lang="en-US"/>
           </a:p>
@@ -1697,6 +1878,24 @@
               <a:t>*Include screenshot </a:t>
             </a:r>
           </a:p>
+          <a:p>
+            <a:endParaRPr lang="en-US" dirty="0"/>
+          </a:p>
+          <a:p>
+            <a:endParaRPr lang="en-US" dirty="0"/>
+          </a:p>
+          <a:p>
+            <a:r>
+              <a:rPr lang="en-US" dirty="0"/>
+              <a:t>***Table Names/Columns </a:t>
+            </a:r>
+          </a:p>
+          <a:p>
+            <a:r>
+              <a:rPr lang="en-US" dirty="0"/>
+              <a:t>***</a:t>
+            </a:r>
+          </a:p>
         </p:txBody>
       </p:sp>
       <p:sp>
@@ -2012,18 +2211,7 @@
           <a:bodyPr/>
           <a:lstStyle/>
           <a:p>
-            <a:r>
-              <a:rPr lang="en-US" dirty="0"/>
-              <a:t>*** Provide details on Elephant </a:t>
-            </a:r>
-            <a:r>
-              <a:rPr lang="en-US" dirty="0" err="1"/>
-              <a:t>SQLscreenshots</a:t>
-            </a:r>
-            <a:r>
-              <a:rPr lang="en-US" dirty="0"/>
-              <a:t>/ queries.</a:t>
-            </a:r>
+            <a:endParaRPr lang="en-US" dirty="0"/>
           </a:p>
         </p:txBody>
       </p:sp>
@@ -2053,7 +2241,7 @@
     </p:spTree>
     <p:extLst>
       <p:ext uri="{BB962C8B-B14F-4D97-AF65-F5344CB8AC3E}">
-        <p14:creationId xmlns:p14="http://schemas.microsoft.com/office/powerpoint/2010/main" val="1729663945"/>
+        <p14:creationId xmlns:p14="http://schemas.microsoft.com/office/powerpoint/2010/main" val="3493068767"/>
       </p:ext>
     </p:extLst>
   </p:cSld>
@@ -5471,6 +5659,740 @@
                   <a:srgbClr val="EA5E46"/>
                 </a:solidFill>
               </a:rPr>
+              <a:t>Property types available in NYC</a:t>
+            </a:r>
+          </a:p>
+        </p:txBody>
+      </p:sp>
+      <p:pic>
+        <p:nvPicPr>
+          <p:cNvPr id="2050" name="Picture 2" descr="Image result for air bnb logo">
+            <a:extLst>
+              <a:ext uri="{FF2B5EF4-FFF2-40B4-BE49-F238E27FC236}">
+                <a16:creationId xmlns:a16="http://schemas.microsoft.com/office/drawing/2014/main" id="{A162C291-208B-BE48-BF44-7D5CD7EF6151}"/>
+              </a:ext>
+            </a:extLst>
+          </p:cNvPr>
+          <p:cNvPicPr>
+            <a:picLocks noChangeAspect="1" noChangeArrowheads="1"/>
+          </p:cNvPicPr>
+          <p:nvPr/>
+        </p:nvPicPr>
+        <p:blipFill>
+          <a:blip r:embed="rId3">
+            <a:extLst>
+              <a:ext uri="{28A0092B-C50C-407E-A947-70E740481C1C}">
+                <a14:useLocalDpi xmlns:a14="http://schemas.microsoft.com/office/drawing/2010/main" val="0"/>
+              </a:ext>
+            </a:extLst>
+          </a:blip>
+          <a:srcRect/>
+          <a:stretch>
+            <a:fillRect/>
+          </a:stretch>
+        </p:blipFill>
+        <p:spPr bwMode="auto">
+          <a:xfrm>
+            <a:off x="2080820" y="0"/>
+            <a:ext cx="2189605" cy="2022038"/>
+          </a:xfrm>
+          <a:prstGeom prst="rect">
+            <a:avLst/>
+          </a:prstGeom>
+          <a:noFill/>
+          <a:extLst>
+            <a:ext uri="{909E8E84-426E-40DD-AFC4-6F175D3DCCD1}">
+              <a14:hiddenFill xmlns:a14="http://schemas.microsoft.com/office/drawing/2010/main">
+                <a:solidFill>
+                  <a:srgbClr val="FFFFFF"/>
+                </a:solidFill>
+              </a14:hiddenFill>
+            </a:ext>
+          </a:extLst>
+        </p:spPr>
+      </p:pic>
+      <p:cxnSp>
+        <p:nvCxnSpPr>
+          <p:cNvPr id="6" name="Straight Connector 5">
+            <a:extLst>
+              <a:ext uri="{FF2B5EF4-FFF2-40B4-BE49-F238E27FC236}">
+                <a16:creationId xmlns:a16="http://schemas.microsoft.com/office/drawing/2014/main" id="{7D0926DC-6298-B648-9DF9-0D78D09F9FC8}"/>
+              </a:ext>
+            </a:extLst>
+          </p:cNvPr>
+          <p:cNvCxnSpPr>
+            <a:cxnSpLocks/>
+          </p:cNvCxnSpPr>
+          <p:nvPr/>
+        </p:nvCxnSpPr>
+        <p:spPr>
+          <a:xfrm>
+            <a:off x="2526110" y="1576551"/>
+            <a:ext cx="9518745" cy="1"/>
+          </a:xfrm>
+          <a:prstGeom prst="line">
+            <a:avLst/>
+          </a:prstGeom>
+          <a:ln w="12700">
+            <a:solidFill>
+              <a:srgbClr val="EA5E46"/>
+            </a:solidFill>
+          </a:ln>
+        </p:spPr>
+        <p:style>
+          <a:lnRef idx="1">
+            <a:schemeClr val="accent2"/>
+          </a:lnRef>
+          <a:fillRef idx="0">
+            <a:schemeClr val="accent2"/>
+          </a:fillRef>
+          <a:effectRef idx="0">
+            <a:schemeClr val="accent2"/>
+          </a:effectRef>
+          <a:fontRef idx="minor">
+            <a:schemeClr val="tx1"/>
+          </a:fontRef>
+        </p:style>
+      </p:cxnSp>
+    </p:spTree>
+    <p:extLst>
+      <p:ext uri="{BB962C8B-B14F-4D97-AF65-F5344CB8AC3E}">
+        <p14:creationId xmlns:p14="http://schemas.microsoft.com/office/powerpoint/2010/main" val="3225701336"/>
+      </p:ext>
+    </p:extLst>
+  </p:cSld>
+  <p:clrMapOvr>
+    <a:masterClrMapping/>
+  </p:clrMapOvr>
+</p:sld>
+</file>
+
+<file path=ppt/slides/slide11.xml><?xml version="1.0" encoding="utf-8"?>
+<p:sld xmlns:a="http://schemas.openxmlformats.org/drawingml/2006/main" xmlns:r="http://schemas.openxmlformats.org/officeDocument/2006/relationships" xmlns:p="http://schemas.openxmlformats.org/presentationml/2006/main">
+  <p:cSld>
+    <p:spTree>
+      <p:nvGrpSpPr>
+        <p:cNvPr id="1" name=""/>
+        <p:cNvGrpSpPr/>
+        <p:nvPr/>
+      </p:nvGrpSpPr>
+      <p:grpSpPr>
+        <a:xfrm>
+          <a:off x="0" y="0"/>
+          <a:ext cx="0" cy="0"/>
+          <a:chOff x="0" y="0"/>
+          <a:chExt cx="0" cy="0"/>
+        </a:xfrm>
+      </p:grpSpPr>
+      <p:sp>
+        <p:nvSpPr>
+          <p:cNvPr id="2" name="Title 1">
+            <a:extLst>
+              <a:ext uri="{FF2B5EF4-FFF2-40B4-BE49-F238E27FC236}">
+                <a16:creationId xmlns:a16="http://schemas.microsoft.com/office/drawing/2014/main" id="{59B8B577-5676-3C4B-A107-E41DB331FD85}"/>
+              </a:ext>
+            </a:extLst>
+          </p:cNvPr>
+          <p:cNvSpPr>
+            <a:spLocks noGrp="1"/>
+          </p:cNvSpPr>
+          <p:nvPr>
+            <p:ph type="title"/>
+          </p:nvPr>
+        </p:nvSpPr>
+        <p:spPr>
+          <a:xfrm>
+            <a:off x="4272238" y="588197"/>
+            <a:ext cx="10515600" cy="1325563"/>
+          </a:xfrm>
+        </p:spPr>
+        <p:txBody>
+          <a:bodyPr/>
+          <a:lstStyle/>
+          <a:p>
+            <a:r>
+              <a:rPr lang="en-US" dirty="0">
+                <a:solidFill>
+                  <a:srgbClr val="EA5E46"/>
+                </a:solidFill>
+              </a:rPr>
+              <a:t>NYC </a:t>
+            </a:r>
+            <a:r>
+              <a:rPr lang="en-US" dirty="0" err="1">
+                <a:solidFill>
+                  <a:srgbClr val="EA5E46"/>
+                </a:solidFill>
+              </a:rPr>
+              <a:t>Neighbourhood</a:t>
+            </a:r>
+            <a:r>
+              <a:rPr lang="en-US" dirty="0">
+                <a:solidFill>
+                  <a:srgbClr val="EA5E46"/>
+                </a:solidFill>
+              </a:rPr>
+              <a:t> Ratings </a:t>
+            </a:r>
+          </a:p>
+        </p:txBody>
+      </p:sp>
+      <p:pic>
+        <p:nvPicPr>
+          <p:cNvPr id="2050" name="Picture 2" descr="Image result for air bnb logo">
+            <a:extLst>
+              <a:ext uri="{FF2B5EF4-FFF2-40B4-BE49-F238E27FC236}">
+                <a16:creationId xmlns:a16="http://schemas.microsoft.com/office/drawing/2014/main" id="{A162C291-208B-BE48-BF44-7D5CD7EF6151}"/>
+              </a:ext>
+            </a:extLst>
+          </p:cNvPr>
+          <p:cNvPicPr>
+            <a:picLocks noChangeAspect="1" noChangeArrowheads="1"/>
+          </p:cNvPicPr>
+          <p:nvPr/>
+        </p:nvPicPr>
+        <p:blipFill>
+          <a:blip r:embed="rId3">
+            <a:extLst>
+              <a:ext uri="{28A0092B-C50C-407E-A947-70E740481C1C}">
+                <a14:useLocalDpi xmlns:a14="http://schemas.microsoft.com/office/drawing/2010/main" val="0"/>
+              </a:ext>
+            </a:extLst>
+          </a:blip>
+          <a:srcRect/>
+          <a:stretch>
+            <a:fillRect/>
+          </a:stretch>
+        </p:blipFill>
+        <p:spPr bwMode="auto">
+          <a:xfrm>
+            <a:off x="2080820" y="0"/>
+            <a:ext cx="2189605" cy="2022038"/>
+          </a:xfrm>
+          <a:prstGeom prst="rect">
+            <a:avLst/>
+          </a:prstGeom>
+          <a:noFill/>
+          <a:extLst>
+            <a:ext uri="{909E8E84-426E-40DD-AFC4-6F175D3DCCD1}">
+              <a14:hiddenFill xmlns:a14="http://schemas.microsoft.com/office/drawing/2010/main">
+                <a:solidFill>
+                  <a:srgbClr val="FFFFFF"/>
+                </a:solidFill>
+              </a14:hiddenFill>
+            </a:ext>
+          </a:extLst>
+        </p:spPr>
+      </p:pic>
+      <p:cxnSp>
+        <p:nvCxnSpPr>
+          <p:cNvPr id="6" name="Straight Connector 5">
+            <a:extLst>
+              <a:ext uri="{FF2B5EF4-FFF2-40B4-BE49-F238E27FC236}">
+                <a16:creationId xmlns:a16="http://schemas.microsoft.com/office/drawing/2014/main" id="{7D0926DC-6298-B648-9DF9-0D78D09F9FC8}"/>
+              </a:ext>
+            </a:extLst>
+          </p:cNvPr>
+          <p:cNvCxnSpPr>
+            <a:cxnSpLocks/>
+          </p:cNvCxnSpPr>
+          <p:nvPr/>
+        </p:nvCxnSpPr>
+        <p:spPr>
+          <a:xfrm>
+            <a:off x="2526110" y="1576551"/>
+            <a:ext cx="9518745" cy="1"/>
+          </a:xfrm>
+          <a:prstGeom prst="line">
+            <a:avLst/>
+          </a:prstGeom>
+          <a:ln w="12700">
+            <a:solidFill>
+              <a:srgbClr val="EA5E46"/>
+            </a:solidFill>
+          </a:ln>
+        </p:spPr>
+        <p:style>
+          <a:lnRef idx="1">
+            <a:schemeClr val="accent2"/>
+          </a:lnRef>
+          <a:fillRef idx="0">
+            <a:schemeClr val="accent2"/>
+          </a:fillRef>
+          <a:effectRef idx="0">
+            <a:schemeClr val="accent2"/>
+          </a:effectRef>
+          <a:fontRef idx="minor">
+            <a:schemeClr val="tx1"/>
+          </a:fontRef>
+        </p:style>
+      </p:cxnSp>
+    </p:spTree>
+    <p:extLst>
+      <p:ext uri="{BB962C8B-B14F-4D97-AF65-F5344CB8AC3E}">
+        <p14:creationId xmlns:p14="http://schemas.microsoft.com/office/powerpoint/2010/main" val="493721797"/>
+      </p:ext>
+    </p:extLst>
+  </p:cSld>
+  <p:clrMapOvr>
+    <a:masterClrMapping/>
+  </p:clrMapOvr>
+</p:sld>
+</file>
+
+<file path=ppt/slides/slide12.xml><?xml version="1.0" encoding="utf-8"?>
+<p:sld xmlns:a="http://schemas.openxmlformats.org/drawingml/2006/main" xmlns:r="http://schemas.openxmlformats.org/officeDocument/2006/relationships" xmlns:p="http://schemas.openxmlformats.org/presentationml/2006/main">
+  <p:cSld>
+    <p:spTree>
+      <p:nvGrpSpPr>
+        <p:cNvPr id="1" name=""/>
+        <p:cNvGrpSpPr/>
+        <p:nvPr/>
+      </p:nvGrpSpPr>
+      <p:grpSpPr>
+        <a:xfrm>
+          <a:off x="0" y="0"/>
+          <a:ext cx="0" cy="0"/>
+          <a:chOff x="0" y="0"/>
+          <a:chExt cx="0" cy="0"/>
+        </a:xfrm>
+      </p:grpSpPr>
+      <p:sp>
+        <p:nvSpPr>
+          <p:cNvPr id="2" name="Title 1">
+            <a:extLst>
+              <a:ext uri="{FF2B5EF4-FFF2-40B4-BE49-F238E27FC236}">
+                <a16:creationId xmlns:a16="http://schemas.microsoft.com/office/drawing/2014/main" id="{59B8B577-5676-3C4B-A107-E41DB331FD85}"/>
+              </a:ext>
+            </a:extLst>
+          </p:cNvPr>
+          <p:cNvSpPr>
+            <a:spLocks noGrp="1"/>
+          </p:cNvSpPr>
+          <p:nvPr>
+            <p:ph type="title"/>
+          </p:nvPr>
+        </p:nvSpPr>
+        <p:spPr>
+          <a:xfrm>
+            <a:off x="4272238" y="588197"/>
+            <a:ext cx="10515600" cy="1325563"/>
+          </a:xfrm>
+        </p:spPr>
+        <p:txBody>
+          <a:bodyPr/>
+          <a:lstStyle/>
+          <a:p>
+            <a:r>
+              <a:rPr lang="en-US" dirty="0">
+                <a:solidFill>
+                  <a:srgbClr val="EA5E46"/>
+                </a:solidFill>
+              </a:rPr>
+              <a:t>Pricing of NYC Neighbourhoods</a:t>
+            </a:r>
+          </a:p>
+        </p:txBody>
+      </p:sp>
+      <p:pic>
+        <p:nvPicPr>
+          <p:cNvPr id="2050" name="Picture 2" descr="Image result for air bnb logo">
+            <a:extLst>
+              <a:ext uri="{FF2B5EF4-FFF2-40B4-BE49-F238E27FC236}">
+                <a16:creationId xmlns:a16="http://schemas.microsoft.com/office/drawing/2014/main" id="{A162C291-208B-BE48-BF44-7D5CD7EF6151}"/>
+              </a:ext>
+            </a:extLst>
+          </p:cNvPr>
+          <p:cNvPicPr>
+            <a:picLocks noChangeAspect="1" noChangeArrowheads="1"/>
+          </p:cNvPicPr>
+          <p:nvPr/>
+        </p:nvPicPr>
+        <p:blipFill>
+          <a:blip r:embed="rId3">
+            <a:extLst>
+              <a:ext uri="{28A0092B-C50C-407E-A947-70E740481C1C}">
+                <a14:useLocalDpi xmlns:a14="http://schemas.microsoft.com/office/drawing/2010/main" val="0"/>
+              </a:ext>
+            </a:extLst>
+          </a:blip>
+          <a:srcRect/>
+          <a:stretch>
+            <a:fillRect/>
+          </a:stretch>
+        </p:blipFill>
+        <p:spPr bwMode="auto">
+          <a:xfrm>
+            <a:off x="2080820" y="0"/>
+            <a:ext cx="2189605" cy="2022038"/>
+          </a:xfrm>
+          <a:prstGeom prst="rect">
+            <a:avLst/>
+          </a:prstGeom>
+          <a:noFill/>
+          <a:extLst>
+            <a:ext uri="{909E8E84-426E-40DD-AFC4-6F175D3DCCD1}">
+              <a14:hiddenFill xmlns:a14="http://schemas.microsoft.com/office/drawing/2010/main">
+                <a:solidFill>
+                  <a:srgbClr val="FFFFFF"/>
+                </a:solidFill>
+              </a14:hiddenFill>
+            </a:ext>
+          </a:extLst>
+        </p:spPr>
+      </p:pic>
+      <p:cxnSp>
+        <p:nvCxnSpPr>
+          <p:cNvPr id="6" name="Straight Connector 5">
+            <a:extLst>
+              <a:ext uri="{FF2B5EF4-FFF2-40B4-BE49-F238E27FC236}">
+                <a16:creationId xmlns:a16="http://schemas.microsoft.com/office/drawing/2014/main" id="{7D0926DC-6298-B648-9DF9-0D78D09F9FC8}"/>
+              </a:ext>
+            </a:extLst>
+          </p:cNvPr>
+          <p:cNvCxnSpPr>
+            <a:cxnSpLocks/>
+          </p:cNvCxnSpPr>
+          <p:nvPr/>
+        </p:nvCxnSpPr>
+        <p:spPr>
+          <a:xfrm>
+            <a:off x="2526110" y="1576551"/>
+            <a:ext cx="9518745" cy="1"/>
+          </a:xfrm>
+          <a:prstGeom prst="line">
+            <a:avLst/>
+          </a:prstGeom>
+          <a:ln w="12700">
+            <a:solidFill>
+              <a:srgbClr val="EA5E46"/>
+            </a:solidFill>
+          </a:ln>
+        </p:spPr>
+        <p:style>
+          <a:lnRef idx="1">
+            <a:schemeClr val="accent2"/>
+          </a:lnRef>
+          <a:fillRef idx="0">
+            <a:schemeClr val="accent2"/>
+          </a:fillRef>
+          <a:effectRef idx="0">
+            <a:schemeClr val="accent2"/>
+          </a:effectRef>
+          <a:fontRef idx="minor">
+            <a:schemeClr val="tx1"/>
+          </a:fontRef>
+        </p:style>
+      </p:cxnSp>
+    </p:spTree>
+    <p:extLst>
+      <p:ext uri="{BB962C8B-B14F-4D97-AF65-F5344CB8AC3E}">
+        <p14:creationId xmlns:p14="http://schemas.microsoft.com/office/powerpoint/2010/main" val="4213610689"/>
+      </p:ext>
+    </p:extLst>
+  </p:cSld>
+  <p:clrMapOvr>
+    <a:masterClrMapping/>
+  </p:clrMapOvr>
+</p:sld>
+</file>
+
+<file path=ppt/slides/slide13.xml><?xml version="1.0" encoding="utf-8"?>
+<p:sld xmlns:a="http://schemas.openxmlformats.org/drawingml/2006/main" xmlns:r="http://schemas.openxmlformats.org/officeDocument/2006/relationships" xmlns:p="http://schemas.openxmlformats.org/presentationml/2006/main">
+  <p:cSld>
+    <p:spTree>
+      <p:nvGrpSpPr>
+        <p:cNvPr id="1" name=""/>
+        <p:cNvGrpSpPr/>
+        <p:nvPr/>
+      </p:nvGrpSpPr>
+      <p:grpSpPr>
+        <a:xfrm>
+          <a:off x="0" y="0"/>
+          <a:ext cx="0" cy="0"/>
+          <a:chOff x="0" y="0"/>
+          <a:chExt cx="0" cy="0"/>
+        </a:xfrm>
+      </p:grpSpPr>
+      <p:sp>
+        <p:nvSpPr>
+          <p:cNvPr id="2" name="Title 1">
+            <a:extLst>
+              <a:ext uri="{FF2B5EF4-FFF2-40B4-BE49-F238E27FC236}">
+                <a16:creationId xmlns:a16="http://schemas.microsoft.com/office/drawing/2014/main" id="{59B8B577-5676-3C4B-A107-E41DB331FD85}"/>
+              </a:ext>
+            </a:extLst>
+          </p:cNvPr>
+          <p:cNvSpPr>
+            <a:spLocks noGrp="1"/>
+          </p:cNvSpPr>
+          <p:nvPr>
+            <p:ph type="title"/>
+          </p:nvPr>
+        </p:nvSpPr>
+        <p:spPr>
+          <a:xfrm>
+            <a:off x="4272238" y="588197"/>
+            <a:ext cx="10515600" cy="1325563"/>
+          </a:xfrm>
+        </p:spPr>
+        <p:txBody>
+          <a:bodyPr/>
+          <a:lstStyle/>
+          <a:p>
+            <a:r>
+              <a:rPr lang="en-US" dirty="0">
+                <a:solidFill>
+                  <a:srgbClr val="EA5E46"/>
+                </a:solidFill>
+              </a:rPr>
+              <a:t>App Dashboard Design</a:t>
+            </a:r>
+          </a:p>
+        </p:txBody>
+      </p:sp>
+      <p:pic>
+        <p:nvPicPr>
+          <p:cNvPr id="2050" name="Picture 2" descr="Image result for air bnb logo">
+            <a:extLst>
+              <a:ext uri="{FF2B5EF4-FFF2-40B4-BE49-F238E27FC236}">
+                <a16:creationId xmlns:a16="http://schemas.microsoft.com/office/drawing/2014/main" id="{A162C291-208B-BE48-BF44-7D5CD7EF6151}"/>
+              </a:ext>
+            </a:extLst>
+          </p:cNvPr>
+          <p:cNvPicPr>
+            <a:picLocks noChangeAspect="1" noChangeArrowheads="1"/>
+          </p:cNvPicPr>
+          <p:nvPr/>
+        </p:nvPicPr>
+        <p:blipFill>
+          <a:blip r:embed="rId3">
+            <a:extLst>
+              <a:ext uri="{28A0092B-C50C-407E-A947-70E740481C1C}">
+                <a14:useLocalDpi xmlns:a14="http://schemas.microsoft.com/office/drawing/2010/main" val="0"/>
+              </a:ext>
+            </a:extLst>
+          </a:blip>
+          <a:srcRect/>
+          <a:stretch>
+            <a:fillRect/>
+          </a:stretch>
+        </p:blipFill>
+        <p:spPr bwMode="auto">
+          <a:xfrm>
+            <a:off x="2080820" y="0"/>
+            <a:ext cx="2189605" cy="2022038"/>
+          </a:xfrm>
+          <a:prstGeom prst="rect">
+            <a:avLst/>
+          </a:prstGeom>
+          <a:noFill/>
+          <a:extLst>
+            <a:ext uri="{909E8E84-426E-40DD-AFC4-6F175D3DCCD1}">
+              <a14:hiddenFill xmlns:a14="http://schemas.microsoft.com/office/drawing/2010/main">
+                <a:solidFill>
+                  <a:srgbClr val="FFFFFF"/>
+                </a:solidFill>
+              </a14:hiddenFill>
+            </a:ext>
+          </a:extLst>
+        </p:spPr>
+      </p:pic>
+      <p:cxnSp>
+        <p:nvCxnSpPr>
+          <p:cNvPr id="6" name="Straight Connector 5">
+            <a:extLst>
+              <a:ext uri="{FF2B5EF4-FFF2-40B4-BE49-F238E27FC236}">
+                <a16:creationId xmlns:a16="http://schemas.microsoft.com/office/drawing/2014/main" id="{7D0926DC-6298-B648-9DF9-0D78D09F9FC8}"/>
+              </a:ext>
+            </a:extLst>
+          </p:cNvPr>
+          <p:cNvCxnSpPr>
+            <a:cxnSpLocks/>
+          </p:cNvCxnSpPr>
+          <p:nvPr/>
+        </p:nvCxnSpPr>
+        <p:spPr>
+          <a:xfrm>
+            <a:off x="2526110" y="1576551"/>
+            <a:ext cx="9518745" cy="1"/>
+          </a:xfrm>
+          <a:prstGeom prst="line">
+            <a:avLst/>
+          </a:prstGeom>
+          <a:ln w="12700">
+            <a:solidFill>
+              <a:srgbClr val="EA5E46"/>
+            </a:solidFill>
+          </a:ln>
+        </p:spPr>
+        <p:style>
+          <a:lnRef idx="1">
+            <a:schemeClr val="accent2"/>
+          </a:lnRef>
+          <a:fillRef idx="0">
+            <a:schemeClr val="accent2"/>
+          </a:fillRef>
+          <a:effectRef idx="0">
+            <a:schemeClr val="accent2"/>
+          </a:effectRef>
+          <a:fontRef idx="minor">
+            <a:schemeClr val="tx1"/>
+          </a:fontRef>
+        </p:style>
+      </p:cxnSp>
+      <p:sp>
+        <p:nvSpPr>
+          <p:cNvPr id="3" name="AutoShape 2">
+            <a:extLst>
+              <a:ext uri="{FF2B5EF4-FFF2-40B4-BE49-F238E27FC236}">
+                <a16:creationId xmlns:a16="http://schemas.microsoft.com/office/drawing/2014/main" id="{4A003885-906A-5B4D-B7E6-D590C2605E53}"/>
+              </a:ext>
+            </a:extLst>
+          </p:cNvPr>
+          <p:cNvSpPr>
+            <a:spLocks noChangeAspect="1" noChangeArrowheads="1"/>
+          </p:cNvSpPr>
+          <p:nvPr/>
+        </p:nvSpPr>
+        <p:spPr bwMode="auto">
+          <a:xfrm>
+            <a:off x="5943599" y="3276599"/>
+            <a:ext cx="5339443" cy="5339443"/>
+          </a:xfrm>
+          <a:prstGeom prst="rect">
+            <a:avLst/>
+          </a:prstGeom>
+          <a:noFill/>
+          <a:extLst>
+            <a:ext uri="{909E8E84-426E-40DD-AFC4-6F175D3DCCD1}">
+              <a14:hiddenFill xmlns:a14="http://schemas.microsoft.com/office/drawing/2010/main">
+                <a:solidFill>
+                  <a:srgbClr val="FFFFFF"/>
+                </a:solidFill>
+              </a14:hiddenFill>
+            </a:ext>
+          </a:extLst>
+        </p:spPr>
+        <p:txBody>
+          <a:bodyPr vert="horz" wrap="square" lIns="91440" tIns="45720" rIns="91440" bIns="45720" numCol="1" anchor="t" anchorCtr="0" compatLnSpc="1">
+            <a:prstTxWarp prst="textNoShape">
+              <a:avLst/>
+            </a:prstTxWarp>
+          </a:bodyPr>
+          <a:lstStyle/>
+          <a:p>
+            <a:endParaRPr lang="en-US"/>
+          </a:p>
+        </p:txBody>
+      </p:sp>
+      <p:sp>
+        <p:nvSpPr>
+          <p:cNvPr id="4" name="AutoShape 4">
+            <a:extLst>
+              <a:ext uri="{FF2B5EF4-FFF2-40B4-BE49-F238E27FC236}">
+                <a16:creationId xmlns:a16="http://schemas.microsoft.com/office/drawing/2014/main" id="{8070242B-70C5-BB4A-960A-BE0D676EA5A9}"/>
+              </a:ext>
+            </a:extLst>
+          </p:cNvPr>
+          <p:cNvSpPr>
+            <a:spLocks noChangeAspect="1" noChangeArrowheads="1"/>
+          </p:cNvSpPr>
+          <p:nvPr/>
+        </p:nvSpPr>
+        <p:spPr bwMode="auto">
+          <a:xfrm>
+            <a:off x="5943599" y="3276599"/>
+            <a:ext cx="5012871" cy="5012871"/>
+          </a:xfrm>
+          <a:prstGeom prst="rect">
+            <a:avLst/>
+          </a:prstGeom>
+          <a:noFill/>
+          <a:extLst>
+            <a:ext uri="{909E8E84-426E-40DD-AFC4-6F175D3DCCD1}">
+              <a14:hiddenFill xmlns:a14="http://schemas.microsoft.com/office/drawing/2010/main">
+                <a:solidFill>
+                  <a:srgbClr val="FFFFFF"/>
+                </a:solidFill>
+              </a14:hiddenFill>
+            </a:ext>
+          </a:extLst>
+        </p:spPr>
+        <p:txBody>
+          <a:bodyPr vert="horz" wrap="square" lIns="91440" tIns="45720" rIns="91440" bIns="45720" numCol="1" anchor="t" anchorCtr="0" compatLnSpc="1">
+            <a:prstTxWarp prst="textNoShape">
+              <a:avLst/>
+            </a:prstTxWarp>
+          </a:bodyPr>
+          <a:lstStyle/>
+          <a:p>
+            <a:endParaRPr lang="en-US"/>
+          </a:p>
+        </p:txBody>
+      </p:sp>
+    </p:spTree>
+    <p:extLst>
+      <p:ext uri="{BB962C8B-B14F-4D97-AF65-F5344CB8AC3E}">
+        <p14:creationId xmlns:p14="http://schemas.microsoft.com/office/powerpoint/2010/main" val="1397239896"/>
+      </p:ext>
+    </p:extLst>
+  </p:cSld>
+  <p:clrMapOvr>
+    <a:masterClrMapping/>
+  </p:clrMapOvr>
+</p:sld>
+</file>
+
+<file path=ppt/slides/slide14.xml><?xml version="1.0" encoding="utf-8"?>
+<p:sld xmlns:a="http://schemas.openxmlformats.org/drawingml/2006/main" xmlns:r="http://schemas.openxmlformats.org/officeDocument/2006/relationships" xmlns:p="http://schemas.openxmlformats.org/presentationml/2006/main">
+  <p:cSld>
+    <p:spTree>
+      <p:nvGrpSpPr>
+        <p:cNvPr id="1" name=""/>
+        <p:cNvGrpSpPr/>
+        <p:nvPr/>
+      </p:nvGrpSpPr>
+      <p:grpSpPr>
+        <a:xfrm>
+          <a:off x="0" y="0"/>
+          <a:ext cx="0" cy="0"/>
+          <a:chOff x="0" y="0"/>
+          <a:chExt cx="0" cy="0"/>
+        </a:xfrm>
+      </p:grpSpPr>
+      <p:sp>
+        <p:nvSpPr>
+          <p:cNvPr id="2" name="Title 1">
+            <a:extLst>
+              <a:ext uri="{FF2B5EF4-FFF2-40B4-BE49-F238E27FC236}">
+                <a16:creationId xmlns:a16="http://schemas.microsoft.com/office/drawing/2014/main" id="{59B8B577-5676-3C4B-A107-E41DB331FD85}"/>
+              </a:ext>
+            </a:extLst>
+          </p:cNvPr>
+          <p:cNvSpPr>
+            <a:spLocks noGrp="1"/>
+          </p:cNvSpPr>
+          <p:nvPr>
+            <p:ph type="title"/>
+          </p:nvPr>
+        </p:nvSpPr>
+        <p:spPr>
+          <a:xfrm>
+            <a:off x="4272238" y="588197"/>
+            <a:ext cx="10515600" cy="1325563"/>
+          </a:xfrm>
+        </p:spPr>
+        <p:txBody>
+          <a:bodyPr/>
+          <a:lstStyle/>
+          <a:p>
+            <a:r>
+              <a:rPr lang="en-US" dirty="0">
+                <a:solidFill>
+                  <a:srgbClr val="EA5E46"/>
+                </a:solidFill>
+              </a:rPr>
               <a:t>Coding Approach</a:t>
             </a:r>
           </a:p>
@@ -5579,7 +6501,7 @@
 </p:sld>
 </file>
 
-<file path=ppt/slides/slide11.xml><?xml version="1.0" encoding="utf-8"?>
+<file path=ppt/slides/slide15.xml><?xml version="1.0" encoding="utf-8"?>
 <p:sld xmlns:a="http://schemas.openxmlformats.org/drawingml/2006/main" xmlns:r="http://schemas.openxmlformats.org/officeDocument/2006/relationships" xmlns:p="http://schemas.openxmlformats.org/presentationml/2006/main">
   <p:cSld>
     <p:spTree>
@@ -5628,7 +6550,7 @@
                   <a:srgbClr val="EA5E46"/>
                 </a:solidFill>
               </a:rPr>
-              <a:t>Creating Interactive Visualizations</a:t>
+              <a:t>Next Steps…</a:t>
             </a:r>
           </a:p>
         </p:txBody>
@@ -5723,433 +6645,30 @@
           </a:fontRef>
         </p:style>
       </p:cxnSp>
-    </p:spTree>
-    <p:extLst>
-      <p:ext uri="{BB962C8B-B14F-4D97-AF65-F5344CB8AC3E}">
-        <p14:creationId xmlns:p14="http://schemas.microsoft.com/office/powerpoint/2010/main" val="3225701336"/>
-      </p:ext>
-    </p:extLst>
-  </p:cSld>
-  <p:clrMapOvr>
-    <a:masterClrMapping/>
-  </p:clrMapOvr>
-</p:sld>
-</file>
-
-<file path=ppt/slides/slide12.xml><?xml version="1.0" encoding="utf-8"?>
-<p:sld xmlns:a="http://schemas.openxmlformats.org/drawingml/2006/main" xmlns:r="http://schemas.openxmlformats.org/officeDocument/2006/relationships" xmlns:p="http://schemas.openxmlformats.org/presentationml/2006/main">
-  <p:cSld>
-    <p:spTree>
-      <p:nvGrpSpPr>
-        <p:cNvPr id="1" name=""/>
-        <p:cNvGrpSpPr/>
-        <p:nvPr/>
-      </p:nvGrpSpPr>
-      <p:grpSpPr>
-        <a:xfrm>
-          <a:off x="0" y="0"/>
-          <a:ext cx="0" cy="0"/>
-          <a:chOff x="0" y="0"/>
-          <a:chExt cx="0" cy="0"/>
-        </a:xfrm>
-      </p:grpSpPr>
-      <p:sp>
-        <p:nvSpPr>
-          <p:cNvPr id="2" name="Title 1">
-            <a:extLst>
-              <a:ext uri="{FF2B5EF4-FFF2-40B4-BE49-F238E27FC236}">
-                <a16:creationId xmlns:a16="http://schemas.microsoft.com/office/drawing/2014/main" id="{59B8B577-5676-3C4B-A107-E41DB331FD85}"/>
-              </a:ext>
-            </a:extLst>
-          </p:cNvPr>
-          <p:cNvSpPr>
-            <a:spLocks noGrp="1"/>
-          </p:cNvSpPr>
-          <p:nvPr>
-            <p:ph type="title"/>
-          </p:nvPr>
+      <p:sp>
+        <p:nvSpPr>
+          <p:cNvPr id="4" name="TextBox 3">
+            <a:extLst>
+              <a:ext uri="{FF2B5EF4-FFF2-40B4-BE49-F238E27FC236}">
+                <a16:creationId xmlns:a16="http://schemas.microsoft.com/office/drawing/2014/main" id="{67A13954-A54D-0C44-B403-C1722DD42C61}"/>
+              </a:ext>
+            </a:extLst>
+          </p:cNvPr>
+          <p:cNvSpPr txBox="1"/>
+          <p:nvPr/>
         </p:nvSpPr>
         <p:spPr>
           <a:xfrm>
-            <a:off x="4272238" y="588197"/>
-            <a:ext cx="10515600" cy="1325563"/>
-          </a:xfrm>
-        </p:spPr>
-        <p:txBody>
-          <a:bodyPr/>
-          <a:lstStyle/>
-          <a:p>
-            <a:r>
-              <a:rPr lang="en-US" dirty="0">
-                <a:solidFill>
-                  <a:srgbClr val="EA5E46"/>
-                </a:solidFill>
-              </a:rPr>
-              <a:t>Web Dashboard </a:t>
-            </a:r>
-          </a:p>
-        </p:txBody>
-      </p:sp>
-      <p:pic>
-        <p:nvPicPr>
-          <p:cNvPr id="2050" name="Picture 2" descr="Image result for air bnb logo">
-            <a:extLst>
-              <a:ext uri="{FF2B5EF4-FFF2-40B4-BE49-F238E27FC236}">
-                <a16:creationId xmlns:a16="http://schemas.microsoft.com/office/drawing/2014/main" id="{A162C291-208B-BE48-BF44-7D5CD7EF6151}"/>
-              </a:ext>
-            </a:extLst>
-          </p:cNvPr>
-          <p:cNvPicPr>
-            <a:picLocks noChangeAspect="1" noChangeArrowheads="1"/>
-          </p:cNvPicPr>
-          <p:nvPr/>
-        </p:nvPicPr>
-        <p:blipFill>
-          <a:blip r:embed="rId3">
-            <a:extLst>
-              <a:ext uri="{28A0092B-C50C-407E-A947-70E740481C1C}">
-                <a14:useLocalDpi xmlns:a14="http://schemas.microsoft.com/office/drawing/2010/main" val="0"/>
-              </a:ext>
-            </a:extLst>
-          </a:blip>
-          <a:srcRect/>
-          <a:stretch>
-            <a:fillRect/>
-          </a:stretch>
-        </p:blipFill>
-        <p:spPr bwMode="auto">
-          <a:xfrm>
-            <a:off x="2080820" y="0"/>
-            <a:ext cx="2189605" cy="2022038"/>
+            <a:off x="360947" y="1913760"/>
+            <a:ext cx="11450053" cy="3662541"/>
           </a:xfrm>
           <a:prstGeom prst="rect">
             <a:avLst/>
           </a:prstGeom>
           <a:noFill/>
-          <a:extLst>
-            <a:ext uri="{909E8E84-426E-40DD-AFC4-6F175D3DCCD1}">
-              <a14:hiddenFill xmlns:a14="http://schemas.microsoft.com/office/drawing/2010/main">
-                <a:solidFill>
-                  <a:srgbClr val="FFFFFF"/>
-                </a:solidFill>
-              </a14:hiddenFill>
-            </a:ext>
-          </a:extLst>
         </p:spPr>
-      </p:pic>
-      <p:cxnSp>
-        <p:nvCxnSpPr>
-          <p:cNvPr id="6" name="Straight Connector 5">
-            <a:extLst>
-              <a:ext uri="{FF2B5EF4-FFF2-40B4-BE49-F238E27FC236}">
-                <a16:creationId xmlns:a16="http://schemas.microsoft.com/office/drawing/2014/main" id="{7D0926DC-6298-B648-9DF9-0D78D09F9FC8}"/>
-              </a:ext>
-            </a:extLst>
-          </p:cNvPr>
-          <p:cNvCxnSpPr>
-            <a:cxnSpLocks/>
-          </p:cNvCxnSpPr>
-          <p:nvPr/>
-        </p:nvCxnSpPr>
-        <p:spPr>
-          <a:xfrm>
-            <a:off x="2526110" y="1576551"/>
-            <a:ext cx="9518745" cy="1"/>
-          </a:xfrm>
-          <a:prstGeom prst="line">
-            <a:avLst/>
-          </a:prstGeom>
-          <a:ln w="12700">
-            <a:solidFill>
-              <a:srgbClr val="EA5E46"/>
-            </a:solidFill>
-          </a:ln>
-        </p:spPr>
-        <p:style>
-          <a:lnRef idx="1">
-            <a:schemeClr val="accent2"/>
-          </a:lnRef>
-          <a:fillRef idx="0">
-            <a:schemeClr val="accent2"/>
-          </a:fillRef>
-          <a:effectRef idx="0">
-            <a:schemeClr val="accent2"/>
-          </a:effectRef>
-          <a:fontRef idx="minor">
-            <a:schemeClr val="tx1"/>
-          </a:fontRef>
-        </p:style>
-      </p:cxnSp>
-      <p:sp>
-        <p:nvSpPr>
-          <p:cNvPr id="3" name="AutoShape 2">
-            <a:extLst>
-              <a:ext uri="{FF2B5EF4-FFF2-40B4-BE49-F238E27FC236}">
-                <a16:creationId xmlns:a16="http://schemas.microsoft.com/office/drawing/2014/main" id="{4A003885-906A-5B4D-B7E6-D590C2605E53}"/>
-              </a:ext>
-            </a:extLst>
-          </p:cNvPr>
-          <p:cNvSpPr>
-            <a:spLocks noChangeAspect="1" noChangeArrowheads="1"/>
-          </p:cNvSpPr>
-          <p:nvPr/>
-        </p:nvSpPr>
-        <p:spPr bwMode="auto">
-          <a:xfrm>
-            <a:off x="5943599" y="3276599"/>
-            <a:ext cx="5339443" cy="5339443"/>
-          </a:xfrm>
-          <a:prstGeom prst="rect">
-            <a:avLst/>
-          </a:prstGeom>
-          <a:noFill/>
-          <a:extLst>
-            <a:ext uri="{909E8E84-426E-40DD-AFC4-6F175D3DCCD1}">
-              <a14:hiddenFill xmlns:a14="http://schemas.microsoft.com/office/drawing/2010/main">
-                <a:solidFill>
-                  <a:srgbClr val="FFFFFF"/>
-                </a:solidFill>
-              </a14:hiddenFill>
-            </a:ext>
-          </a:extLst>
-        </p:spPr>
-        <p:txBody>
-          <a:bodyPr vert="horz" wrap="square" lIns="91440" tIns="45720" rIns="91440" bIns="45720" numCol="1" anchor="t" anchorCtr="0" compatLnSpc="1">
-            <a:prstTxWarp prst="textNoShape">
-              <a:avLst/>
-            </a:prstTxWarp>
-          </a:bodyPr>
-          <a:lstStyle/>
-          <a:p>
-            <a:endParaRPr lang="en-US"/>
-          </a:p>
-        </p:txBody>
-      </p:sp>
-      <p:sp>
-        <p:nvSpPr>
-          <p:cNvPr id="4" name="AutoShape 4">
-            <a:extLst>
-              <a:ext uri="{FF2B5EF4-FFF2-40B4-BE49-F238E27FC236}">
-                <a16:creationId xmlns:a16="http://schemas.microsoft.com/office/drawing/2014/main" id="{8070242B-70C5-BB4A-960A-BE0D676EA5A9}"/>
-              </a:ext>
-            </a:extLst>
-          </p:cNvPr>
-          <p:cNvSpPr>
-            <a:spLocks noChangeAspect="1" noChangeArrowheads="1"/>
-          </p:cNvSpPr>
-          <p:nvPr/>
-        </p:nvSpPr>
-        <p:spPr bwMode="auto">
-          <a:xfrm>
-            <a:off x="5943599" y="3276599"/>
-            <a:ext cx="5012871" cy="5012871"/>
-          </a:xfrm>
-          <a:prstGeom prst="rect">
-            <a:avLst/>
-          </a:prstGeom>
-          <a:noFill/>
-          <a:extLst>
-            <a:ext uri="{909E8E84-426E-40DD-AFC4-6F175D3DCCD1}">
-              <a14:hiddenFill xmlns:a14="http://schemas.microsoft.com/office/drawing/2010/main">
-                <a:solidFill>
-                  <a:srgbClr val="FFFFFF"/>
-                </a:solidFill>
-              </a14:hiddenFill>
-            </a:ext>
-          </a:extLst>
-        </p:spPr>
-        <p:txBody>
-          <a:bodyPr vert="horz" wrap="square" lIns="91440" tIns="45720" rIns="91440" bIns="45720" numCol="1" anchor="t" anchorCtr="0" compatLnSpc="1">
-            <a:prstTxWarp prst="textNoShape">
-              <a:avLst/>
-            </a:prstTxWarp>
-          </a:bodyPr>
-          <a:lstStyle/>
-          <a:p>
-            <a:endParaRPr lang="en-US"/>
-          </a:p>
-        </p:txBody>
-      </p:sp>
-    </p:spTree>
-    <p:extLst>
-      <p:ext uri="{BB962C8B-B14F-4D97-AF65-F5344CB8AC3E}">
-        <p14:creationId xmlns:p14="http://schemas.microsoft.com/office/powerpoint/2010/main" val="1397239896"/>
-      </p:ext>
-    </p:extLst>
-  </p:cSld>
-  <p:clrMapOvr>
-    <a:masterClrMapping/>
-  </p:clrMapOvr>
-</p:sld>
-</file>
-
-<file path=ppt/slides/slide13.xml><?xml version="1.0" encoding="utf-8"?>
-<p:sld xmlns:a="http://schemas.openxmlformats.org/drawingml/2006/main" xmlns:r="http://schemas.openxmlformats.org/officeDocument/2006/relationships" xmlns:p="http://schemas.openxmlformats.org/presentationml/2006/main">
-  <p:cSld>
-    <p:spTree>
-      <p:nvGrpSpPr>
-        <p:cNvPr id="1" name=""/>
-        <p:cNvGrpSpPr/>
-        <p:nvPr/>
-      </p:nvGrpSpPr>
-      <p:grpSpPr>
-        <a:xfrm>
-          <a:off x="0" y="0"/>
-          <a:ext cx="0" cy="0"/>
-          <a:chOff x="0" y="0"/>
-          <a:chExt cx="0" cy="0"/>
-        </a:xfrm>
-      </p:grpSpPr>
-      <p:sp>
-        <p:nvSpPr>
-          <p:cNvPr id="2" name="Title 1">
-            <a:extLst>
-              <a:ext uri="{FF2B5EF4-FFF2-40B4-BE49-F238E27FC236}">
-                <a16:creationId xmlns:a16="http://schemas.microsoft.com/office/drawing/2014/main" id="{59B8B577-5676-3C4B-A107-E41DB331FD85}"/>
-              </a:ext>
-            </a:extLst>
-          </p:cNvPr>
-          <p:cNvSpPr>
-            <a:spLocks noGrp="1"/>
-          </p:cNvSpPr>
-          <p:nvPr>
-            <p:ph type="title"/>
-          </p:nvPr>
-        </p:nvSpPr>
-        <p:spPr>
-          <a:xfrm>
-            <a:off x="4272238" y="588197"/>
-            <a:ext cx="10515600" cy="1325563"/>
-          </a:xfrm>
-        </p:spPr>
-        <p:txBody>
-          <a:bodyPr/>
-          <a:lstStyle/>
-          <a:p>
-            <a:r>
-              <a:rPr lang="en-US" dirty="0">
-                <a:solidFill>
-                  <a:srgbClr val="EA5E46"/>
-                </a:solidFill>
-              </a:rPr>
-              <a:t>Next Steps…</a:t>
-            </a:r>
-          </a:p>
-        </p:txBody>
-      </p:sp>
-      <p:pic>
-        <p:nvPicPr>
-          <p:cNvPr id="2050" name="Picture 2" descr="Image result for air bnb logo">
-            <a:extLst>
-              <a:ext uri="{FF2B5EF4-FFF2-40B4-BE49-F238E27FC236}">
-                <a16:creationId xmlns:a16="http://schemas.microsoft.com/office/drawing/2014/main" id="{A162C291-208B-BE48-BF44-7D5CD7EF6151}"/>
-              </a:ext>
-            </a:extLst>
-          </p:cNvPr>
-          <p:cNvPicPr>
-            <a:picLocks noChangeAspect="1" noChangeArrowheads="1"/>
-          </p:cNvPicPr>
-          <p:nvPr/>
-        </p:nvPicPr>
-        <p:blipFill>
-          <a:blip r:embed="rId3">
-            <a:extLst>
-              <a:ext uri="{28A0092B-C50C-407E-A947-70E740481C1C}">
-                <a14:useLocalDpi xmlns:a14="http://schemas.microsoft.com/office/drawing/2010/main" val="0"/>
-              </a:ext>
-            </a:extLst>
-          </a:blip>
-          <a:srcRect/>
-          <a:stretch>
-            <a:fillRect/>
-          </a:stretch>
-        </p:blipFill>
-        <p:spPr bwMode="auto">
-          <a:xfrm>
-            <a:off x="2080820" y="0"/>
-            <a:ext cx="2189605" cy="2022038"/>
-          </a:xfrm>
-          <a:prstGeom prst="rect">
-            <a:avLst/>
-          </a:prstGeom>
-          <a:noFill/>
-          <a:extLst>
-            <a:ext uri="{909E8E84-426E-40DD-AFC4-6F175D3DCCD1}">
-              <a14:hiddenFill xmlns:a14="http://schemas.microsoft.com/office/drawing/2010/main">
-                <a:solidFill>
-                  <a:srgbClr val="FFFFFF"/>
-                </a:solidFill>
-              </a14:hiddenFill>
-            </a:ext>
-          </a:extLst>
-        </p:spPr>
-      </p:pic>
-      <p:cxnSp>
-        <p:nvCxnSpPr>
-          <p:cNvPr id="6" name="Straight Connector 5">
-            <a:extLst>
-              <a:ext uri="{FF2B5EF4-FFF2-40B4-BE49-F238E27FC236}">
-                <a16:creationId xmlns:a16="http://schemas.microsoft.com/office/drawing/2014/main" id="{7D0926DC-6298-B648-9DF9-0D78D09F9FC8}"/>
-              </a:ext>
-            </a:extLst>
-          </p:cNvPr>
-          <p:cNvCxnSpPr>
-            <a:cxnSpLocks/>
-          </p:cNvCxnSpPr>
-          <p:nvPr/>
-        </p:nvCxnSpPr>
-        <p:spPr>
-          <a:xfrm>
-            <a:off x="2526110" y="1576551"/>
-            <a:ext cx="9518745" cy="1"/>
-          </a:xfrm>
-          <a:prstGeom prst="line">
-            <a:avLst/>
-          </a:prstGeom>
-          <a:ln w="12700">
-            <a:solidFill>
-              <a:srgbClr val="EA5E46"/>
-            </a:solidFill>
-          </a:ln>
-        </p:spPr>
-        <p:style>
-          <a:lnRef idx="1">
-            <a:schemeClr val="accent2"/>
-          </a:lnRef>
-          <a:fillRef idx="0">
-            <a:schemeClr val="accent2"/>
-          </a:fillRef>
-          <a:effectRef idx="0">
-            <a:schemeClr val="accent2"/>
-          </a:effectRef>
-          <a:fontRef idx="minor">
-            <a:schemeClr val="tx1"/>
-          </a:fontRef>
-        </p:style>
-      </p:cxnSp>
-      <p:sp>
-        <p:nvSpPr>
-          <p:cNvPr id="3" name="Rectangle 2">
-            <a:extLst>
-              <a:ext uri="{FF2B5EF4-FFF2-40B4-BE49-F238E27FC236}">
-                <a16:creationId xmlns:a16="http://schemas.microsoft.com/office/drawing/2014/main" id="{CDEF6BA6-7EFE-9847-83BD-5AF111B60B33}"/>
-              </a:ext>
-            </a:extLst>
-          </p:cNvPr>
-          <p:cNvSpPr/>
-          <p:nvPr/>
-        </p:nvSpPr>
-        <p:spPr>
-          <a:xfrm>
-            <a:off x="895349" y="2137440"/>
-            <a:ext cx="10744201" cy="2677656"/>
-          </a:xfrm>
-          <a:prstGeom prst="rect">
-            <a:avLst/>
-          </a:prstGeom>
-        </p:spPr>
-        <p:txBody>
-          <a:bodyPr wrap="square">
+        <p:txBody>
+          <a:bodyPr wrap="square" rtlCol="0">
             <a:spAutoFit/>
           </a:bodyPr>
           <a:lstStyle/>
@@ -6159,7 +6678,7 @@
               <a:buChar char="-"/>
             </a:pPr>
             <a:r>
-              <a:rPr lang="en-US" sz="2400" dirty="0">
+              <a:rPr lang="en-US" sz="2800" dirty="0">
                 <a:latin typeface="+mj-lt"/>
               </a:rPr>
               <a:t>A major area of concern for cities worldwide is the effect that expansion of Airbnb has made on the housing market for indigenous residents. </a:t>
@@ -6170,7 +6689,7 @@
               <a:buFontTx/>
               <a:buChar char="-"/>
             </a:pPr>
-            <a:endParaRPr lang="en-US" sz="2400" dirty="0">
+            <a:endParaRPr lang="en-US" sz="2800" dirty="0">
               <a:latin typeface="+mj-lt"/>
             </a:endParaRPr>
           </a:p>
@@ -6180,24 +6699,38 @@
               <a:buChar char="-"/>
             </a:pPr>
             <a:r>
-              <a:rPr lang="en-US" sz="2400" dirty="0">
+              <a:rPr lang="en-US" sz="2800" dirty="0">
                 <a:latin typeface="+mj-lt"/>
               </a:rPr>
               <a:t>Further analysis can help determine if there is a correlation between Airbnb    listings and rental/house prices for NYC neighbourhoods. </a:t>
             </a:r>
           </a:p>
           <a:p>
-            <a:endParaRPr lang="en-US" sz="2400" dirty="0">
+            <a:endParaRPr lang="en-US" sz="2800" dirty="0">
               <a:latin typeface="+mj-lt"/>
             </a:endParaRPr>
           </a:p>
           <a:p>
             <a:r>
-              <a:rPr lang="en-US" sz="2400" dirty="0">
+              <a:rPr lang="en-US" sz="2800" dirty="0">
                 <a:latin typeface="+mj-lt"/>
               </a:rPr>
               <a:t>-   Create a model to predict the average Airbnb prices in New York.</a:t>
             </a:r>
+          </a:p>
+          <a:p>
+            <a:pPr marL="285750" indent="-285750">
+              <a:buFontTx/>
+              <a:buChar char="-"/>
+            </a:pPr>
+            <a:endParaRPr lang="en-US" dirty="0"/>
+          </a:p>
+          <a:p>
+            <a:pPr marL="285750" indent="-285750">
+              <a:buFontTx/>
+              <a:buChar char="-"/>
+            </a:pPr>
+            <a:endParaRPr lang="en-US" dirty="0"/>
           </a:p>
         </p:txBody>
       </p:sp>
@@ -8688,44 +9221,40 @@
             </a:r>
           </a:p>
           <a:p>
+            <a:endParaRPr lang="en-CA" dirty="0">
+              <a:latin typeface="+mj-lt"/>
+            </a:endParaRPr>
+          </a:p>
+          <a:p>
+            <a:pPr marL="285750" indent="-285750">
+              <a:buFont typeface="Arial" panose="020B0604020202020204" pitchFamily="34" charset="0"/>
+              <a:buChar char="•"/>
+            </a:pPr>
+            <a:r>
+              <a:rPr lang="en-CA" dirty="0">
+                <a:latin typeface="+mj-lt"/>
+              </a:rPr>
+              <a:t>Needed to further reduce the size of dataset to meet free uploading requirements to </a:t>
+            </a:r>
+            <a:r>
+              <a:rPr lang="en-CA" dirty="0" err="1">
+                <a:latin typeface="+mj-lt"/>
+              </a:rPr>
+              <a:t>postgres</a:t>
+            </a:r>
+            <a:r>
+              <a:rPr lang="en-CA" dirty="0">
+                <a:latin typeface="+mj-lt"/>
+              </a:rPr>
+              <a:t> SQL. </a:t>
+            </a:r>
+          </a:p>
+          <a:p>
             <a:pPr marL="285750" indent="-285750">
               <a:buFont typeface="Arial" panose="020B0604020202020204" pitchFamily="34" charset="0"/>
               <a:buChar char="•"/>
             </a:pPr>
             <a:endParaRPr lang="en-CA" dirty="0">
-              <a:latin typeface="+mj-lt"/>
-            </a:endParaRPr>
-          </a:p>
-          <a:p>
-            <a:pPr marL="285750" indent="-285750">
-              <a:buFont typeface="Arial" panose="020B0604020202020204" pitchFamily="34" charset="0"/>
-              <a:buChar char="•"/>
-            </a:pPr>
-            <a:r>
-              <a:rPr lang="en-CA" dirty="0">
-                <a:latin typeface="+mj-lt"/>
-              </a:rPr>
-              <a:t>Needed to further reduce the size of dataset to meet free uploading requirements to </a:t>
-            </a:r>
-            <a:r>
-              <a:rPr lang="en-CA" dirty="0" err="1">
-                <a:latin typeface="+mj-lt"/>
-              </a:rPr>
-              <a:t>postgres</a:t>
-            </a:r>
-            <a:r>
-              <a:rPr lang="en-CA" dirty="0">
-                <a:latin typeface="+mj-lt"/>
-              </a:rPr>
-              <a:t> SQL. </a:t>
-            </a:r>
-          </a:p>
-          <a:p>
-            <a:pPr marL="285750" indent="-285750">
-              <a:buFont typeface="Arial" panose="020B0604020202020204" pitchFamily="34" charset="0"/>
-              <a:buChar char="•"/>
-            </a:pPr>
-            <a:endParaRPr lang="en-CA">
               <a:latin typeface="+mj-lt"/>
             </a:endParaRPr>
           </a:p>
@@ -8934,7 +9463,7 @@
               <a:rPr lang="en-US" sz="2400" b="1" dirty="0">
                 <a:latin typeface="+mj-lt"/>
               </a:rPr>
-              <a:t>***listing attributes</a:t>
+              <a:t>***listing </a:t>
             </a:r>
           </a:p>
           <a:p>

--- a/Airbnb NYC Analysis Presentation Deck.pptx
+++ b/Airbnb NYC Analysis Presentation Deck.pptx
@@ -5,7 +5,7 @@
     <p:sldMasterId id="2147483648" r:id="rId1"/>
   </p:sldMasterIdLst>
   <p:notesMasterIdLst>
-    <p:notesMasterId r:id="rId17"/>
+    <p:notesMasterId r:id="rId22"/>
   </p:notesMasterIdLst>
   <p:sldIdLst>
     <p:sldId id="257" r:id="rId2"/>
@@ -16,13 +16,18 @@
     <p:sldId id="272" r:id="rId7"/>
     <p:sldId id="271" r:id="rId8"/>
     <p:sldId id="270" r:id="rId9"/>
-    <p:sldId id="273" r:id="rId10"/>
-    <p:sldId id="264" r:id="rId11"/>
-    <p:sldId id="277" r:id="rId12"/>
-    <p:sldId id="278" r:id="rId13"/>
-    <p:sldId id="261" r:id="rId14"/>
-    <p:sldId id="275" r:id="rId15"/>
-    <p:sldId id="274" r:id="rId16"/>
+    <p:sldId id="280" r:id="rId10"/>
+    <p:sldId id="281" r:id="rId11"/>
+    <p:sldId id="264" r:id="rId12"/>
+    <p:sldId id="279" r:id="rId13"/>
+    <p:sldId id="277" r:id="rId14"/>
+    <p:sldId id="278" r:id="rId15"/>
+    <p:sldId id="275" r:id="rId16"/>
+    <p:sldId id="261" r:id="rId17"/>
+    <p:sldId id="282" r:id="rId18"/>
+    <p:sldId id="274" r:id="rId19"/>
+    <p:sldId id="284" r:id="rId20"/>
+    <p:sldId id="283" r:id="rId21"/>
   </p:sldIdLst>
   <p:sldSz cx="12192000" cy="6858000"/>
   <p:notesSz cx="6858000" cy="9144000"/>
@@ -211,7 +216,7 @@
           <a:p>
             <a:fld id="{4CCFD3AE-9071-224A-B675-15A76FB69B01}" type="datetimeFigureOut">
               <a:rPr lang="en-US" smtClean="0"/>
-              <a:t>2/9/21</a:t>
+              <a:t>2/17/21</a:t>
             </a:fld>
             <a:endParaRPr lang="en-US"/>
           </a:p>
@@ -522,18 +527,6 @@
           <a:bodyPr/>
           <a:lstStyle/>
           <a:p>
-            <a:r>
-              <a:rPr lang="en-CA" sz="1200" b="0" i="0" kern="1200" dirty="0">
-                <a:solidFill>
-                  <a:schemeClr val="tx1"/>
-                </a:solidFill>
-                <a:effectLst/>
-                <a:latin typeface="+mn-lt"/>
-                <a:ea typeface="+mn-ea"/>
-                <a:cs typeface="+mn-cs"/>
-              </a:rPr>
-              <a:t>In-depth analysis on one of the most densely populated cities in the world.</a:t>
-            </a:r>
             <a:endParaRPr lang="en-US" dirty="0"/>
           </a:p>
         </p:txBody>
@@ -555,7 +548,7 @@
           <a:p>
             <a:fld id="{DF2352D6-35AF-0544-A99E-554CC41E76C4}" type="slidenum">
               <a:rPr lang="en-US" smtClean="0"/>
-              <a:t>2</a:t>
+              <a:t>1</a:t>
             </a:fld>
             <a:endParaRPr lang="en-US"/>
           </a:p>
@@ -564,7 +557,7 @@
     </p:spTree>
     <p:extLst>
       <p:ext uri="{BB962C8B-B14F-4D97-AF65-F5344CB8AC3E}">
-        <p14:creationId xmlns:p14="http://schemas.microsoft.com/office/powerpoint/2010/main" val="3625875422"/>
+        <p14:creationId xmlns:p14="http://schemas.microsoft.com/office/powerpoint/2010/main" val="703120593"/>
       </p:ext>
     </p:extLst>
   </p:cSld>
@@ -618,7 +611,16 @@
           <a:bodyPr/>
           <a:lstStyle/>
           <a:p>
-            <a:endParaRPr lang="en-US" dirty="0"/>
+            <a:r>
+              <a:rPr lang="en-US" dirty="0"/>
+              <a:t>Include screenshot of interactive map. </a:t>
+            </a:r>
+          </a:p>
+          <a:p>
+            <a:r>
+              <a:rPr lang="en-US" dirty="0"/>
+              <a:t>Zoom into features of Map over a few slides!</a:t>
+            </a:r>
           </a:p>
         </p:txBody>
       </p:sp>
@@ -639,7 +641,7 @@
           <a:p>
             <a:fld id="{DF2352D6-35AF-0544-A99E-554CC41E76C4}" type="slidenum">
               <a:rPr lang="en-US" smtClean="0"/>
-              <a:t>11</a:t>
+              <a:t>10</a:t>
             </a:fld>
             <a:endParaRPr lang="en-US"/>
           </a:p>
@@ -648,7 +650,7 @@
     </p:spTree>
     <p:extLst>
       <p:ext uri="{BB962C8B-B14F-4D97-AF65-F5344CB8AC3E}">
-        <p14:creationId xmlns:p14="http://schemas.microsoft.com/office/powerpoint/2010/main" val="3373496410"/>
+        <p14:creationId xmlns:p14="http://schemas.microsoft.com/office/powerpoint/2010/main" val="1167860986"/>
       </p:ext>
     </p:extLst>
   </p:cSld>
@@ -702,7 +704,34 @@
           <a:bodyPr/>
           <a:lstStyle/>
           <a:p>
-            <a:endParaRPr lang="en-US" dirty="0"/>
+            <a:r>
+              <a:rPr lang="en-US" dirty="0"/>
+              <a:t>Manhattan</a:t>
+            </a:r>
+          </a:p>
+          <a:p>
+            <a:r>
+              <a:rPr lang="en-US" dirty="0"/>
+              <a:t>Brooklyn</a:t>
+            </a:r>
+          </a:p>
+          <a:p>
+            <a:r>
+              <a:rPr lang="en-US" dirty="0"/>
+              <a:t>Bronx</a:t>
+            </a:r>
+          </a:p>
+          <a:p>
+            <a:r>
+              <a:rPr lang="en-US" dirty="0"/>
+              <a:t>Queens</a:t>
+            </a:r>
+          </a:p>
+          <a:p>
+            <a:r>
+              <a:rPr lang="en-US" dirty="0"/>
+              <a:t>Staten Island</a:t>
+            </a:r>
           </a:p>
         </p:txBody>
       </p:sp>
@@ -723,7 +752,7 @@
           <a:p>
             <a:fld id="{DF2352D6-35AF-0544-A99E-554CC41E76C4}" type="slidenum">
               <a:rPr lang="en-US" smtClean="0"/>
-              <a:t>12</a:t>
+              <a:t>11</a:t>
             </a:fld>
             <a:endParaRPr lang="en-US"/>
           </a:p>
@@ -732,7 +761,7 @@
     </p:spTree>
     <p:extLst>
       <p:ext uri="{BB962C8B-B14F-4D97-AF65-F5344CB8AC3E}">
-        <p14:creationId xmlns:p14="http://schemas.microsoft.com/office/powerpoint/2010/main" val="617814075"/>
+        <p14:creationId xmlns:p14="http://schemas.microsoft.com/office/powerpoint/2010/main" val="3493068767"/>
       </p:ext>
     </p:extLst>
   </p:cSld>
@@ -786,7 +815,18 @@
           <a:bodyPr/>
           <a:lstStyle/>
           <a:p>
-            <a:endParaRPr lang="en-US" dirty="0"/>
+            <a:r>
+              <a:rPr lang="en-US" dirty="0"/>
+              <a:t>Include Image of Top 15 </a:t>
+            </a:r>
+            <a:r>
+              <a:rPr lang="en-US" dirty="0" err="1"/>
+              <a:t>Neighbourhoods</a:t>
+            </a:r>
+            <a:r>
+              <a:rPr lang="en-US" dirty="0"/>
+              <a:t>***</a:t>
+            </a:r>
           </a:p>
         </p:txBody>
       </p:sp>
@@ -807,7 +847,7 @@
           <a:p>
             <a:fld id="{DF2352D6-35AF-0544-A99E-554CC41E76C4}" type="slidenum">
               <a:rPr lang="en-US" smtClean="0"/>
-              <a:t>13</a:t>
+              <a:t>12</a:t>
             </a:fld>
             <a:endParaRPr lang="en-US"/>
           </a:p>
@@ -816,7 +856,7 @@
     </p:spTree>
     <p:extLst>
       <p:ext uri="{BB962C8B-B14F-4D97-AF65-F5344CB8AC3E}">
-        <p14:creationId xmlns:p14="http://schemas.microsoft.com/office/powerpoint/2010/main" val="2363009839"/>
+        <p14:creationId xmlns:p14="http://schemas.microsoft.com/office/powerpoint/2010/main" val="4190417400"/>
       </p:ext>
     </p:extLst>
   </p:cSld>
@@ -871,16 +911,133 @@
           <a:lstStyle/>
           <a:p>
             <a:r>
+              <a:rPr lang="en-US" dirty="0" err="1"/>
+              <a:t>Superhost</a:t>
+            </a:r>
+            <a:r>
               <a:rPr lang="en-US" dirty="0"/>
-              <a:t>*** Provide details on Elephant </a:t>
+              <a:t> Requirements: </a:t>
+            </a:r>
+          </a:p>
+          <a:p>
+            <a:endParaRPr lang="en-US" dirty="0"/>
+          </a:p>
+          <a:p>
+            <a:r>
+              <a:rPr lang="en-CA" sz="1200" b="0" i="0" kern="1200" dirty="0">
+                <a:solidFill>
+                  <a:schemeClr val="tx1"/>
+                </a:solidFill>
+                <a:effectLst/>
+                <a:latin typeface="+mn-lt"/>
+                <a:ea typeface="+mn-ea"/>
+                <a:cs typeface="+mn-cs"/>
+              </a:rPr>
+              <a:t>-  Completed at least 10 trips OR completed 3 reservations that total at least 100 nights</a:t>
+            </a:r>
+          </a:p>
+          <a:p>
+            <a:pPr marL="171450" indent="-171450">
+              <a:buFontTx/>
+              <a:buChar char="-"/>
+            </a:pPr>
+            <a:r>
+              <a:rPr lang="en-CA" sz="1200" b="0" i="0" kern="1200" dirty="0">
+                <a:solidFill>
+                  <a:schemeClr val="tx1"/>
+                </a:solidFill>
+                <a:effectLst/>
+                <a:latin typeface="+mn-lt"/>
+                <a:ea typeface="+mn-ea"/>
+                <a:cs typeface="+mn-cs"/>
+              </a:rPr>
+              <a:t>Maintained a 90% response rate or higher</a:t>
+            </a:r>
+          </a:p>
+          <a:p>
+            <a:pPr marL="171450" indent="-171450">
+              <a:buFontTx/>
+              <a:buChar char="-"/>
+            </a:pPr>
+            <a:r>
+              <a:rPr lang="en-CA" sz="1200" b="0" i="0" kern="1200" dirty="0">
+                <a:solidFill>
+                  <a:schemeClr val="tx1"/>
+                </a:solidFill>
+                <a:effectLst/>
+                <a:latin typeface="+mn-lt"/>
+                <a:ea typeface="+mn-ea"/>
+                <a:cs typeface="+mn-cs"/>
+              </a:rPr>
+              <a:t> Maintained a 1% percent cancellation rate (1 cancellation per 100 reservations) or lower</a:t>
+            </a:r>
+          </a:p>
+          <a:p>
+            <a:pPr marL="171450" indent="-171450">
+              <a:buFontTx/>
+              <a:buChar char="-"/>
+            </a:pPr>
+            <a:r>
+              <a:rPr lang="en-CA" sz="1200" b="0" i="0" kern="1200" dirty="0">
+                <a:solidFill>
+                  <a:schemeClr val="tx1"/>
+                </a:solidFill>
+                <a:effectLst/>
+                <a:latin typeface="+mn-lt"/>
+                <a:ea typeface="+mn-ea"/>
+                <a:cs typeface="+mn-cs"/>
+              </a:rPr>
+              <a:t>Maintained a 4.8 overall rating (this rating looks at the past 365 days of reviews, based on the date the guest left a review, not the date the guest checked out)</a:t>
+            </a:r>
+          </a:p>
+          <a:p>
+            <a:endParaRPr lang="en-US" dirty="0"/>
+          </a:p>
+          <a:p>
+            <a:r>
+              <a:rPr lang="en-US" dirty="0"/>
+              <a:t>Provide top </a:t>
             </a:r>
             <a:r>
               <a:rPr lang="en-US" dirty="0" err="1"/>
-              <a:t>SQLscreenshots</a:t>
+              <a:t>neighbourhood</a:t>
             </a:r>
             <a:r>
               <a:rPr lang="en-US" dirty="0"/>
-              <a:t>/ queries.</a:t>
+              <a:t> per borough </a:t>
+            </a:r>
+          </a:p>
+          <a:p>
+            <a:endParaRPr lang="en-US" dirty="0"/>
+          </a:p>
+          <a:p>
+            <a:r>
+              <a:rPr lang="en-US" dirty="0"/>
+              <a:t>Manhattan -</a:t>
+            </a:r>
+          </a:p>
+          <a:p>
+            <a:r>
+              <a:rPr lang="en-US" dirty="0"/>
+              <a:t>Brooklyn -</a:t>
+            </a:r>
+          </a:p>
+          <a:p>
+            <a:r>
+              <a:rPr lang="en-US" dirty="0"/>
+              <a:t>Bronx -</a:t>
+            </a:r>
+          </a:p>
+          <a:p>
+            <a:r>
+              <a:rPr lang="en-US" dirty="0"/>
+              <a:t>Queens -</a:t>
+            </a:r>
+          </a:p>
+          <a:p>
+            <a:r>
+              <a:rPr lang="en-US" dirty="0"/>
+              <a:t>Staten Island -</a:t>
             </a:r>
           </a:p>
         </p:txBody>
@@ -902,7 +1059,7 @@
           <a:p>
             <a:fld id="{DF2352D6-35AF-0544-A99E-554CC41E76C4}" type="slidenum">
               <a:rPr lang="en-US" smtClean="0"/>
-              <a:t>14</a:t>
+              <a:t>13</a:t>
             </a:fld>
             <a:endParaRPr lang="en-US"/>
           </a:p>
@@ -911,7 +1068,7 @@
     </p:spTree>
     <p:extLst>
       <p:ext uri="{BB962C8B-B14F-4D97-AF65-F5344CB8AC3E}">
-        <p14:creationId xmlns:p14="http://schemas.microsoft.com/office/powerpoint/2010/main" val="1729663945"/>
+        <p14:creationId xmlns:p14="http://schemas.microsoft.com/office/powerpoint/2010/main" val="3373496410"/>
       </p:ext>
     </p:extLst>
   </p:cSld>
@@ -965,7 +1122,175 @@
           <a:bodyPr/>
           <a:lstStyle/>
           <a:p>
+            <a:pPr marL="171450" indent="-171450">
+              <a:buFontTx/>
+              <a:buChar char="-"/>
+            </a:pPr>
+            <a:r>
+              <a:rPr lang="en-US" dirty="0"/>
+              <a:t>How do prices of listings vary by location? </a:t>
+            </a:r>
+          </a:p>
+          <a:p>
+            <a:pPr marL="171450" indent="-171450">
+              <a:buFontTx/>
+              <a:buChar char="-"/>
+            </a:pPr>
             <a:endParaRPr lang="en-US" dirty="0"/>
+          </a:p>
+          <a:p>
+            <a:pPr marL="171450" indent="-171450">
+              <a:buFontTx/>
+              <a:buChar char="-"/>
+            </a:pPr>
+            <a:r>
+              <a:rPr lang="en-US" dirty="0"/>
+              <a:t>Most expensive </a:t>
+            </a:r>
+            <a:r>
+              <a:rPr lang="en-US" dirty="0" err="1"/>
+              <a:t>neighbourhood</a:t>
+            </a:r>
+            <a:r>
+              <a:rPr lang="en-US" dirty="0"/>
+              <a:t>:</a:t>
+            </a:r>
+          </a:p>
+          <a:p>
+            <a:pPr marL="171450" indent="-171450">
+              <a:buFontTx/>
+              <a:buChar char="-"/>
+            </a:pPr>
+            <a:r>
+              <a:rPr lang="en-US" dirty="0"/>
+              <a:t>Most affordable </a:t>
+            </a:r>
+            <a:r>
+              <a:rPr lang="en-US" dirty="0" err="1"/>
+              <a:t>neighbourhood</a:t>
+            </a:r>
+            <a:r>
+              <a:rPr lang="en-US" dirty="0"/>
+              <a:t>:</a:t>
+            </a:r>
+          </a:p>
+          <a:p>
+            <a:pPr marL="171450" indent="-171450">
+              <a:buFontTx/>
+              <a:buChar char="-"/>
+            </a:pPr>
+            <a:endParaRPr lang="en-US" dirty="0"/>
+          </a:p>
+          <a:p>
+            <a:pPr marL="171450" indent="-171450">
+              <a:buFontTx/>
+              <a:buChar char="-"/>
+            </a:pPr>
+            <a:endParaRPr lang="en-US" dirty="0"/>
+          </a:p>
+          <a:p>
+            <a:endParaRPr lang="en-US" dirty="0"/>
+          </a:p>
+        </p:txBody>
+      </p:sp>
+      <p:sp>
+        <p:nvSpPr>
+          <p:cNvPr id="4" name="Slide Number Placeholder 3"/>
+          <p:cNvSpPr>
+            <a:spLocks noGrp="1"/>
+          </p:cNvSpPr>
+          <p:nvPr>
+            <p:ph type="sldNum" sz="quarter" idx="5"/>
+          </p:nvPr>
+        </p:nvSpPr>
+        <p:spPr/>
+        <p:txBody>
+          <a:bodyPr/>
+          <a:lstStyle/>
+          <a:p>
+            <a:fld id="{DF2352D6-35AF-0544-A99E-554CC41E76C4}" type="slidenum">
+              <a:rPr lang="en-US" smtClean="0"/>
+              <a:t>14</a:t>
+            </a:fld>
+            <a:endParaRPr lang="en-US"/>
+          </a:p>
+        </p:txBody>
+      </p:sp>
+    </p:spTree>
+    <p:extLst>
+      <p:ext uri="{BB962C8B-B14F-4D97-AF65-F5344CB8AC3E}">
+        <p14:creationId xmlns:p14="http://schemas.microsoft.com/office/powerpoint/2010/main" val="617814075"/>
+      </p:ext>
+    </p:extLst>
+  </p:cSld>
+  <p:clrMapOvr>
+    <a:masterClrMapping/>
+  </p:clrMapOvr>
+</p:notes>
+</file>
+
+<file path=ppt/notesSlides/notesSlide15.xml><?xml version="1.0" encoding="utf-8"?>
+<p:notes xmlns:a="http://schemas.openxmlformats.org/drawingml/2006/main" xmlns:r="http://schemas.openxmlformats.org/officeDocument/2006/relationships" xmlns:p="http://schemas.openxmlformats.org/presentationml/2006/main">
+  <p:cSld>
+    <p:spTree>
+      <p:nvGrpSpPr>
+        <p:cNvPr id="1" name=""/>
+        <p:cNvGrpSpPr/>
+        <p:nvPr/>
+      </p:nvGrpSpPr>
+      <p:grpSpPr>
+        <a:xfrm>
+          <a:off x="0" y="0"/>
+          <a:ext cx="0" cy="0"/>
+          <a:chOff x="0" y="0"/>
+          <a:chExt cx="0" cy="0"/>
+        </a:xfrm>
+      </p:grpSpPr>
+      <p:sp>
+        <p:nvSpPr>
+          <p:cNvPr id="2" name="Slide Image Placeholder 1"/>
+          <p:cNvSpPr>
+            <a:spLocks noGrp="1" noRot="1" noChangeAspect="1"/>
+          </p:cNvSpPr>
+          <p:nvPr>
+            <p:ph type="sldImg"/>
+          </p:nvPr>
+        </p:nvSpPr>
+        <p:spPr/>
+      </p:sp>
+      <p:sp>
+        <p:nvSpPr>
+          <p:cNvPr id="3" name="Notes Placeholder 2"/>
+          <p:cNvSpPr>
+            <a:spLocks noGrp="1"/>
+          </p:cNvSpPr>
+          <p:nvPr>
+            <p:ph type="body" idx="1"/>
+          </p:nvPr>
+        </p:nvSpPr>
+        <p:spPr/>
+        <p:txBody>
+          <a:bodyPr/>
+          <a:lstStyle/>
+          <a:p>
+            <a:r>
+              <a:rPr lang="en-US" dirty="0"/>
+              <a:t>***Create summary of new </a:t>
+            </a:r>
+            <a:r>
+              <a:rPr lang="en-US" dirty="0" err="1"/>
+              <a:t>Javascript</a:t>
+            </a:r>
+            <a:r>
+              <a:rPr lang="en-US" dirty="0"/>
+              <a:t> Library/difficulties</a:t>
+            </a:r>
+          </a:p>
+          <a:p>
+            <a:r>
+              <a:rPr lang="en-US" dirty="0"/>
+              <a:t>***Any html/bootstrap features</a:t>
+            </a:r>
           </a:p>
         </p:txBody>
       </p:sp>
@@ -995,7 +1320,343 @@
     </p:spTree>
     <p:extLst>
       <p:ext uri="{BB962C8B-B14F-4D97-AF65-F5344CB8AC3E}">
+        <p14:creationId xmlns:p14="http://schemas.microsoft.com/office/powerpoint/2010/main" val="1729663945"/>
+      </p:ext>
+    </p:extLst>
+  </p:cSld>
+  <p:clrMapOvr>
+    <a:masterClrMapping/>
+  </p:clrMapOvr>
+</p:notes>
+</file>
+
+<file path=ppt/notesSlides/notesSlide16.xml><?xml version="1.0" encoding="utf-8"?>
+<p:notes xmlns:a="http://schemas.openxmlformats.org/drawingml/2006/main" xmlns:r="http://schemas.openxmlformats.org/officeDocument/2006/relationships" xmlns:p="http://schemas.openxmlformats.org/presentationml/2006/main">
+  <p:cSld>
+    <p:spTree>
+      <p:nvGrpSpPr>
+        <p:cNvPr id="1" name=""/>
+        <p:cNvGrpSpPr/>
+        <p:nvPr/>
+      </p:nvGrpSpPr>
+      <p:grpSpPr>
+        <a:xfrm>
+          <a:off x="0" y="0"/>
+          <a:ext cx="0" cy="0"/>
+          <a:chOff x="0" y="0"/>
+          <a:chExt cx="0" cy="0"/>
+        </a:xfrm>
+      </p:grpSpPr>
+      <p:sp>
+        <p:nvSpPr>
+          <p:cNvPr id="2" name="Slide Image Placeholder 1"/>
+          <p:cNvSpPr>
+            <a:spLocks noGrp="1" noRot="1" noChangeAspect="1"/>
+          </p:cNvSpPr>
+          <p:nvPr>
+            <p:ph type="sldImg"/>
+          </p:nvPr>
+        </p:nvSpPr>
+        <p:spPr/>
+      </p:sp>
+      <p:sp>
+        <p:nvSpPr>
+          <p:cNvPr id="3" name="Notes Placeholder 2"/>
+          <p:cNvSpPr>
+            <a:spLocks noGrp="1"/>
+          </p:cNvSpPr>
+          <p:nvPr>
+            <p:ph type="body" idx="1"/>
+          </p:nvPr>
+        </p:nvSpPr>
+        <p:spPr/>
+        <p:txBody>
+          <a:bodyPr/>
+          <a:lstStyle/>
+          <a:p>
+            <a:endParaRPr lang="en-US" dirty="0"/>
+          </a:p>
+        </p:txBody>
+      </p:sp>
+      <p:sp>
+        <p:nvSpPr>
+          <p:cNvPr id="4" name="Slide Number Placeholder 3"/>
+          <p:cNvSpPr>
+            <a:spLocks noGrp="1"/>
+          </p:cNvSpPr>
+          <p:nvPr>
+            <p:ph type="sldNum" sz="quarter" idx="5"/>
+          </p:nvPr>
+        </p:nvSpPr>
+        <p:spPr/>
+        <p:txBody>
+          <a:bodyPr/>
+          <a:lstStyle/>
+          <a:p>
+            <a:fld id="{DF2352D6-35AF-0544-A99E-554CC41E76C4}" type="slidenum">
+              <a:rPr lang="en-US" smtClean="0"/>
+              <a:t>16</a:t>
+            </a:fld>
+            <a:endParaRPr lang="en-US"/>
+          </a:p>
+        </p:txBody>
+      </p:sp>
+    </p:spTree>
+    <p:extLst>
+      <p:ext uri="{BB962C8B-B14F-4D97-AF65-F5344CB8AC3E}">
+        <p14:creationId xmlns:p14="http://schemas.microsoft.com/office/powerpoint/2010/main" val="2363009839"/>
+      </p:ext>
+    </p:extLst>
+  </p:cSld>
+  <p:clrMapOvr>
+    <a:masterClrMapping/>
+  </p:clrMapOvr>
+</p:notes>
+</file>
+
+<file path=ppt/notesSlides/notesSlide17.xml><?xml version="1.0" encoding="utf-8"?>
+<p:notes xmlns:a="http://schemas.openxmlformats.org/drawingml/2006/main" xmlns:r="http://schemas.openxmlformats.org/officeDocument/2006/relationships" xmlns:p="http://schemas.openxmlformats.org/presentationml/2006/main">
+  <p:cSld>
+    <p:spTree>
+      <p:nvGrpSpPr>
+        <p:cNvPr id="1" name=""/>
+        <p:cNvGrpSpPr/>
+        <p:nvPr/>
+      </p:nvGrpSpPr>
+      <p:grpSpPr>
+        <a:xfrm>
+          <a:off x="0" y="0"/>
+          <a:ext cx="0" cy="0"/>
+          <a:chOff x="0" y="0"/>
+          <a:chExt cx="0" cy="0"/>
+        </a:xfrm>
+      </p:grpSpPr>
+      <p:sp>
+        <p:nvSpPr>
+          <p:cNvPr id="2" name="Slide Image Placeholder 1"/>
+          <p:cNvSpPr>
+            <a:spLocks noGrp="1" noRot="1" noChangeAspect="1"/>
+          </p:cNvSpPr>
+          <p:nvPr>
+            <p:ph type="sldImg"/>
+          </p:nvPr>
+        </p:nvSpPr>
+        <p:spPr/>
+      </p:sp>
+      <p:sp>
+        <p:nvSpPr>
+          <p:cNvPr id="3" name="Notes Placeholder 2"/>
+          <p:cNvSpPr>
+            <a:spLocks noGrp="1"/>
+          </p:cNvSpPr>
+          <p:nvPr>
+            <p:ph type="body" idx="1"/>
+          </p:nvPr>
+        </p:nvSpPr>
+        <p:spPr/>
+        <p:txBody>
+          <a:bodyPr/>
+          <a:lstStyle/>
+          <a:p>
+            <a:endParaRPr lang="en-US" dirty="0"/>
+          </a:p>
+        </p:txBody>
+      </p:sp>
+      <p:sp>
+        <p:nvSpPr>
+          <p:cNvPr id="4" name="Slide Number Placeholder 3"/>
+          <p:cNvSpPr>
+            <a:spLocks noGrp="1"/>
+          </p:cNvSpPr>
+          <p:nvPr>
+            <p:ph type="sldNum" sz="quarter" idx="5"/>
+          </p:nvPr>
+        </p:nvSpPr>
+        <p:spPr/>
+        <p:txBody>
+          <a:bodyPr/>
+          <a:lstStyle/>
+          <a:p>
+            <a:fld id="{DF2352D6-35AF-0544-A99E-554CC41E76C4}" type="slidenum">
+              <a:rPr lang="en-US" smtClean="0"/>
+              <a:t>17</a:t>
+            </a:fld>
+            <a:endParaRPr lang="en-US"/>
+          </a:p>
+        </p:txBody>
+      </p:sp>
+    </p:spTree>
+    <p:extLst>
+      <p:ext uri="{BB962C8B-B14F-4D97-AF65-F5344CB8AC3E}">
+        <p14:creationId xmlns:p14="http://schemas.microsoft.com/office/powerpoint/2010/main" val="1481008191"/>
+      </p:ext>
+    </p:extLst>
+  </p:cSld>
+  <p:clrMapOvr>
+    <a:masterClrMapping/>
+  </p:clrMapOvr>
+</p:notes>
+</file>
+
+<file path=ppt/notesSlides/notesSlide18.xml><?xml version="1.0" encoding="utf-8"?>
+<p:notes xmlns:a="http://schemas.openxmlformats.org/drawingml/2006/main" xmlns:r="http://schemas.openxmlformats.org/officeDocument/2006/relationships" xmlns:p="http://schemas.openxmlformats.org/presentationml/2006/main">
+  <p:cSld>
+    <p:spTree>
+      <p:nvGrpSpPr>
+        <p:cNvPr id="1" name=""/>
+        <p:cNvGrpSpPr/>
+        <p:nvPr/>
+      </p:nvGrpSpPr>
+      <p:grpSpPr>
+        <a:xfrm>
+          <a:off x="0" y="0"/>
+          <a:ext cx="0" cy="0"/>
+          <a:chOff x="0" y="0"/>
+          <a:chExt cx="0" cy="0"/>
+        </a:xfrm>
+      </p:grpSpPr>
+      <p:sp>
+        <p:nvSpPr>
+          <p:cNvPr id="2" name="Slide Image Placeholder 1"/>
+          <p:cNvSpPr>
+            <a:spLocks noGrp="1" noRot="1" noChangeAspect="1"/>
+          </p:cNvSpPr>
+          <p:nvPr>
+            <p:ph type="sldImg"/>
+          </p:nvPr>
+        </p:nvSpPr>
+        <p:spPr/>
+      </p:sp>
+      <p:sp>
+        <p:nvSpPr>
+          <p:cNvPr id="3" name="Notes Placeholder 2"/>
+          <p:cNvSpPr>
+            <a:spLocks noGrp="1"/>
+          </p:cNvSpPr>
+          <p:nvPr>
+            <p:ph type="body" idx="1"/>
+          </p:nvPr>
+        </p:nvSpPr>
+        <p:spPr/>
+        <p:txBody>
+          <a:bodyPr/>
+          <a:lstStyle/>
+          <a:p>
+            <a:endParaRPr lang="en-US" dirty="0"/>
+          </a:p>
+        </p:txBody>
+      </p:sp>
+      <p:sp>
+        <p:nvSpPr>
+          <p:cNvPr id="4" name="Slide Number Placeholder 3"/>
+          <p:cNvSpPr>
+            <a:spLocks noGrp="1"/>
+          </p:cNvSpPr>
+          <p:nvPr>
+            <p:ph type="sldNum" sz="quarter" idx="5"/>
+          </p:nvPr>
+        </p:nvSpPr>
+        <p:spPr/>
+        <p:txBody>
+          <a:bodyPr/>
+          <a:lstStyle/>
+          <a:p>
+            <a:fld id="{DF2352D6-35AF-0544-A99E-554CC41E76C4}" type="slidenum">
+              <a:rPr lang="en-US" smtClean="0"/>
+              <a:t>18</a:t>
+            </a:fld>
+            <a:endParaRPr lang="en-US"/>
+          </a:p>
+        </p:txBody>
+      </p:sp>
+    </p:spTree>
+    <p:extLst>
+      <p:ext uri="{BB962C8B-B14F-4D97-AF65-F5344CB8AC3E}">
         <p14:creationId xmlns:p14="http://schemas.microsoft.com/office/powerpoint/2010/main" val="2087272324"/>
+      </p:ext>
+    </p:extLst>
+  </p:cSld>
+  <p:clrMapOvr>
+    <a:masterClrMapping/>
+  </p:clrMapOvr>
+</p:notes>
+</file>
+
+<file path=ppt/notesSlides/notesSlide19.xml><?xml version="1.0" encoding="utf-8"?>
+<p:notes xmlns:a="http://schemas.openxmlformats.org/drawingml/2006/main" xmlns:r="http://schemas.openxmlformats.org/officeDocument/2006/relationships" xmlns:p="http://schemas.openxmlformats.org/presentationml/2006/main">
+  <p:cSld>
+    <p:spTree>
+      <p:nvGrpSpPr>
+        <p:cNvPr id="1" name=""/>
+        <p:cNvGrpSpPr/>
+        <p:nvPr/>
+      </p:nvGrpSpPr>
+      <p:grpSpPr>
+        <a:xfrm>
+          <a:off x="0" y="0"/>
+          <a:ext cx="0" cy="0"/>
+          <a:chOff x="0" y="0"/>
+          <a:chExt cx="0" cy="0"/>
+        </a:xfrm>
+      </p:grpSpPr>
+      <p:sp>
+        <p:nvSpPr>
+          <p:cNvPr id="2" name="Slide Image Placeholder 1"/>
+          <p:cNvSpPr>
+            <a:spLocks noGrp="1" noRot="1" noChangeAspect="1"/>
+          </p:cNvSpPr>
+          <p:nvPr>
+            <p:ph type="sldImg"/>
+          </p:nvPr>
+        </p:nvSpPr>
+        <p:spPr/>
+      </p:sp>
+      <p:sp>
+        <p:nvSpPr>
+          <p:cNvPr id="3" name="Notes Placeholder 2"/>
+          <p:cNvSpPr>
+            <a:spLocks noGrp="1"/>
+          </p:cNvSpPr>
+          <p:nvPr>
+            <p:ph type="body" idx="1"/>
+          </p:nvPr>
+        </p:nvSpPr>
+        <p:spPr/>
+        <p:txBody>
+          <a:bodyPr/>
+          <a:lstStyle/>
+          <a:p>
+            <a:endParaRPr lang="en-US" dirty="0"/>
+          </a:p>
+        </p:txBody>
+      </p:sp>
+      <p:sp>
+        <p:nvSpPr>
+          <p:cNvPr id="4" name="Slide Number Placeholder 3"/>
+          <p:cNvSpPr>
+            <a:spLocks noGrp="1"/>
+          </p:cNvSpPr>
+          <p:nvPr>
+            <p:ph type="sldNum" sz="quarter" idx="5"/>
+          </p:nvPr>
+        </p:nvSpPr>
+        <p:spPr/>
+        <p:txBody>
+          <a:bodyPr/>
+          <a:lstStyle/>
+          <a:p>
+            <a:fld id="{DF2352D6-35AF-0544-A99E-554CC41E76C4}" type="slidenum">
+              <a:rPr lang="en-US" smtClean="0"/>
+              <a:t>19</a:t>
+            </a:fld>
+            <a:endParaRPr lang="en-US"/>
+          </a:p>
+        </p:txBody>
+      </p:sp>
+    </p:spTree>
+    <p:extLst>
+      <p:ext uri="{BB962C8B-B14F-4D97-AF65-F5344CB8AC3E}">
+        <p14:creationId xmlns:p14="http://schemas.microsoft.com/office/powerpoint/2010/main" val="3564498155"/>
       </p:ext>
     </p:extLst>
   </p:cSld>
@@ -1050,209 +1711,17 @@
           <a:lstStyle/>
           <a:p>
             <a:r>
-              <a:rPr lang="en-US" dirty="0"/>
-              <a:t>The aim of our project’s analysis is to answer the following questions: </a:t>
-            </a:r>
-          </a:p>
-          <a:p>
-            <a:endParaRPr lang="en-US" dirty="0"/>
-          </a:p>
-          <a:p>
-            <a:pPr marL="171450" marR="0" lvl="0" indent="-171450" algn="l" defTabSz="914400" rtl="0" eaLnBrk="1" fontAlgn="auto" latinLnBrk="0" hangingPunct="1">
-              <a:lnSpc>
-                <a:spcPct val="100000"/>
-              </a:lnSpc>
-              <a:spcBef>
-                <a:spcPts val="0"/>
-              </a:spcBef>
-              <a:spcAft>
-                <a:spcPts val="0"/>
-              </a:spcAft>
-              <a:buClrTx/>
-              <a:buSzTx/>
-              <a:buFont typeface="Arial" panose="020B0604020202020204" pitchFamily="34" charset="0"/>
-              <a:buChar char="•"/>
-              <a:tabLst/>
-              <a:defRPr/>
-            </a:pPr>
-            <a:r>
-              <a:rPr lang="en-US" sz="1200" dirty="0"/>
-              <a:t>What are the different types of properties in NYC?</a:t>
-            </a:r>
-          </a:p>
-          <a:p>
-            <a:pPr marL="171450" marR="0" lvl="0" indent="-171450" algn="l" defTabSz="914400" rtl="0" eaLnBrk="1" fontAlgn="auto" latinLnBrk="0" hangingPunct="1">
-              <a:lnSpc>
-                <a:spcPct val="100000"/>
-              </a:lnSpc>
-              <a:spcBef>
-                <a:spcPts val="0"/>
-              </a:spcBef>
-              <a:spcAft>
-                <a:spcPts val="0"/>
-              </a:spcAft>
-              <a:buClrTx/>
-              <a:buSzTx/>
-              <a:buFont typeface="Arial" panose="020B0604020202020204" pitchFamily="34" charset="0"/>
-              <a:buChar char="•"/>
-              <a:tabLst/>
-              <a:defRPr/>
-            </a:pPr>
-            <a:endParaRPr lang="en-US" sz="1200" dirty="0"/>
-          </a:p>
-          <a:p>
-            <a:pPr marL="171450" marR="0" lvl="0" indent="-171450" algn="l" defTabSz="914400" rtl="0" eaLnBrk="1" fontAlgn="auto" latinLnBrk="0" hangingPunct="1">
-              <a:lnSpc>
-                <a:spcPct val="100000"/>
-              </a:lnSpc>
-              <a:spcBef>
-                <a:spcPts val="0"/>
-              </a:spcBef>
-              <a:spcAft>
-                <a:spcPts val="0"/>
-              </a:spcAft>
-              <a:buClrTx/>
-              <a:buSzTx/>
-              <a:buFont typeface="Arial" panose="020B0604020202020204" pitchFamily="34" charset="0"/>
-              <a:buChar char="•"/>
-              <a:tabLst/>
-              <a:defRPr/>
-            </a:pPr>
-            <a:r>
-              <a:rPr lang="en-US" sz="1200" dirty="0"/>
-              <a:t>Does property type availability vary by neighbourhood?</a:t>
-            </a:r>
-          </a:p>
-          <a:p>
-            <a:pPr marL="171450" marR="0" lvl="0" indent="-171450" algn="l" defTabSz="914400" rtl="0" eaLnBrk="1" fontAlgn="auto" latinLnBrk="0" hangingPunct="1">
-              <a:lnSpc>
-                <a:spcPct val="100000"/>
-              </a:lnSpc>
-              <a:spcBef>
-                <a:spcPts val="0"/>
-              </a:spcBef>
-              <a:spcAft>
-                <a:spcPts val="0"/>
-              </a:spcAft>
-              <a:buClrTx/>
-              <a:buSzTx/>
-              <a:buFont typeface="Arial" panose="020B0604020202020204" pitchFamily="34" charset="0"/>
-              <a:buChar char="•"/>
-              <a:tabLst/>
-              <a:defRPr/>
-            </a:pPr>
-            <a:endParaRPr lang="en-US" sz="1200" dirty="0"/>
-          </a:p>
-          <a:p>
-            <a:pPr marL="171450" marR="0" lvl="0" indent="-171450" algn="l" defTabSz="914400" rtl="0" eaLnBrk="1" fontAlgn="auto" latinLnBrk="0" hangingPunct="1">
-              <a:lnSpc>
-                <a:spcPct val="100000"/>
-              </a:lnSpc>
-              <a:spcBef>
-                <a:spcPts val="0"/>
-              </a:spcBef>
-              <a:spcAft>
-                <a:spcPts val="0"/>
-              </a:spcAft>
-              <a:buClrTx/>
-              <a:buSzTx/>
-              <a:buFont typeface="Arial" panose="020B0604020202020204" pitchFamily="34" charset="0"/>
-              <a:buChar char="•"/>
-              <a:tabLst/>
-              <a:defRPr/>
-            </a:pPr>
-            <a:r>
-              <a:rPr lang="en-US" sz="1200" dirty="0"/>
-              <a:t>What neighbourhoods in NYC are rated highly by guests?</a:t>
-            </a:r>
-          </a:p>
-          <a:p>
-            <a:pPr marL="171450" marR="0" lvl="0" indent="-171450" algn="l" defTabSz="914400" rtl="0" eaLnBrk="1" fontAlgn="auto" latinLnBrk="0" hangingPunct="1">
-              <a:lnSpc>
-                <a:spcPct val="100000"/>
-              </a:lnSpc>
-              <a:spcBef>
-                <a:spcPts val="0"/>
-              </a:spcBef>
-              <a:spcAft>
-                <a:spcPts val="0"/>
-              </a:spcAft>
-              <a:buClrTx/>
-              <a:buSzTx/>
-              <a:buFont typeface="Arial" panose="020B0604020202020204" pitchFamily="34" charset="0"/>
-              <a:buChar char="•"/>
-              <a:tabLst/>
-              <a:defRPr/>
-            </a:pPr>
-            <a:endParaRPr lang="en-US" sz="1200" dirty="0"/>
-          </a:p>
-          <a:p>
-            <a:pPr marL="171450" marR="0" lvl="0" indent="-171450" algn="l" defTabSz="914400" rtl="0" eaLnBrk="1" fontAlgn="auto" latinLnBrk="0" hangingPunct="1">
-              <a:lnSpc>
-                <a:spcPct val="100000"/>
-              </a:lnSpc>
-              <a:spcBef>
-                <a:spcPts val="0"/>
-              </a:spcBef>
-              <a:spcAft>
-                <a:spcPts val="0"/>
-              </a:spcAft>
-              <a:buClrTx/>
-              <a:buSzTx/>
-              <a:buFont typeface="Arial" panose="020B0604020202020204" pitchFamily="34" charset="0"/>
-              <a:buChar char="•"/>
-              <a:tabLst/>
-              <a:defRPr/>
-            </a:pPr>
-            <a:r>
-              <a:rPr lang="en-US" sz="1200" dirty="0"/>
-              <a:t>How do prices of listings vary by location?</a:t>
-            </a:r>
-          </a:p>
-          <a:p>
-            <a:pPr marL="171450" marR="0" lvl="0" indent="-171450" algn="l" defTabSz="914400" rtl="0" eaLnBrk="1" fontAlgn="auto" latinLnBrk="0" hangingPunct="1">
-              <a:lnSpc>
-                <a:spcPct val="100000"/>
-              </a:lnSpc>
-              <a:spcBef>
-                <a:spcPts val="0"/>
-              </a:spcBef>
-              <a:spcAft>
-                <a:spcPts val="0"/>
-              </a:spcAft>
-              <a:buClrTx/>
-              <a:buSzTx/>
-              <a:buFont typeface="Arial" panose="020B0604020202020204" pitchFamily="34" charset="0"/>
-              <a:buChar char="•"/>
-              <a:tabLst/>
-              <a:defRPr/>
-            </a:pPr>
-            <a:endParaRPr lang="en-US" sz="1200" dirty="0"/>
-          </a:p>
-          <a:p>
-            <a:pPr marL="171450" marR="0" lvl="0" indent="-171450" algn="l" defTabSz="914400" rtl="0" eaLnBrk="1" fontAlgn="auto" latinLnBrk="0" hangingPunct="1">
-              <a:lnSpc>
-                <a:spcPct val="100000"/>
-              </a:lnSpc>
-              <a:spcBef>
-                <a:spcPts val="0"/>
-              </a:spcBef>
-              <a:spcAft>
-                <a:spcPts val="0"/>
-              </a:spcAft>
-              <a:buClrTx/>
-              <a:buSzTx/>
-              <a:buFont typeface="Arial" panose="020B0604020202020204" pitchFamily="34" charset="0"/>
-              <a:buChar char="•"/>
-              <a:tabLst/>
-              <a:defRPr/>
-            </a:pPr>
-            <a:r>
-              <a:rPr lang="en-US" sz="1200" dirty="0"/>
-              <a:t>How has the demand for Airbnb rentals evolved from ** date?</a:t>
-            </a:r>
-          </a:p>
-          <a:p>
+              <a:rPr lang="en-CA" sz="1200" b="0" i="0" kern="1200" dirty="0">
+                <a:solidFill>
+                  <a:schemeClr val="tx1"/>
+                </a:solidFill>
+                <a:effectLst/>
+                <a:latin typeface="+mn-lt"/>
+                <a:ea typeface="+mn-ea"/>
+                <a:cs typeface="+mn-cs"/>
+              </a:rPr>
+              <a:t>In-depth analysis on one of the most densely populated cities in the world.</a:t>
+            </a:r>
             <a:endParaRPr lang="en-US" dirty="0"/>
           </a:p>
         </p:txBody>
@@ -1274,7 +1743,7 @@
           <a:p>
             <a:fld id="{DF2352D6-35AF-0544-A99E-554CC41E76C4}" type="slidenum">
               <a:rPr lang="en-US" smtClean="0"/>
-              <a:t>3</a:t>
+              <a:t>2</a:t>
             </a:fld>
             <a:endParaRPr lang="en-US"/>
           </a:p>
@@ -1283,7 +1752,91 @@
     </p:spTree>
     <p:extLst>
       <p:ext uri="{BB962C8B-B14F-4D97-AF65-F5344CB8AC3E}">
-        <p14:creationId xmlns:p14="http://schemas.microsoft.com/office/powerpoint/2010/main" val="2904820658"/>
+        <p14:creationId xmlns:p14="http://schemas.microsoft.com/office/powerpoint/2010/main" val="3625875422"/>
+      </p:ext>
+    </p:extLst>
+  </p:cSld>
+  <p:clrMapOvr>
+    <a:masterClrMapping/>
+  </p:clrMapOvr>
+</p:notes>
+</file>
+
+<file path=ppt/notesSlides/notesSlide20.xml><?xml version="1.0" encoding="utf-8"?>
+<p:notes xmlns:a="http://schemas.openxmlformats.org/drawingml/2006/main" xmlns:r="http://schemas.openxmlformats.org/officeDocument/2006/relationships" xmlns:p="http://schemas.openxmlformats.org/presentationml/2006/main">
+  <p:cSld>
+    <p:spTree>
+      <p:nvGrpSpPr>
+        <p:cNvPr id="1" name=""/>
+        <p:cNvGrpSpPr/>
+        <p:nvPr/>
+      </p:nvGrpSpPr>
+      <p:grpSpPr>
+        <a:xfrm>
+          <a:off x="0" y="0"/>
+          <a:ext cx="0" cy="0"/>
+          <a:chOff x="0" y="0"/>
+          <a:chExt cx="0" cy="0"/>
+        </a:xfrm>
+      </p:grpSpPr>
+      <p:sp>
+        <p:nvSpPr>
+          <p:cNvPr id="2" name="Slide Image Placeholder 1"/>
+          <p:cNvSpPr>
+            <a:spLocks noGrp="1" noRot="1" noChangeAspect="1"/>
+          </p:cNvSpPr>
+          <p:nvPr>
+            <p:ph type="sldImg"/>
+          </p:nvPr>
+        </p:nvSpPr>
+        <p:spPr/>
+      </p:sp>
+      <p:sp>
+        <p:nvSpPr>
+          <p:cNvPr id="3" name="Notes Placeholder 2"/>
+          <p:cNvSpPr>
+            <a:spLocks noGrp="1"/>
+          </p:cNvSpPr>
+          <p:nvPr>
+            <p:ph type="body" idx="1"/>
+          </p:nvPr>
+        </p:nvSpPr>
+        <p:spPr/>
+        <p:txBody>
+          <a:bodyPr/>
+          <a:lstStyle/>
+          <a:p>
+            <a:endParaRPr lang="en-US" dirty="0"/>
+          </a:p>
+        </p:txBody>
+      </p:sp>
+      <p:sp>
+        <p:nvSpPr>
+          <p:cNvPr id="4" name="Slide Number Placeholder 3"/>
+          <p:cNvSpPr>
+            <a:spLocks noGrp="1"/>
+          </p:cNvSpPr>
+          <p:nvPr>
+            <p:ph type="sldNum" sz="quarter" idx="5"/>
+          </p:nvPr>
+        </p:nvSpPr>
+        <p:spPr/>
+        <p:txBody>
+          <a:bodyPr/>
+          <a:lstStyle/>
+          <a:p>
+            <a:fld id="{DF2352D6-35AF-0544-A99E-554CC41E76C4}" type="slidenum">
+              <a:rPr lang="en-US" smtClean="0"/>
+              <a:t>20</a:t>
+            </a:fld>
+            <a:endParaRPr lang="en-US"/>
+          </a:p>
+        </p:txBody>
+      </p:sp>
+    </p:spTree>
+    <p:extLst>
+      <p:ext uri="{BB962C8B-B14F-4D97-AF65-F5344CB8AC3E}">
+        <p14:creationId xmlns:p14="http://schemas.microsoft.com/office/powerpoint/2010/main" val="538937933"/>
       </p:ext>
     </p:extLst>
   </p:cSld>
@@ -1338,118 +1891,207 @@
           <a:lstStyle/>
           <a:p>
             <a:r>
-              <a:rPr lang="en-CA" sz="1200" b="0" i="0" kern="1200" dirty="0">
-                <a:solidFill>
-                  <a:schemeClr val="tx1"/>
-                </a:solidFill>
-                <a:effectLst/>
-                <a:latin typeface="+mn-lt"/>
-                <a:ea typeface="+mn-ea"/>
-                <a:cs typeface="+mn-cs"/>
-              </a:rPr>
-              <a:t>-The data is sourced from the </a:t>
-            </a:r>
-            <a:r>
-              <a:rPr lang="en-CA" sz="1200" b="1" i="0" kern="1200" dirty="0">
-                <a:solidFill>
-                  <a:schemeClr val="tx1"/>
-                </a:solidFill>
-                <a:effectLst/>
-                <a:latin typeface="+mn-lt"/>
-                <a:ea typeface="+mn-ea"/>
-                <a:cs typeface="+mn-cs"/>
-              </a:rPr>
-              <a:t>Inside Airbnb</a:t>
-            </a:r>
-            <a:r>
-              <a:rPr lang="en-CA" sz="1200" b="0" i="0" kern="1200" dirty="0">
-                <a:solidFill>
-                  <a:schemeClr val="tx1"/>
-                </a:solidFill>
-                <a:effectLst/>
-                <a:latin typeface="+mn-lt"/>
-                <a:ea typeface="+mn-ea"/>
-                <a:cs typeface="+mn-cs"/>
-              </a:rPr>
-              <a:t> website </a:t>
-            </a:r>
-            <a:r>
-              <a:rPr lang="en-CA" dirty="0"/>
-              <a:t>http://</a:t>
-            </a:r>
-            <a:r>
-              <a:rPr lang="en-CA" dirty="0" err="1"/>
-              <a:t>insideairbnb.com</a:t>
-            </a:r>
-            <a:r>
-              <a:rPr lang="en-CA" dirty="0"/>
-              <a:t>/get-the-</a:t>
-            </a:r>
-            <a:r>
-              <a:rPr lang="en-CA" dirty="0" err="1"/>
-              <a:t>data.html</a:t>
-            </a:r>
-            <a:r>
-              <a:rPr lang="en-CA" sz="1200" b="0" i="0" kern="1200" dirty="0">
-                <a:solidFill>
-                  <a:schemeClr val="tx1"/>
-                </a:solidFill>
-                <a:effectLst/>
-                <a:latin typeface="+mn-lt"/>
-                <a:ea typeface="+mn-ea"/>
-                <a:cs typeface="+mn-cs"/>
-              </a:rPr>
-              <a:t> which hosts publicly available data from the Airbnb site.</a:t>
-            </a:r>
-          </a:p>
-          <a:p>
-            <a:endParaRPr lang="en-CA" sz="1200" b="0" i="0" kern="1200" dirty="0">
-              <a:solidFill>
-                <a:schemeClr val="tx1"/>
-              </a:solidFill>
-              <a:effectLst/>
-              <a:latin typeface="+mn-lt"/>
-              <a:ea typeface="+mn-ea"/>
-              <a:cs typeface="+mn-cs"/>
-            </a:endParaRPr>
-          </a:p>
-          <a:p>
-            <a:r>
-              <a:rPr lang="en-CA" sz="1200" b="0" i="0" kern="1200" dirty="0">
-                <a:solidFill>
-                  <a:schemeClr val="tx1"/>
-                </a:solidFill>
-                <a:effectLst/>
-                <a:latin typeface="+mn-lt"/>
-                <a:ea typeface="+mn-ea"/>
-                <a:cs typeface="+mn-cs"/>
-              </a:rPr>
-              <a:t>-Columns/features we were interested in did not contain data in the required format and hence were manipulated in a way that their meanings are retained.</a:t>
-            </a:r>
-          </a:p>
-          <a:p>
-            <a:endParaRPr lang="en-CA" sz="1200" b="0" i="0" kern="1200" dirty="0">
-              <a:solidFill>
-                <a:schemeClr val="tx1"/>
-              </a:solidFill>
-              <a:effectLst/>
-              <a:latin typeface="+mn-lt"/>
-              <a:ea typeface="+mn-ea"/>
-              <a:cs typeface="+mn-cs"/>
-              <a:sym typeface="Wingdings" pitchFamily="2" charset="2"/>
-            </a:endParaRPr>
-          </a:p>
-          <a:p>
-            <a:endParaRPr lang="en-CA" sz="1200" b="0" i="0" kern="1200" dirty="0">
-              <a:solidFill>
-                <a:schemeClr val="tx1"/>
-              </a:solidFill>
-              <a:effectLst/>
-              <a:latin typeface="+mn-lt"/>
-              <a:ea typeface="+mn-ea"/>
-              <a:cs typeface="+mn-cs"/>
-              <a:sym typeface="Wingdings" pitchFamily="2" charset="2"/>
-            </a:endParaRPr>
+              <a:rPr lang="en-US" dirty="0"/>
+              <a:t>The aim of our project’s analysis is to answer the following questions: </a:t>
+            </a:r>
+          </a:p>
+          <a:p>
+            <a:endParaRPr lang="en-US" dirty="0"/>
+          </a:p>
+          <a:p>
+            <a:pPr marL="171450" marR="0" lvl="0" indent="-171450" algn="l" defTabSz="914400" rtl="0" eaLnBrk="1" fontAlgn="auto" latinLnBrk="0" hangingPunct="1">
+              <a:lnSpc>
+                <a:spcPct val="100000"/>
+              </a:lnSpc>
+              <a:spcBef>
+                <a:spcPts val="0"/>
+              </a:spcBef>
+              <a:spcAft>
+                <a:spcPts val="0"/>
+              </a:spcAft>
+              <a:buClrTx/>
+              <a:buSzTx/>
+              <a:buFont typeface="Arial" panose="020B0604020202020204" pitchFamily="34" charset="0"/>
+              <a:buChar char="•"/>
+              <a:tabLst/>
+              <a:defRPr/>
+            </a:pPr>
+            <a:r>
+              <a:rPr lang="en-US" sz="1200" dirty="0"/>
+              <a:t>What are the different types of properties in NYC?</a:t>
+            </a:r>
+          </a:p>
+          <a:p>
+            <a:pPr marL="171450" marR="0" lvl="0" indent="-171450" algn="l" defTabSz="914400" rtl="0" eaLnBrk="1" fontAlgn="auto" latinLnBrk="0" hangingPunct="1">
+              <a:lnSpc>
+                <a:spcPct val="100000"/>
+              </a:lnSpc>
+              <a:spcBef>
+                <a:spcPts val="0"/>
+              </a:spcBef>
+              <a:spcAft>
+                <a:spcPts val="0"/>
+              </a:spcAft>
+              <a:buClrTx/>
+              <a:buSzTx/>
+              <a:buFont typeface="Arial" panose="020B0604020202020204" pitchFamily="34" charset="0"/>
+              <a:buChar char="•"/>
+              <a:tabLst/>
+              <a:defRPr/>
+            </a:pPr>
+            <a:endParaRPr lang="en-US" sz="1200" dirty="0"/>
+          </a:p>
+          <a:p>
+            <a:pPr marL="171450" marR="0" lvl="0" indent="-171450" algn="l" defTabSz="914400" rtl="0" eaLnBrk="1" fontAlgn="auto" latinLnBrk="0" hangingPunct="1">
+              <a:lnSpc>
+                <a:spcPct val="100000"/>
+              </a:lnSpc>
+              <a:spcBef>
+                <a:spcPts val="0"/>
+              </a:spcBef>
+              <a:spcAft>
+                <a:spcPts val="0"/>
+              </a:spcAft>
+              <a:buClrTx/>
+              <a:buSzTx/>
+              <a:buFont typeface="Arial" panose="020B0604020202020204" pitchFamily="34" charset="0"/>
+              <a:buChar char="•"/>
+              <a:tabLst/>
+              <a:defRPr/>
+            </a:pPr>
+            <a:r>
+              <a:rPr lang="en-US" sz="1200" dirty="0"/>
+              <a:t>Does property type availability vary by neighbourhood?</a:t>
+            </a:r>
+          </a:p>
+          <a:p>
+            <a:pPr marL="171450" marR="0" lvl="0" indent="-171450" algn="l" defTabSz="914400" rtl="0" eaLnBrk="1" fontAlgn="auto" latinLnBrk="0" hangingPunct="1">
+              <a:lnSpc>
+                <a:spcPct val="100000"/>
+              </a:lnSpc>
+              <a:spcBef>
+                <a:spcPts val="0"/>
+              </a:spcBef>
+              <a:spcAft>
+                <a:spcPts val="0"/>
+              </a:spcAft>
+              <a:buClrTx/>
+              <a:buSzTx/>
+              <a:buFont typeface="Arial" panose="020B0604020202020204" pitchFamily="34" charset="0"/>
+              <a:buChar char="•"/>
+              <a:tabLst/>
+              <a:defRPr/>
+            </a:pPr>
+            <a:endParaRPr lang="en-US" sz="1200" dirty="0"/>
+          </a:p>
+          <a:p>
+            <a:pPr marL="171450" marR="0" lvl="0" indent="-171450" algn="l" defTabSz="914400" rtl="0" eaLnBrk="1" fontAlgn="auto" latinLnBrk="0" hangingPunct="1">
+              <a:lnSpc>
+                <a:spcPct val="100000"/>
+              </a:lnSpc>
+              <a:spcBef>
+                <a:spcPts val="0"/>
+              </a:spcBef>
+              <a:spcAft>
+                <a:spcPts val="0"/>
+              </a:spcAft>
+              <a:buClrTx/>
+              <a:buSzTx/>
+              <a:buFont typeface="Arial" panose="020B0604020202020204" pitchFamily="34" charset="0"/>
+              <a:buChar char="•"/>
+              <a:tabLst/>
+              <a:defRPr/>
+            </a:pPr>
+            <a:r>
+              <a:rPr lang="en-US" sz="1200" dirty="0"/>
+              <a:t>What neighbourhoods in NYC are rated highly by guests?</a:t>
+            </a:r>
+          </a:p>
+          <a:p>
+            <a:pPr marL="171450" marR="0" lvl="0" indent="-171450" algn="l" defTabSz="914400" rtl="0" eaLnBrk="1" fontAlgn="auto" latinLnBrk="0" hangingPunct="1">
+              <a:lnSpc>
+                <a:spcPct val="100000"/>
+              </a:lnSpc>
+              <a:spcBef>
+                <a:spcPts val="0"/>
+              </a:spcBef>
+              <a:spcAft>
+                <a:spcPts val="0"/>
+              </a:spcAft>
+              <a:buClrTx/>
+              <a:buSzTx/>
+              <a:buFont typeface="Arial" panose="020B0604020202020204" pitchFamily="34" charset="0"/>
+              <a:buChar char="•"/>
+              <a:tabLst/>
+              <a:defRPr/>
+            </a:pPr>
+            <a:endParaRPr lang="en-US" sz="1200" dirty="0"/>
+          </a:p>
+          <a:p>
+            <a:pPr marL="171450" marR="0" lvl="0" indent="-171450" algn="l" defTabSz="914400" rtl="0" eaLnBrk="1" fontAlgn="auto" latinLnBrk="0" hangingPunct="1">
+              <a:lnSpc>
+                <a:spcPct val="100000"/>
+              </a:lnSpc>
+              <a:spcBef>
+                <a:spcPts val="0"/>
+              </a:spcBef>
+              <a:spcAft>
+                <a:spcPts val="0"/>
+              </a:spcAft>
+              <a:buClrTx/>
+              <a:buSzTx/>
+              <a:buFont typeface="Arial" panose="020B0604020202020204" pitchFamily="34" charset="0"/>
+              <a:buChar char="•"/>
+              <a:tabLst/>
+              <a:defRPr/>
+            </a:pPr>
+            <a:r>
+              <a:rPr lang="en-US" sz="1200" dirty="0"/>
+              <a:t>How do prices of listings vary by location?</a:t>
+            </a:r>
+          </a:p>
+          <a:p>
+            <a:pPr marL="171450" marR="0" lvl="0" indent="-171450" algn="l" defTabSz="914400" rtl="0" eaLnBrk="1" fontAlgn="auto" latinLnBrk="0" hangingPunct="1">
+              <a:lnSpc>
+                <a:spcPct val="100000"/>
+              </a:lnSpc>
+              <a:spcBef>
+                <a:spcPts val="0"/>
+              </a:spcBef>
+              <a:spcAft>
+                <a:spcPts val="0"/>
+              </a:spcAft>
+              <a:buClrTx/>
+              <a:buSzTx/>
+              <a:buFont typeface="Arial" panose="020B0604020202020204" pitchFamily="34" charset="0"/>
+              <a:buChar char="•"/>
+              <a:tabLst/>
+              <a:defRPr/>
+            </a:pPr>
+            <a:endParaRPr lang="en-US" sz="1200" dirty="0"/>
+          </a:p>
+          <a:p>
+            <a:pPr marL="171450" marR="0" lvl="0" indent="-171450" algn="l" defTabSz="914400" rtl="0" eaLnBrk="1" fontAlgn="auto" latinLnBrk="0" hangingPunct="1">
+              <a:lnSpc>
+                <a:spcPct val="100000"/>
+              </a:lnSpc>
+              <a:spcBef>
+                <a:spcPts val="0"/>
+              </a:spcBef>
+              <a:spcAft>
+                <a:spcPts val="0"/>
+              </a:spcAft>
+              <a:buClrTx/>
+              <a:buSzTx/>
+              <a:buFont typeface="Arial" panose="020B0604020202020204" pitchFamily="34" charset="0"/>
+              <a:buChar char="•"/>
+              <a:tabLst/>
+              <a:defRPr/>
+            </a:pPr>
+            <a:r>
+              <a:rPr lang="en-US" sz="1200" dirty="0"/>
+              <a:t>How has the demand for Airbnb rentals evolved from ** date?</a:t>
+            </a:r>
           </a:p>
           <a:p>
             <a:endParaRPr lang="en-US" dirty="0"/>
@@ -1473,7 +2115,7 @@
           <a:p>
             <a:fld id="{DF2352D6-35AF-0544-A99E-554CC41E76C4}" type="slidenum">
               <a:rPr lang="en-US" smtClean="0"/>
-              <a:t>4</a:t>
+              <a:t>3</a:t>
             </a:fld>
             <a:endParaRPr lang="en-US"/>
           </a:p>
@@ -1482,7 +2124,7 @@
     </p:spTree>
     <p:extLst>
       <p:ext uri="{BB962C8B-B14F-4D97-AF65-F5344CB8AC3E}">
-        <p14:creationId xmlns:p14="http://schemas.microsoft.com/office/powerpoint/2010/main" val="3348618346"/>
+        <p14:creationId xmlns:p14="http://schemas.microsoft.com/office/powerpoint/2010/main" val="2904820658"/>
       </p:ext>
     </p:extLst>
   </p:cSld>
@@ -1537,9 +2179,120 @@
           <a:lstStyle/>
           <a:p>
             <a:r>
+              <a:rPr lang="en-CA" sz="1200" b="0" i="0" kern="1200" dirty="0">
+                <a:solidFill>
+                  <a:schemeClr val="tx1"/>
+                </a:solidFill>
+                <a:effectLst/>
+                <a:latin typeface="+mn-lt"/>
+                <a:ea typeface="+mn-ea"/>
+                <a:cs typeface="+mn-cs"/>
+              </a:rPr>
+              <a:t>-The data is sourced from the </a:t>
+            </a:r>
+            <a:r>
+              <a:rPr lang="en-CA" sz="1200" b="1" i="0" kern="1200" dirty="0">
+                <a:solidFill>
+                  <a:schemeClr val="tx1"/>
+                </a:solidFill>
+                <a:effectLst/>
+                <a:latin typeface="+mn-lt"/>
+                <a:ea typeface="+mn-ea"/>
+                <a:cs typeface="+mn-cs"/>
+              </a:rPr>
+              <a:t>Inside Airbnb</a:t>
+            </a:r>
+            <a:r>
+              <a:rPr lang="en-CA" sz="1200" b="0" i="0" kern="1200" dirty="0">
+                <a:solidFill>
+                  <a:schemeClr val="tx1"/>
+                </a:solidFill>
+                <a:effectLst/>
+                <a:latin typeface="+mn-lt"/>
+                <a:ea typeface="+mn-ea"/>
+                <a:cs typeface="+mn-cs"/>
+              </a:rPr>
+              <a:t> website </a:t>
+            </a:r>
+            <a:r>
               <a:rPr lang="en-CA" dirty="0"/>
-              <a:t>Some columns containing attributes we were interested did not contain data in the required format. Needed to be manipulated in a way that their meanings were retained.</a:t>
-            </a:r>
+              <a:t>http://</a:t>
+            </a:r>
+            <a:r>
+              <a:rPr lang="en-CA" dirty="0" err="1"/>
+              <a:t>insideairbnb.com</a:t>
+            </a:r>
+            <a:r>
+              <a:rPr lang="en-CA" dirty="0"/>
+              <a:t>/get-the-</a:t>
+            </a:r>
+            <a:r>
+              <a:rPr lang="en-CA" dirty="0" err="1"/>
+              <a:t>data.html</a:t>
+            </a:r>
+            <a:r>
+              <a:rPr lang="en-CA" sz="1200" b="0" i="0" kern="1200" dirty="0">
+                <a:solidFill>
+                  <a:schemeClr val="tx1"/>
+                </a:solidFill>
+                <a:effectLst/>
+                <a:latin typeface="+mn-lt"/>
+                <a:ea typeface="+mn-ea"/>
+                <a:cs typeface="+mn-cs"/>
+              </a:rPr>
+              <a:t> which hosts publicly available data from the Airbnb site.</a:t>
+            </a:r>
+          </a:p>
+          <a:p>
+            <a:endParaRPr lang="en-CA" sz="1200" b="0" i="0" kern="1200" dirty="0">
+              <a:solidFill>
+                <a:schemeClr val="tx1"/>
+              </a:solidFill>
+              <a:effectLst/>
+              <a:latin typeface="+mn-lt"/>
+              <a:ea typeface="+mn-ea"/>
+              <a:cs typeface="+mn-cs"/>
+            </a:endParaRPr>
+          </a:p>
+          <a:p>
+            <a:r>
+              <a:rPr lang="en-CA" sz="1200" b="0" i="0" kern="1200" dirty="0">
+                <a:solidFill>
+                  <a:schemeClr val="tx1"/>
+                </a:solidFill>
+                <a:effectLst/>
+                <a:latin typeface="+mn-lt"/>
+                <a:ea typeface="+mn-ea"/>
+                <a:cs typeface="+mn-cs"/>
+              </a:rPr>
+              <a:t>-Columns/features we were interested in did not contain data in the required format and hence were manipulated in a way that their meanings are retained.</a:t>
+            </a:r>
+          </a:p>
+          <a:p>
+            <a:endParaRPr lang="en-CA" sz="1200" b="0" i="0" kern="1200" dirty="0">
+              <a:solidFill>
+                <a:schemeClr val="tx1"/>
+              </a:solidFill>
+              <a:effectLst/>
+              <a:latin typeface="+mn-lt"/>
+              <a:ea typeface="+mn-ea"/>
+              <a:cs typeface="+mn-cs"/>
+              <a:sym typeface="Wingdings" pitchFamily="2" charset="2"/>
+            </a:endParaRPr>
+          </a:p>
+          <a:p>
+            <a:endParaRPr lang="en-CA" sz="1200" b="0" i="0" kern="1200" dirty="0">
+              <a:solidFill>
+                <a:schemeClr val="tx1"/>
+              </a:solidFill>
+              <a:effectLst/>
+              <a:latin typeface="+mn-lt"/>
+              <a:ea typeface="+mn-ea"/>
+              <a:cs typeface="+mn-cs"/>
+              <a:sym typeface="Wingdings" pitchFamily="2" charset="2"/>
+            </a:endParaRPr>
+          </a:p>
+          <a:p>
             <a:endParaRPr lang="en-US" dirty="0"/>
           </a:p>
         </p:txBody>
@@ -1561,7 +2314,7 @@
           <a:p>
             <a:fld id="{DF2352D6-35AF-0544-A99E-554CC41E76C4}" type="slidenum">
               <a:rPr lang="en-US" smtClean="0"/>
-              <a:t>5</a:t>
+              <a:t>4</a:t>
             </a:fld>
             <a:endParaRPr lang="en-US"/>
           </a:p>
@@ -1570,7 +2323,7 @@
     </p:spTree>
     <p:extLst>
       <p:ext uri="{BB962C8B-B14F-4D97-AF65-F5344CB8AC3E}">
-        <p14:creationId xmlns:p14="http://schemas.microsoft.com/office/powerpoint/2010/main" val="2639126210"/>
+        <p14:creationId xmlns:p14="http://schemas.microsoft.com/office/powerpoint/2010/main" val="3348618346"/>
       </p:ext>
     </p:extLst>
   </p:cSld>
@@ -1625,123 +2378,9 @@
           <a:lstStyle/>
           <a:p>
             <a:r>
-              <a:rPr lang="en-CA" sz="1200" b="0" i="0" kern="1200" dirty="0">
-                <a:solidFill>
-                  <a:schemeClr val="tx1"/>
-                </a:solidFill>
-                <a:effectLst/>
-                <a:latin typeface="+mn-lt"/>
-                <a:ea typeface="+mn-ea"/>
-                <a:cs typeface="+mn-cs"/>
-              </a:rPr>
-              <a:t>-The data is sourced from the </a:t>
-            </a:r>
-            <a:r>
-              <a:rPr lang="en-CA" sz="1200" b="1" i="0" kern="1200" dirty="0">
-                <a:solidFill>
-                  <a:schemeClr val="tx1"/>
-                </a:solidFill>
-                <a:effectLst/>
-                <a:latin typeface="+mn-lt"/>
-                <a:ea typeface="+mn-ea"/>
-                <a:cs typeface="+mn-cs"/>
-              </a:rPr>
-              <a:t>Inside Airbnb</a:t>
-            </a:r>
-            <a:r>
-              <a:rPr lang="en-CA" sz="1200" b="0" i="0" kern="1200" dirty="0">
-                <a:solidFill>
-                  <a:schemeClr val="tx1"/>
-                </a:solidFill>
-                <a:effectLst/>
-                <a:latin typeface="+mn-lt"/>
-                <a:ea typeface="+mn-ea"/>
-                <a:cs typeface="+mn-cs"/>
-              </a:rPr>
-              <a:t> website </a:t>
-            </a:r>
-            <a:r>
               <a:rPr lang="en-CA" dirty="0"/>
-              <a:t>http://</a:t>
-            </a:r>
-            <a:r>
-              <a:rPr lang="en-CA" dirty="0" err="1"/>
-              <a:t>insideairbnb.com</a:t>
-            </a:r>
-            <a:r>
-              <a:rPr lang="en-CA" dirty="0"/>
-              <a:t>/get-the-</a:t>
-            </a:r>
-            <a:r>
-              <a:rPr lang="en-CA" dirty="0" err="1"/>
-              <a:t>data.html</a:t>
-            </a:r>
-            <a:r>
-              <a:rPr lang="en-CA" sz="1200" b="0" i="0" kern="1200" dirty="0">
-                <a:solidFill>
-                  <a:schemeClr val="tx1"/>
-                </a:solidFill>
-                <a:effectLst/>
-                <a:latin typeface="+mn-lt"/>
-                <a:ea typeface="+mn-ea"/>
-                <a:cs typeface="+mn-cs"/>
-              </a:rPr>
-              <a:t> which hosts publicly available data from the Airbnb site.</a:t>
-            </a:r>
-          </a:p>
-          <a:p>
-            <a:endParaRPr lang="en-CA" sz="1200" b="0" i="0" kern="1200" dirty="0">
-              <a:solidFill>
-                <a:schemeClr val="tx1"/>
-              </a:solidFill>
-              <a:effectLst/>
-              <a:latin typeface="+mn-lt"/>
-              <a:ea typeface="+mn-ea"/>
-              <a:cs typeface="+mn-cs"/>
-            </a:endParaRPr>
-          </a:p>
-          <a:p>
-            <a:r>
-              <a:rPr lang="en-CA" sz="1200" b="0" i="0" kern="1200" dirty="0">
-                <a:solidFill>
-                  <a:schemeClr val="tx1"/>
-                </a:solidFill>
-                <a:effectLst/>
-                <a:latin typeface="+mn-lt"/>
-                <a:ea typeface="+mn-ea"/>
-                <a:cs typeface="+mn-cs"/>
-              </a:rPr>
-              <a:t>-Columns/features we were interested in did not contain data in the required format and hence were manipulated in a way that their meanings are retained.</a:t>
-            </a:r>
-          </a:p>
-          <a:p>
-            <a:r>
-              <a:rPr lang="en-CA" sz="1200" b="0" i="0" kern="1200" dirty="0">
-                <a:solidFill>
-                  <a:schemeClr val="tx1"/>
-                </a:solidFill>
-                <a:effectLst/>
-                <a:latin typeface="+mn-lt"/>
-                <a:ea typeface="+mn-ea"/>
-                <a:cs typeface="+mn-cs"/>
-              </a:rPr>
-              <a:t>(Give brief overview of columns/rows we began with </a:t>
-            </a:r>
-            <a:r>
-              <a:rPr lang="en-CA" sz="1200" b="0" i="0" kern="1200" dirty="0">
-                <a:solidFill>
-                  <a:schemeClr val="tx1"/>
-                </a:solidFill>
-                <a:effectLst/>
-                <a:latin typeface="+mn-lt"/>
-                <a:ea typeface="+mn-ea"/>
-                <a:cs typeface="+mn-cs"/>
-                <a:sym typeface="Wingdings" pitchFamily="2" charset="2"/>
-              </a:rPr>
-              <a:t> Final result of Listings Cleaned</a:t>
-            </a:r>
-          </a:p>
-          <a:p>
+              <a:t>Some columns containing attributes we were interested did not contain data in the required format. Needed to be manipulated in a way that their meanings were retained.</a:t>
+            </a:r>
             <a:endParaRPr lang="en-US" dirty="0"/>
           </a:p>
         </p:txBody>
@@ -1763,7 +2402,7 @@
           <a:p>
             <a:fld id="{DF2352D6-35AF-0544-A99E-554CC41E76C4}" type="slidenum">
               <a:rPr lang="en-US" smtClean="0"/>
-              <a:t>6</a:t>
+              <a:t>5</a:t>
             </a:fld>
             <a:endParaRPr lang="en-US"/>
           </a:p>
@@ -1772,7 +2411,7 @@
     </p:spTree>
     <p:extLst>
       <p:ext uri="{BB962C8B-B14F-4D97-AF65-F5344CB8AC3E}">
-        <p14:creationId xmlns:p14="http://schemas.microsoft.com/office/powerpoint/2010/main" val="3503651244"/>
+        <p14:creationId xmlns:p14="http://schemas.microsoft.com/office/powerpoint/2010/main" val="2639126210"/>
       </p:ext>
     </p:extLst>
   </p:cSld>
@@ -1826,23 +2465,6 @@
           <a:bodyPr/>
           <a:lstStyle/>
           <a:p>
-            <a:pPr marL="0" marR="0" lvl="0" indent="0" algn="l" defTabSz="914400" rtl="0" eaLnBrk="1" fontAlgn="auto" latinLnBrk="0" hangingPunct="1">
-              <a:lnSpc>
-                <a:spcPct val="100000"/>
-              </a:lnSpc>
-              <a:spcBef>
-                <a:spcPts val="0"/>
-              </a:spcBef>
-              <a:spcAft>
-                <a:spcPts val="0"/>
-              </a:spcAft>
-              <a:buClrTx/>
-              <a:buSzTx/>
-              <a:buFontTx/>
-              <a:buNone/>
-              <a:tabLst/>
-              <a:defRPr/>
-            </a:pPr>
             <a:r>
               <a:rPr lang="en-CA" sz="1200" b="0" i="0" kern="1200" dirty="0">
                 <a:solidFill>
@@ -1853,7 +2475,98 @@
                 <a:ea typeface="+mn-ea"/>
                 <a:cs typeface="+mn-cs"/>
               </a:rPr>
-              <a:t>-(Give brief overview of columns/rows we began with </a:t>
+              <a:t>-The data is sourced from the </a:t>
+            </a:r>
+            <a:r>
+              <a:rPr lang="en-CA" sz="1200" b="1" i="0" kern="1200" dirty="0">
+                <a:solidFill>
+                  <a:schemeClr val="tx1"/>
+                </a:solidFill>
+                <a:effectLst/>
+                <a:latin typeface="+mn-lt"/>
+                <a:ea typeface="+mn-ea"/>
+                <a:cs typeface="+mn-cs"/>
+              </a:rPr>
+              <a:t>Inside Airbnb</a:t>
+            </a:r>
+            <a:r>
+              <a:rPr lang="en-CA" sz="1200" b="0" i="0" kern="1200" dirty="0">
+                <a:solidFill>
+                  <a:schemeClr val="tx1"/>
+                </a:solidFill>
+                <a:effectLst/>
+                <a:latin typeface="+mn-lt"/>
+                <a:ea typeface="+mn-ea"/>
+                <a:cs typeface="+mn-cs"/>
+              </a:rPr>
+              <a:t> website </a:t>
+            </a:r>
+            <a:r>
+              <a:rPr lang="en-CA" dirty="0"/>
+              <a:t>http://</a:t>
+            </a:r>
+            <a:r>
+              <a:rPr lang="en-CA" dirty="0" err="1"/>
+              <a:t>insideairbnb.com</a:t>
+            </a:r>
+            <a:r>
+              <a:rPr lang="en-CA" dirty="0"/>
+              <a:t>/get-the-</a:t>
+            </a:r>
+            <a:r>
+              <a:rPr lang="en-CA" dirty="0" err="1"/>
+              <a:t>data.html</a:t>
+            </a:r>
+            <a:r>
+              <a:rPr lang="en-CA" sz="1200" b="0" i="0" kern="1200" dirty="0">
+                <a:solidFill>
+                  <a:schemeClr val="tx1"/>
+                </a:solidFill>
+                <a:effectLst/>
+                <a:latin typeface="+mn-lt"/>
+                <a:ea typeface="+mn-ea"/>
+                <a:cs typeface="+mn-cs"/>
+              </a:rPr>
+              <a:t> which hosts publicly available data from the Airbnb site.</a:t>
+            </a:r>
+          </a:p>
+          <a:p>
+            <a:endParaRPr lang="en-CA" sz="1200" b="0" i="0" kern="1200" dirty="0">
+              <a:solidFill>
+                <a:schemeClr val="tx1"/>
+              </a:solidFill>
+              <a:effectLst/>
+              <a:latin typeface="+mn-lt"/>
+              <a:ea typeface="+mn-ea"/>
+              <a:cs typeface="+mn-cs"/>
+            </a:endParaRPr>
+          </a:p>
+          <a:p>
+            <a:r>
+              <a:rPr lang="en-CA" sz="1200" b="0" i="0" kern="1200" dirty="0">
+                <a:solidFill>
+                  <a:schemeClr val="tx1"/>
+                </a:solidFill>
+                <a:effectLst/>
+                <a:latin typeface="+mn-lt"/>
+                <a:ea typeface="+mn-ea"/>
+                <a:cs typeface="+mn-cs"/>
+              </a:rPr>
+              <a:t>-Columns/features we were interested in did not contain data in the required format and hence were manipulated in a way that their meanings are retained.</a:t>
+            </a:r>
+          </a:p>
+          <a:p>
+            <a:r>
+              <a:rPr lang="en-CA" sz="1200" b="0" i="0" kern="1200" dirty="0">
+                <a:solidFill>
+                  <a:schemeClr val="tx1"/>
+                </a:solidFill>
+                <a:effectLst/>
+                <a:latin typeface="+mn-lt"/>
+                <a:ea typeface="+mn-ea"/>
+                <a:cs typeface="+mn-cs"/>
+              </a:rPr>
+              <a:t>(Give brief overview of columns/rows we began with </a:t>
             </a:r>
             <a:r>
               <a:rPr lang="en-CA" sz="1200" b="0" i="0" kern="1200" dirty="0">
@@ -1873,28 +2586,90 @@
             <a:endParaRPr lang="en-US" dirty="0"/>
           </a:p>
           <a:p>
-            <a:r>
-              <a:rPr lang="en-US" dirty="0"/>
-              <a:t>*Include screenshot </a:t>
-            </a:r>
-          </a:p>
-          <a:p>
             <a:endParaRPr lang="en-US" dirty="0"/>
           </a:p>
           <a:p>
+            <a:pPr marL="285750" indent="-285750">
+              <a:buFont typeface="Arial" panose="020B0604020202020204" pitchFamily="34" charset="0"/>
+              <a:buChar char="•"/>
+            </a:pPr>
+            <a:endParaRPr lang="en-CA" sz="1000" kern="1200" dirty="0">
+              <a:solidFill>
+                <a:schemeClr val="tx1"/>
+              </a:solidFill>
+              <a:latin typeface="+mn-lt"/>
+              <a:ea typeface="+mn-ea"/>
+              <a:cs typeface="+mn-cs"/>
+            </a:endParaRPr>
+          </a:p>
+          <a:p>
+            <a:pPr marL="285750" indent="-285750">
+              <a:buFont typeface="Arial" panose="020B0604020202020204" pitchFamily="34" charset="0"/>
+              <a:buChar char="•"/>
+            </a:pPr>
+            <a:r>
+              <a:rPr lang="en-CA" sz="1000" kern="1200" dirty="0">
+                <a:solidFill>
+                  <a:schemeClr val="tx1"/>
+                </a:solidFill>
+                <a:latin typeface="+mn-lt"/>
+                <a:ea typeface="+mn-ea"/>
+                <a:cs typeface="+mn-cs"/>
+              </a:rPr>
+              <a:t>Values in columns comprised of special characters (e.g. $, %, and ,) were standardized.</a:t>
+            </a:r>
+          </a:p>
+          <a:p>
+            <a:endParaRPr lang="en-CA" sz="1000" kern="1200" dirty="0">
+              <a:solidFill>
+                <a:schemeClr val="tx1"/>
+              </a:solidFill>
+              <a:latin typeface="+mn-lt"/>
+              <a:ea typeface="+mn-ea"/>
+              <a:cs typeface="+mn-cs"/>
+            </a:endParaRPr>
+          </a:p>
+          <a:p>
+            <a:pPr marL="285750" indent="-285750">
+              <a:buFont typeface="Arial" panose="020B0604020202020204" pitchFamily="34" charset="0"/>
+              <a:buChar char="•"/>
+            </a:pPr>
+            <a:r>
+              <a:rPr lang="en-CA" sz="1000" kern="1200" dirty="0">
+                <a:solidFill>
+                  <a:schemeClr val="tx1"/>
+                </a:solidFill>
+                <a:latin typeface="+mn-lt"/>
+                <a:ea typeface="+mn-ea"/>
+                <a:cs typeface="+mn-cs"/>
+              </a:rPr>
+              <a:t>Needed to further reduce the size of dataset to meet free uploading requirements to </a:t>
+            </a:r>
+            <a:r>
+              <a:rPr lang="en-CA" sz="1000" kern="1200" dirty="0" err="1">
+                <a:solidFill>
+                  <a:schemeClr val="tx1"/>
+                </a:solidFill>
+                <a:latin typeface="+mn-lt"/>
+                <a:ea typeface="+mn-ea"/>
+                <a:cs typeface="+mn-cs"/>
+              </a:rPr>
+              <a:t>postgres</a:t>
+            </a:r>
+            <a:r>
+              <a:rPr lang="en-CA" sz="1000" kern="1200" dirty="0">
+                <a:solidFill>
+                  <a:schemeClr val="tx1"/>
+                </a:solidFill>
+                <a:latin typeface="+mn-lt"/>
+                <a:ea typeface="+mn-ea"/>
+                <a:cs typeface="+mn-cs"/>
+              </a:rPr>
+              <a:t> SQL. </a:t>
+            </a:r>
+          </a:p>
+          <a:p>
             <a:endParaRPr lang="en-US" dirty="0"/>
-          </a:p>
-          <a:p>
-            <a:r>
-              <a:rPr lang="en-US" dirty="0"/>
-              <a:t>***Table Names/Columns </a:t>
-            </a:r>
-          </a:p>
-          <a:p>
-            <a:r>
-              <a:rPr lang="en-US" dirty="0"/>
-              <a:t>***</a:t>
-            </a:r>
           </a:p>
         </p:txBody>
       </p:sp>
@@ -1915,7 +2690,7 @@
           <a:p>
             <a:fld id="{DF2352D6-35AF-0544-A99E-554CC41E76C4}" type="slidenum">
               <a:rPr lang="en-US" smtClean="0"/>
-              <a:t>7</a:t>
+              <a:t>6</a:t>
             </a:fld>
             <a:endParaRPr lang="en-US"/>
           </a:p>
@@ -1924,7 +2699,7 @@
     </p:spTree>
     <p:extLst>
       <p:ext uri="{BB962C8B-B14F-4D97-AF65-F5344CB8AC3E}">
-        <p14:creationId xmlns:p14="http://schemas.microsoft.com/office/powerpoint/2010/main" val="1615592876"/>
+        <p14:creationId xmlns:p14="http://schemas.microsoft.com/office/powerpoint/2010/main" val="3503651244"/>
       </p:ext>
     </p:extLst>
   </p:cSld>
@@ -1978,69 +2753,57 @@
           <a:bodyPr/>
           <a:lstStyle/>
           <a:p>
+            <a:pPr marL="0" marR="0" lvl="0" indent="0" algn="l" defTabSz="914400" rtl="0" eaLnBrk="1" fontAlgn="auto" latinLnBrk="0" hangingPunct="1">
+              <a:lnSpc>
+                <a:spcPct val="100000"/>
+              </a:lnSpc>
+              <a:spcBef>
+                <a:spcPts val="0"/>
+              </a:spcBef>
+              <a:spcAft>
+                <a:spcPts val="0"/>
+              </a:spcAft>
+              <a:buClrTx/>
+              <a:buSzTx/>
+              <a:buFontTx/>
+              <a:buNone/>
+              <a:tabLst/>
+              <a:defRPr/>
+            </a:pPr>
+            <a:r>
+              <a:rPr lang="en-CA" sz="1200" b="0" i="0" kern="1200" dirty="0">
+                <a:solidFill>
+                  <a:schemeClr val="tx1"/>
+                </a:solidFill>
+                <a:effectLst/>
+                <a:latin typeface="+mn-lt"/>
+                <a:ea typeface="+mn-ea"/>
+                <a:cs typeface="+mn-cs"/>
+              </a:rPr>
+              <a:t>-(Give brief overview of columns/rows we began with </a:t>
+            </a:r>
+            <a:r>
+              <a:rPr lang="en-CA" sz="1200" b="0" i="0" kern="1200" dirty="0">
+                <a:solidFill>
+                  <a:schemeClr val="tx1"/>
+                </a:solidFill>
+                <a:effectLst/>
+                <a:latin typeface="+mn-lt"/>
+                <a:ea typeface="+mn-ea"/>
+                <a:cs typeface="+mn-cs"/>
+                <a:sym typeface="Wingdings" pitchFamily="2" charset="2"/>
+              </a:rPr>
+              <a:t> Final result of Listings Cleaned</a:t>
+            </a:r>
+          </a:p>
+          <a:p>
+            <a:endParaRPr lang="en-US" dirty="0"/>
+          </a:p>
+          <a:p>
             <a:r>
               <a:rPr lang="en-US" dirty="0"/>
-              <a:t>*** Include screen shot of ERD Diagram </a:t>
-            </a:r>
-          </a:p>
-          <a:p>
-            <a:endParaRPr lang="en-US" dirty="0"/>
-          </a:p>
-          <a:p>
-            <a:endParaRPr lang="en-US" dirty="0"/>
-          </a:p>
-          <a:p>
-            <a:endParaRPr lang="en-US" dirty="0"/>
-          </a:p>
-          <a:p>
-            <a:r>
-              <a:rPr lang="en-US" dirty="0"/>
-              <a:t>*Uploaded tables using Jupiter Notebook and Pandas</a:t>
-            </a:r>
-          </a:p>
-          <a:p>
-            <a:endParaRPr lang="en-US" dirty="0"/>
-          </a:p>
-          <a:p>
-            <a:r>
-              <a:rPr lang="en-US" dirty="0"/>
-              <a:t>*Challenges:</a:t>
-            </a:r>
-          </a:p>
-          <a:p>
-            <a:r>
-              <a:rPr lang="en-US" dirty="0"/>
-              <a:t>* Had to create a new database and flask database</a:t>
-            </a:r>
-          </a:p>
-          <a:p>
-            <a:r>
-              <a:rPr lang="en-US" dirty="0"/>
-              <a:t>*Elephant SQL – Original data set was too large when we tried to load</a:t>
-            </a:r>
-          </a:p>
-          <a:p>
-            <a:r>
-              <a:rPr lang="en-US" dirty="0"/>
-              <a:t>*Used Elephant SQL to connect to </a:t>
-            </a:r>
-            <a:r>
-              <a:rPr lang="en-US" dirty="0" err="1"/>
-              <a:t>postgres</a:t>
-            </a:r>
-            <a:r>
-              <a:rPr lang="en-US" dirty="0"/>
-              <a:t> SQL </a:t>
-            </a:r>
-          </a:p>
-          <a:p>
-            <a:r>
-              <a:rPr lang="en-US" dirty="0"/>
-              <a:t>(Kapil and Hilary)</a:t>
-            </a:r>
-          </a:p>
-          <a:p>
-            <a:endParaRPr lang="en-US" dirty="0"/>
+              <a:t>*Include screenshot of dashboard summary. </a:t>
+            </a:r>
           </a:p>
         </p:txBody>
       </p:sp>
@@ -2061,7 +2824,7 @@
           <a:p>
             <a:fld id="{DF2352D6-35AF-0544-A99E-554CC41E76C4}" type="slidenum">
               <a:rPr lang="en-US" smtClean="0"/>
-              <a:t>8</a:t>
+              <a:t>7</a:t>
             </a:fld>
             <a:endParaRPr lang="en-US"/>
           </a:p>
@@ -2070,7 +2833,7 @@
     </p:spTree>
     <p:extLst>
       <p:ext uri="{BB962C8B-B14F-4D97-AF65-F5344CB8AC3E}">
-        <p14:creationId xmlns:p14="http://schemas.microsoft.com/office/powerpoint/2010/main" val="1291315173"/>
+        <p14:creationId xmlns:p14="http://schemas.microsoft.com/office/powerpoint/2010/main" val="1615592876"/>
       </p:ext>
     </p:extLst>
   </p:cSld>
@@ -2126,8 +2889,87 @@
           <a:p>
             <a:r>
               <a:rPr lang="en-US" dirty="0"/>
+              <a:t>*** Include screen shot of ERD Diagram </a:t>
+            </a:r>
+          </a:p>
+          <a:p>
+            <a:endParaRPr lang="en-US" dirty="0"/>
+          </a:p>
+          <a:p>
+            <a:pPr marL="0" marR="0" lvl="0" indent="0" algn="l" defTabSz="914400" rtl="0" eaLnBrk="1" fontAlgn="auto" latinLnBrk="0" hangingPunct="1">
+              <a:lnSpc>
+                <a:spcPct val="100000"/>
+              </a:lnSpc>
+              <a:spcBef>
+                <a:spcPts val="0"/>
+              </a:spcBef>
+              <a:spcAft>
+                <a:spcPts val="0"/>
+              </a:spcAft>
+              <a:buClrTx/>
+              <a:buSzTx/>
+              <a:buFontTx/>
+              <a:buNone/>
+              <a:tabLst/>
+              <a:defRPr/>
+            </a:pPr>
+            <a:r>
+              <a:rPr lang="en-US" dirty="0"/>
               <a:t>*** Provide details on Elephant SQL screenshots/ queries.</a:t>
             </a:r>
+          </a:p>
+          <a:p>
+            <a:endParaRPr lang="en-US" dirty="0"/>
+          </a:p>
+          <a:p>
+            <a:r>
+              <a:rPr lang="en-US" dirty="0"/>
+              <a:t>*Uploaded tables using Jupiter Notebook and Pandas</a:t>
+            </a:r>
+          </a:p>
+          <a:p>
+            <a:endParaRPr lang="en-US" dirty="0"/>
+          </a:p>
+          <a:p>
+            <a:r>
+              <a:rPr lang="en-US" dirty="0"/>
+              <a:t>*Challenges:</a:t>
+            </a:r>
+          </a:p>
+          <a:p>
+            <a:r>
+              <a:rPr lang="en-US" dirty="0"/>
+              <a:t>* Had to create a new database and flask database</a:t>
+            </a:r>
+          </a:p>
+          <a:p>
+            <a:r>
+              <a:rPr lang="en-US" dirty="0"/>
+              <a:t>*Elephant SQL – Original data set was too large when we tried to load</a:t>
+            </a:r>
+          </a:p>
+          <a:p>
+            <a:r>
+              <a:rPr lang="en-US" dirty="0"/>
+              <a:t>*Used Elephant SQL to connect to </a:t>
+            </a:r>
+            <a:r>
+              <a:rPr lang="en-US" dirty="0" err="1"/>
+              <a:t>postgres</a:t>
+            </a:r>
+            <a:r>
+              <a:rPr lang="en-US" dirty="0"/>
+              <a:t> SQL </a:t>
+            </a:r>
+          </a:p>
+          <a:p>
+            <a:r>
+              <a:rPr lang="en-US" dirty="0"/>
+              <a:t>(Kapil and Hilary)</a:t>
+            </a:r>
+          </a:p>
+          <a:p>
+            <a:endParaRPr lang="en-US" dirty="0"/>
           </a:p>
         </p:txBody>
       </p:sp>
@@ -2148,7 +2990,7 @@
           <a:p>
             <a:fld id="{DF2352D6-35AF-0544-A99E-554CC41E76C4}" type="slidenum">
               <a:rPr lang="en-US" smtClean="0"/>
-              <a:t>9</a:t>
+              <a:t>8</a:t>
             </a:fld>
             <a:endParaRPr lang="en-US"/>
           </a:p>
@@ -2157,7 +2999,7 @@
     </p:spTree>
     <p:extLst>
       <p:ext uri="{BB962C8B-B14F-4D97-AF65-F5344CB8AC3E}">
-        <p14:creationId xmlns:p14="http://schemas.microsoft.com/office/powerpoint/2010/main" val="1780364822"/>
+        <p14:creationId xmlns:p14="http://schemas.microsoft.com/office/powerpoint/2010/main" val="1291315173"/>
       </p:ext>
     </p:extLst>
   </p:cSld>
@@ -2211,7 +3053,16 @@
           <a:bodyPr/>
           <a:lstStyle/>
           <a:p>
-            <a:endParaRPr lang="en-US" dirty="0"/>
+            <a:r>
+              <a:rPr lang="en-US" dirty="0"/>
+              <a:t>Include screenshot of interactive map. </a:t>
+            </a:r>
+          </a:p>
+          <a:p>
+            <a:r>
+              <a:rPr lang="en-US" dirty="0"/>
+              <a:t>Zoom into features of Map over a few slides!</a:t>
+            </a:r>
           </a:p>
         </p:txBody>
       </p:sp>
@@ -2232,7 +3083,7 @@
           <a:p>
             <a:fld id="{DF2352D6-35AF-0544-A99E-554CC41E76C4}" type="slidenum">
               <a:rPr lang="en-US" smtClean="0"/>
-              <a:t>10</a:t>
+              <a:t>9</a:t>
             </a:fld>
             <a:endParaRPr lang="en-US"/>
           </a:p>
@@ -2241,7 +3092,7 @@
     </p:spTree>
     <p:extLst>
       <p:ext uri="{BB962C8B-B14F-4D97-AF65-F5344CB8AC3E}">
-        <p14:creationId xmlns:p14="http://schemas.microsoft.com/office/powerpoint/2010/main" val="3493068767"/>
+        <p14:creationId xmlns:p14="http://schemas.microsoft.com/office/powerpoint/2010/main" val="1301000147"/>
       </p:ext>
     </p:extLst>
   </p:cSld>
@@ -2398,7 +3249,7 @@
           <a:p>
             <a:fld id="{F7EC48CD-57E2-ED46-8391-F2D890161E05}" type="datetimeFigureOut">
               <a:rPr lang="en-US" smtClean="0"/>
-              <a:t>2/9/21</a:t>
+              <a:t>2/17/21</a:t>
             </a:fld>
             <a:endParaRPr lang="en-US"/>
           </a:p>
@@ -2596,7 +3447,7 @@
           <a:p>
             <a:fld id="{F7EC48CD-57E2-ED46-8391-F2D890161E05}" type="datetimeFigureOut">
               <a:rPr lang="en-US" smtClean="0"/>
-              <a:t>2/9/21</a:t>
+              <a:t>2/17/21</a:t>
             </a:fld>
             <a:endParaRPr lang="en-US"/>
           </a:p>
@@ -2804,7 +3655,7 @@
           <a:p>
             <a:fld id="{F7EC48CD-57E2-ED46-8391-F2D890161E05}" type="datetimeFigureOut">
               <a:rPr lang="en-US" smtClean="0"/>
-              <a:t>2/9/21</a:t>
+              <a:t>2/17/21</a:t>
             </a:fld>
             <a:endParaRPr lang="en-US"/>
           </a:p>
@@ -3002,7 +3853,7 @@
           <a:p>
             <a:fld id="{F7EC48CD-57E2-ED46-8391-F2D890161E05}" type="datetimeFigureOut">
               <a:rPr lang="en-US" smtClean="0"/>
-              <a:t>2/9/21</a:t>
+              <a:t>2/17/21</a:t>
             </a:fld>
             <a:endParaRPr lang="en-US"/>
           </a:p>
@@ -3277,7 +4128,7 @@
           <a:p>
             <a:fld id="{F7EC48CD-57E2-ED46-8391-F2D890161E05}" type="datetimeFigureOut">
               <a:rPr lang="en-US" smtClean="0"/>
-              <a:t>2/9/21</a:t>
+              <a:t>2/17/21</a:t>
             </a:fld>
             <a:endParaRPr lang="en-US"/>
           </a:p>
@@ -3542,7 +4393,7 @@
           <a:p>
             <a:fld id="{F7EC48CD-57E2-ED46-8391-F2D890161E05}" type="datetimeFigureOut">
               <a:rPr lang="en-US" smtClean="0"/>
-              <a:t>2/9/21</a:t>
+              <a:t>2/17/21</a:t>
             </a:fld>
             <a:endParaRPr lang="en-US"/>
           </a:p>
@@ -3954,7 +4805,7 @@
           <a:p>
             <a:fld id="{F7EC48CD-57E2-ED46-8391-F2D890161E05}" type="datetimeFigureOut">
               <a:rPr lang="en-US" smtClean="0"/>
-              <a:t>2/9/21</a:t>
+              <a:t>2/17/21</a:t>
             </a:fld>
             <a:endParaRPr lang="en-US"/>
           </a:p>
@@ -4095,7 +4946,7 @@
           <a:p>
             <a:fld id="{F7EC48CD-57E2-ED46-8391-F2D890161E05}" type="datetimeFigureOut">
               <a:rPr lang="en-US" smtClean="0"/>
-              <a:t>2/9/21</a:t>
+              <a:t>2/17/21</a:t>
             </a:fld>
             <a:endParaRPr lang="en-US"/>
           </a:p>
@@ -4208,7 +5059,7 @@
           <a:p>
             <a:fld id="{F7EC48CD-57E2-ED46-8391-F2D890161E05}" type="datetimeFigureOut">
               <a:rPr lang="en-US" smtClean="0"/>
-              <a:t>2/9/21</a:t>
+              <a:t>2/17/21</a:t>
             </a:fld>
             <a:endParaRPr lang="en-US"/>
           </a:p>
@@ -4519,7 +5370,7 @@
           <a:p>
             <a:fld id="{F7EC48CD-57E2-ED46-8391-F2D890161E05}" type="datetimeFigureOut">
               <a:rPr lang="en-US" smtClean="0"/>
-              <a:t>2/9/21</a:t>
+              <a:t>2/17/21</a:t>
             </a:fld>
             <a:endParaRPr lang="en-US"/>
           </a:p>
@@ -4807,7 +5658,7 @@
           <a:p>
             <a:fld id="{F7EC48CD-57E2-ED46-8391-F2D890161E05}" type="datetimeFigureOut">
               <a:rPr lang="en-US" smtClean="0"/>
-              <a:t>2/9/21</a:t>
+              <a:t>2/17/21</a:t>
             </a:fld>
             <a:endParaRPr lang="en-US"/>
           </a:p>
@@ -5048,7 +5899,7 @@
           <a:p>
             <a:fld id="{F7EC48CD-57E2-ED46-8391-F2D890161E05}" type="datetimeFigureOut">
               <a:rPr lang="en-US" smtClean="0"/>
-              <a:t>2/9/21</a:t>
+              <a:t>2/17/21</a:t>
             </a:fld>
             <a:endParaRPr lang="en-US"/>
           </a:p>
@@ -5498,7 +6349,7 @@
               <a:rPr lang="en-US" sz="3600" dirty="0">
                 <a:latin typeface="+mj-lt"/>
               </a:rPr>
-              <a:t>Exploratory Data Analysis and Visualization of New York City Airbnb Listings – 02/11/21</a:t>
+              <a:t>Exploratory Data Analysis and Visualization of New York City Airbnb Listings – 02/17/21</a:t>
             </a:r>
             <a:endParaRPr lang="en-US" dirty="0"/>
           </a:p>
@@ -5521,7 +6372,7 @@
           </p:nvPr>
         </p:nvPicPr>
         <p:blipFill rotWithShape="1">
-          <a:blip r:embed="rId2"/>
+          <a:blip r:embed="rId3"/>
           <a:srcRect l="26590" t="20798" r="31668" b="40721"/>
           <a:stretch/>
         </p:blipFill>
@@ -5757,6 +6608,469 @@
     </p:spTree>
     <p:extLst>
       <p:ext uri="{BB962C8B-B14F-4D97-AF65-F5344CB8AC3E}">
+        <p14:creationId xmlns:p14="http://schemas.microsoft.com/office/powerpoint/2010/main" val="1662014187"/>
+      </p:ext>
+    </p:extLst>
+  </p:cSld>
+  <p:clrMapOvr>
+    <a:masterClrMapping/>
+  </p:clrMapOvr>
+</p:sld>
+</file>
+
+<file path=ppt/slides/slide11.xml><?xml version="1.0" encoding="utf-8"?>
+<p:sld xmlns:a="http://schemas.openxmlformats.org/drawingml/2006/main" xmlns:r="http://schemas.openxmlformats.org/officeDocument/2006/relationships" xmlns:p="http://schemas.openxmlformats.org/presentationml/2006/main">
+  <p:cSld>
+    <p:spTree>
+      <p:nvGrpSpPr>
+        <p:cNvPr id="1" name=""/>
+        <p:cNvGrpSpPr/>
+        <p:nvPr/>
+      </p:nvGrpSpPr>
+      <p:grpSpPr>
+        <a:xfrm>
+          <a:off x="0" y="0"/>
+          <a:ext cx="0" cy="0"/>
+          <a:chOff x="0" y="0"/>
+          <a:chExt cx="0" cy="0"/>
+        </a:xfrm>
+      </p:grpSpPr>
+      <p:sp>
+        <p:nvSpPr>
+          <p:cNvPr id="2" name="Title 1">
+            <a:extLst>
+              <a:ext uri="{FF2B5EF4-FFF2-40B4-BE49-F238E27FC236}">
+                <a16:creationId xmlns:a16="http://schemas.microsoft.com/office/drawing/2014/main" id="{59B8B577-5676-3C4B-A107-E41DB331FD85}"/>
+              </a:ext>
+            </a:extLst>
+          </p:cNvPr>
+          <p:cNvSpPr>
+            <a:spLocks noGrp="1"/>
+          </p:cNvSpPr>
+          <p:nvPr>
+            <p:ph type="title"/>
+          </p:nvPr>
+        </p:nvSpPr>
+        <p:spPr>
+          <a:xfrm>
+            <a:off x="4272238" y="588197"/>
+            <a:ext cx="10515600" cy="1325563"/>
+          </a:xfrm>
+        </p:spPr>
+        <p:txBody>
+          <a:bodyPr/>
+          <a:lstStyle/>
+          <a:p>
+            <a:r>
+              <a:rPr lang="en-US" dirty="0">
+                <a:solidFill>
+                  <a:srgbClr val="EA5E46"/>
+                </a:solidFill>
+              </a:rPr>
+              <a:t>Property types available in NYC</a:t>
+            </a:r>
+          </a:p>
+        </p:txBody>
+      </p:sp>
+      <p:pic>
+        <p:nvPicPr>
+          <p:cNvPr id="2050" name="Picture 2" descr="Image result for air bnb logo">
+            <a:extLst>
+              <a:ext uri="{FF2B5EF4-FFF2-40B4-BE49-F238E27FC236}">
+                <a16:creationId xmlns:a16="http://schemas.microsoft.com/office/drawing/2014/main" id="{A162C291-208B-BE48-BF44-7D5CD7EF6151}"/>
+              </a:ext>
+            </a:extLst>
+          </p:cNvPr>
+          <p:cNvPicPr>
+            <a:picLocks noChangeAspect="1" noChangeArrowheads="1"/>
+          </p:cNvPicPr>
+          <p:nvPr/>
+        </p:nvPicPr>
+        <p:blipFill>
+          <a:blip r:embed="rId3">
+            <a:extLst>
+              <a:ext uri="{28A0092B-C50C-407E-A947-70E740481C1C}">
+                <a14:useLocalDpi xmlns:a14="http://schemas.microsoft.com/office/drawing/2010/main" val="0"/>
+              </a:ext>
+            </a:extLst>
+          </a:blip>
+          <a:srcRect/>
+          <a:stretch>
+            <a:fillRect/>
+          </a:stretch>
+        </p:blipFill>
+        <p:spPr bwMode="auto">
+          <a:xfrm>
+            <a:off x="2080820" y="0"/>
+            <a:ext cx="2189605" cy="2022038"/>
+          </a:xfrm>
+          <a:prstGeom prst="rect">
+            <a:avLst/>
+          </a:prstGeom>
+          <a:noFill/>
+          <a:extLst>
+            <a:ext uri="{909E8E84-426E-40DD-AFC4-6F175D3DCCD1}">
+              <a14:hiddenFill xmlns:a14="http://schemas.microsoft.com/office/drawing/2010/main">
+                <a:solidFill>
+                  <a:srgbClr val="FFFFFF"/>
+                </a:solidFill>
+              </a14:hiddenFill>
+            </a:ext>
+          </a:extLst>
+        </p:spPr>
+      </p:pic>
+      <p:cxnSp>
+        <p:nvCxnSpPr>
+          <p:cNvPr id="6" name="Straight Connector 5">
+            <a:extLst>
+              <a:ext uri="{FF2B5EF4-FFF2-40B4-BE49-F238E27FC236}">
+                <a16:creationId xmlns:a16="http://schemas.microsoft.com/office/drawing/2014/main" id="{7D0926DC-6298-B648-9DF9-0D78D09F9FC8}"/>
+              </a:ext>
+            </a:extLst>
+          </p:cNvPr>
+          <p:cNvCxnSpPr>
+            <a:cxnSpLocks/>
+          </p:cNvCxnSpPr>
+          <p:nvPr/>
+        </p:nvCxnSpPr>
+        <p:spPr>
+          <a:xfrm>
+            <a:off x="2526110" y="1576551"/>
+            <a:ext cx="9518745" cy="1"/>
+          </a:xfrm>
+          <a:prstGeom prst="line">
+            <a:avLst/>
+          </a:prstGeom>
+          <a:ln w="12700">
+            <a:solidFill>
+              <a:srgbClr val="EA5E46"/>
+            </a:solidFill>
+          </a:ln>
+        </p:spPr>
+        <p:style>
+          <a:lnRef idx="1">
+            <a:schemeClr val="accent2"/>
+          </a:lnRef>
+          <a:fillRef idx="0">
+            <a:schemeClr val="accent2"/>
+          </a:fillRef>
+          <a:effectRef idx="0">
+            <a:schemeClr val="accent2"/>
+          </a:effectRef>
+          <a:fontRef idx="minor">
+            <a:schemeClr val="tx1"/>
+          </a:fontRef>
+        </p:style>
+      </p:cxnSp>
+      <p:pic>
+        <p:nvPicPr>
+          <p:cNvPr id="11" name="Picture 10">
+            <a:extLst>
+              <a:ext uri="{FF2B5EF4-FFF2-40B4-BE49-F238E27FC236}">
+                <a16:creationId xmlns:a16="http://schemas.microsoft.com/office/drawing/2014/main" id="{90A5BBF9-FDA3-BF41-81C5-B9BCFC6C5779}"/>
+              </a:ext>
+            </a:extLst>
+          </p:cNvPr>
+          <p:cNvPicPr>
+            <a:picLocks noChangeAspect="1"/>
+          </p:cNvPicPr>
+          <p:nvPr/>
+        </p:nvPicPr>
+        <p:blipFill rotWithShape="1">
+          <a:blip r:embed="rId4"/>
+          <a:srcRect l="1396" t="18366" r="7791" b="-11192"/>
+          <a:stretch/>
+        </p:blipFill>
+        <p:spPr>
+          <a:xfrm>
+            <a:off x="2566336" y="2731786"/>
+            <a:ext cx="2545867" cy="3106478"/>
+          </a:xfrm>
+          <a:prstGeom prst="rect">
+            <a:avLst/>
+          </a:prstGeom>
+        </p:spPr>
+      </p:pic>
+      <p:pic>
+        <p:nvPicPr>
+          <p:cNvPr id="9" name="Picture 8">
+            <a:extLst>
+              <a:ext uri="{FF2B5EF4-FFF2-40B4-BE49-F238E27FC236}">
+                <a16:creationId xmlns:a16="http://schemas.microsoft.com/office/drawing/2014/main" id="{61198174-2BB3-7842-AC78-09FB84ACE1ED}"/>
+              </a:ext>
+            </a:extLst>
+          </p:cNvPr>
+          <p:cNvPicPr>
+            <a:picLocks noChangeAspect="1"/>
+          </p:cNvPicPr>
+          <p:nvPr/>
+        </p:nvPicPr>
+        <p:blipFill rotWithShape="1">
+          <a:blip r:embed="rId5"/>
+          <a:srcRect l="16968" t="10641" r="55247" b="18281"/>
+          <a:stretch/>
+        </p:blipFill>
+        <p:spPr>
+          <a:xfrm>
+            <a:off x="69310" y="2443223"/>
+            <a:ext cx="2545867" cy="2838226"/>
+          </a:xfrm>
+          <a:prstGeom prst="rect">
+            <a:avLst/>
+          </a:prstGeom>
+        </p:spPr>
+      </p:pic>
+      <p:pic>
+        <p:nvPicPr>
+          <p:cNvPr id="13" name="Picture 12">
+            <a:extLst>
+              <a:ext uri="{FF2B5EF4-FFF2-40B4-BE49-F238E27FC236}">
+                <a16:creationId xmlns:a16="http://schemas.microsoft.com/office/drawing/2014/main" id="{C0B13029-953F-BD49-BB27-8A0EBD705C3E}"/>
+              </a:ext>
+            </a:extLst>
+          </p:cNvPr>
+          <p:cNvPicPr>
+            <a:picLocks noChangeAspect="1"/>
+          </p:cNvPicPr>
+          <p:nvPr/>
+        </p:nvPicPr>
+        <p:blipFill rotWithShape="1">
+          <a:blip r:embed="rId6"/>
+          <a:srcRect l="16107" r="22012" b="14802"/>
+          <a:stretch/>
+        </p:blipFill>
+        <p:spPr>
+          <a:xfrm>
+            <a:off x="5214931" y="2672301"/>
+            <a:ext cx="2494627" cy="2609148"/>
+          </a:xfrm>
+          <a:prstGeom prst="rect">
+            <a:avLst/>
+          </a:prstGeom>
+        </p:spPr>
+      </p:pic>
+      <p:pic>
+        <p:nvPicPr>
+          <p:cNvPr id="17" name="Picture 16">
+            <a:extLst>
+              <a:ext uri="{FF2B5EF4-FFF2-40B4-BE49-F238E27FC236}">
+                <a16:creationId xmlns:a16="http://schemas.microsoft.com/office/drawing/2014/main" id="{088AFCA1-BB89-A84D-A433-9FB84278BA41}"/>
+              </a:ext>
+            </a:extLst>
+          </p:cNvPr>
+          <p:cNvPicPr>
+            <a:picLocks noChangeAspect="1"/>
+          </p:cNvPicPr>
+          <p:nvPr/>
+        </p:nvPicPr>
+        <p:blipFill rotWithShape="1">
+          <a:blip r:embed="rId7"/>
+          <a:srcRect l="12453" r="16796" b="10408"/>
+          <a:stretch/>
+        </p:blipFill>
+        <p:spPr>
+          <a:xfrm>
+            <a:off x="9625664" y="2672301"/>
+            <a:ext cx="2426202" cy="2609149"/>
+          </a:xfrm>
+          <a:prstGeom prst="rect">
+            <a:avLst/>
+          </a:prstGeom>
+        </p:spPr>
+      </p:pic>
+      <p:sp>
+        <p:nvSpPr>
+          <p:cNvPr id="18" name="TextBox 17">
+            <a:extLst>
+              <a:ext uri="{FF2B5EF4-FFF2-40B4-BE49-F238E27FC236}">
+                <a16:creationId xmlns:a16="http://schemas.microsoft.com/office/drawing/2014/main" id="{B2DC05D6-900E-E54F-9799-9E4735EA4B47}"/>
+              </a:ext>
+            </a:extLst>
+          </p:cNvPr>
+          <p:cNvSpPr txBox="1"/>
+          <p:nvPr/>
+        </p:nvSpPr>
+        <p:spPr>
+          <a:xfrm>
+            <a:off x="115803" y="2022038"/>
+            <a:ext cx="2305991" cy="369332"/>
+          </a:xfrm>
+          <a:prstGeom prst="rect">
+            <a:avLst/>
+          </a:prstGeom>
+          <a:noFill/>
+        </p:spPr>
+        <p:txBody>
+          <a:bodyPr wrap="square" rtlCol="0">
+            <a:spAutoFit/>
+          </a:bodyPr>
+          <a:lstStyle/>
+          <a:p>
+            <a:pPr algn="ctr"/>
+            <a:r>
+              <a:rPr lang="en-US" sz="3200" b="1" dirty="0">
+                <a:latin typeface="+mj-lt"/>
+              </a:rPr>
+              <a:t>Manhattan</a:t>
+            </a:r>
+          </a:p>
+        </p:txBody>
+      </p:sp>
+      <p:sp>
+        <p:nvSpPr>
+          <p:cNvPr id="20" name="TextBox 19">
+            <a:extLst>
+              <a:ext uri="{FF2B5EF4-FFF2-40B4-BE49-F238E27FC236}">
+                <a16:creationId xmlns:a16="http://schemas.microsoft.com/office/drawing/2014/main" id="{78ECD2AB-B1AC-2343-A061-A9E4ADFFCD3C}"/>
+              </a:ext>
+            </a:extLst>
+          </p:cNvPr>
+          <p:cNvSpPr txBox="1"/>
+          <p:nvPr/>
+        </p:nvSpPr>
+        <p:spPr>
+          <a:xfrm>
+            <a:off x="2657959" y="1980131"/>
+            <a:ext cx="2305991" cy="584775"/>
+          </a:xfrm>
+          <a:prstGeom prst="rect">
+            <a:avLst/>
+          </a:prstGeom>
+          <a:noFill/>
+        </p:spPr>
+        <p:txBody>
+          <a:bodyPr wrap="square" rtlCol="0">
+            <a:spAutoFit/>
+          </a:bodyPr>
+          <a:lstStyle/>
+          <a:p>
+            <a:pPr algn="ctr"/>
+            <a:r>
+              <a:rPr lang="en-US" sz="3200" b="1" dirty="0">
+                <a:latin typeface="+mj-lt"/>
+              </a:rPr>
+              <a:t>Brooklyn</a:t>
+            </a:r>
+          </a:p>
+        </p:txBody>
+      </p:sp>
+      <p:sp>
+        <p:nvSpPr>
+          <p:cNvPr id="21" name="TextBox 20">
+            <a:extLst>
+              <a:ext uri="{FF2B5EF4-FFF2-40B4-BE49-F238E27FC236}">
+                <a16:creationId xmlns:a16="http://schemas.microsoft.com/office/drawing/2014/main" id="{5D407336-F2B3-DC4F-8095-1223E6187CFB}"/>
+              </a:ext>
+            </a:extLst>
+          </p:cNvPr>
+          <p:cNvSpPr txBox="1"/>
+          <p:nvPr/>
+        </p:nvSpPr>
+        <p:spPr>
+          <a:xfrm>
+            <a:off x="5073782" y="1984764"/>
+            <a:ext cx="2305991" cy="584775"/>
+          </a:xfrm>
+          <a:prstGeom prst="rect">
+            <a:avLst/>
+          </a:prstGeom>
+          <a:noFill/>
+        </p:spPr>
+        <p:txBody>
+          <a:bodyPr wrap="square" rtlCol="0">
+            <a:spAutoFit/>
+          </a:bodyPr>
+          <a:lstStyle/>
+          <a:p>
+            <a:pPr algn="ctr"/>
+            <a:r>
+              <a:rPr lang="en-US" sz="3200" b="1" dirty="0">
+                <a:latin typeface="+mj-lt"/>
+              </a:rPr>
+              <a:t>Bronx</a:t>
+            </a:r>
+          </a:p>
+        </p:txBody>
+      </p:sp>
+      <p:sp>
+        <p:nvSpPr>
+          <p:cNvPr id="22" name="TextBox 21">
+            <a:extLst>
+              <a:ext uri="{FF2B5EF4-FFF2-40B4-BE49-F238E27FC236}">
+                <a16:creationId xmlns:a16="http://schemas.microsoft.com/office/drawing/2014/main" id="{2C9CD589-5302-F74A-B868-03DEAC1D03FC}"/>
+              </a:ext>
+            </a:extLst>
+          </p:cNvPr>
+          <p:cNvSpPr txBox="1"/>
+          <p:nvPr/>
+        </p:nvSpPr>
+        <p:spPr>
+          <a:xfrm>
+            <a:off x="9530038" y="2000643"/>
+            <a:ext cx="2305991" cy="584775"/>
+          </a:xfrm>
+          <a:prstGeom prst="rect">
+            <a:avLst/>
+          </a:prstGeom>
+          <a:noFill/>
+        </p:spPr>
+        <p:txBody>
+          <a:bodyPr wrap="square" rtlCol="0">
+            <a:spAutoFit/>
+          </a:bodyPr>
+          <a:lstStyle/>
+          <a:p>
+            <a:pPr algn="ctr"/>
+            <a:r>
+              <a:rPr lang="en-US" sz="3200" b="1" dirty="0">
+                <a:latin typeface="+mj-lt"/>
+              </a:rPr>
+              <a:t>Staten Island</a:t>
+            </a:r>
+          </a:p>
+        </p:txBody>
+      </p:sp>
+      <p:sp>
+        <p:nvSpPr>
+          <p:cNvPr id="23" name="TextBox 22">
+            <a:extLst>
+              <a:ext uri="{FF2B5EF4-FFF2-40B4-BE49-F238E27FC236}">
+                <a16:creationId xmlns:a16="http://schemas.microsoft.com/office/drawing/2014/main" id="{287B4420-45D1-7847-8627-36F93F8CC6F6}"/>
+              </a:ext>
+            </a:extLst>
+          </p:cNvPr>
+          <p:cNvSpPr txBox="1"/>
+          <p:nvPr/>
+        </p:nvSpPr>
+        <p:spPr>
+          <a:xfrm>
+            <a:off x="7143612" y="1980131"/>
+            <a:ext cx="2305991" cy="584775"/>
+          </a:xfrm>
+          <a:prstGeom prst="rect">
+            <a:avLst/>
+          </a:prstGeom>
+          <a:noFill/>
+        </p:spPr>
+        <p:txBody>
+          <a:bodyPr wrap="square" rtlCol="0">
+            <a:spAutoFit/>
+          </a:bodyPr>
+          <a:lstStyle/>
+          <a:p>
+            <a:pPr algn="ctr"/>
+            <a:r>
+              <a:rPr lang="en-US" sz="3200" b="1" dirty="0">
+                <a:latin typeface="+mj-lt"/>
+              </a:rPr>
+              <a:t>Queens</a:t>
+            </a:r>
+          </a:p>
+        </p:txBody>
+      </p:sp>
+    </p:spTree>
+    <p:extLst>
+      <p:ext uri="{BB962C8B-B14F-4D97-AF65-F5344CB8AC3E}">
         <p14:creationId xmlns:p14="http://schemas.microsoft.com/office/powerpoint/2010/main" val="3225701336"/>
       </p:ext>
     </p:extLst>
@@ -5767,7 +7081,7 @@
 </p:sld>
 </file>
 
-<file path=ppt/slides/slide11.xml><?xml version="1.0" encoding="utf-8"?>
+<file path=ppt/slides/slide12.xml><?xml version="1.0" encoding="utf-8"?>
 <p:sld xmlns:a="http://schemas.openxmlformats.org/drawingml/2006/main" xmlns:r="http://schemas.openxmlformats.org/officeDocument/2006/relationships" xmlns:p="http://schemas.openxmlformats.org/presentationml/2006/main">
   <p:cSld>
     <p:spTree>
@@ -5930,7 +7244,7 @@
     </p:spTree>
     <p:extLst>
       <p:ext uri="{BB962C8B-B14F-4D97-AF65-F5344CB8AC3E}">
-        <p14:creationId xmlns:p14="http://schemas.microsoft.com/office/powerpoint/2010/main" val="493721797"/>
+        <p14:creationId xmlns:p14="http://schemas.microsoft.com/office/powerpoint/2010/main" val="3591082636"/>
       </p:ext>
     </p:extLst>
   </p:cSld>
@@ -5940,7 +7254,7 @@
 </p:sld>
 </file>
 
-<file path=ppt/slides/slide12.xml><?xml version="1.0" encoding="utf-8"?>
+<file path=ppt/slides/slide13.xml><?xml version="1.0" encoding="utf-8"?>
 <p:sld xmlns:a="http://schemas.openxmlformats.org/drawingml/2006/main" xmlns:r="http://schemas.openxmlformats.org/officeDocument/2006/relationships" xmlns:p="http://schemas.openxmlformats.org/presentationml/2006/main">
   <p:cSld>
     <p:spTree>
@@ -5989,7 +7303,23 @@
                   <a:srgbClr val="EA5E46"/>
                 </a:solidFill>
               </a:rPr>
-              <a:t>Pricing of NYC Neighbourhoods</a:t>
+              <a:t>NYC </a:t>
+            </a:r>
+            <a:r>
+              <a:rPr lang="en-US" dirty="0" err="1">
+                <a:solidFill>
+                  <a:srgbClr val="EA5E46"/>
+                </a:solidFill>
+              </a:rPr>
+              <a:t>Neighbourhood</a:t>
+            </a:r>
+            <a:r>
+              <a:rPr lang="en-US" dirty="0">
+                <a:solidFill>
+                  <a:srgbClr val="EA5E46"/>
+                </a:solidFill>
+              </a:rPr>
+              <a:t> Ratings </a:t>
             </a:r>
           </a:p>
         </p:txBody>
@@ -6084,10 +7414,39 @@
           </a:fontRef>
         </p:style>
       </p:cxnSp>
+      <p:pic>
+        <p:nvPicPr>
+          <p:cNvPr id="4" name="Picture 3">
+            <a:extLst>
+              <a:ext uri="{FF2B5EF4-FFF2-40B4-BE49-F238E27FC236}">
+                <a16:creationId xmlns:a16="http://schemas.microsoft.com/office/drawing/2014/main" id="{A6115276-C647-1349-B838-1835ECB639B4}"/>
+              </a:ext>
+            </a:extLst>
+          </p:cNvPr>
+          <p:cNvPicPr>
+            <a:picLocks noChangeAspect="1"/>
+          </p:cNvPicPr>
+          <p:nvPr/>
+        </p:nvPicPr>
+        <p:blipFill rotWithShape="1">
+          <a:blip r:embed="rId4"/>
+          <a:srcRect l="1092" t="222" r="3408" b="3522"/>
+          <a:stretch/>
+        </p:blipFill>
+        <p:spPr>
+          <a:xfrm>
+            <a:off x="542646" y="2022037"/>
+            <a:ext cx="11339522" cy="3961659"/>
+          </a:xfrm>
+          <a:prstGeom prst="rect">
+            <a:avLst/>
+          </a:prstGeom>
+        </p:spPr>
+      </p:pic>
     </p:spTree>
     <p:extLst>
       <p:ext uri="{BB962C8B-B14F-4D97-AF65-F5344CB8AC3E}">
-        <p14:creationId xmlns:p14="http://schemas.microsoft.com/office/powerpoint/2010/main" val="4213610689"/>
+        <p14:creationId xmlns:p14="http://schemas.microsoft.com/office/powerpoint/2010/main" val="493721797"/>
       </p:ext>
     </p:extLst>
   </p:cSld>
@@ -6097,7 +7456,7 @@
 </p:sld>
 </file>
 
-<file path=ppt/slides/slide13.xml><?xml version="1.0" encoding="utf-8"?>
+<file path=ppt/slides/slide14.xml><?xml version="1.0" encoding="utf-8"?>
 <p:sld xmlns:a="http://schemas.openxmlformats.org/drawingml/2006/main" xmlns:r="http://schemas.openxmlformats.org/officeDocument/2006/relationships" xmlns:p="http://schemas.openxmlformats.org/presentationml/2006/main">
   <p:cSld>
     <p:spTree>
@@ -6146,7 +7505,7 @@
                   <a:srgbClr val="EA5E46"/>
                 </a:solidFill>
               </a:rPr>
-              <a:t>App Dashboard Design</a:t>
+              <a:t>Pricing of NYC Neighbourhoods</a:t>
             </a:r>
           </a:p>
         </p:txBody>
@@ -6241,100 +7600,201 @@
           </a:fontRef>
         </p:style>
       </p:cxnSp>
-      <p:sp>
-        <p:nvSpPr>
-          <p:cNvPr id="3" name="AutoShape 2">
-            <a:extLst>
-              <a:ext uri="{FF2B5EF4-FFF2-40B4-BE49-F238E27FC236}">
-                <a16:creationId xmlns:a16="http://schemas.microsoft.com/office/drawing/2014/main" id="{4A003885-906A-5B4D-B7E6-D590C2605E53}"/>
-              </a:ext>
-            </a:extLst>
-          </p:cNvPr>
-          <p:cNvSpPr>
-            <a:spLocks noChangeAspect="1" noChangeArrowheads="1"/>
-          </p:cNvSpPr>
+      <p:pic>
+        <p:nvPicPr>
+          <p:cNvPr id="5" name="Picture 4">
+            <a:extLst>
+              <a:ext uri="{FF2B5EF4-FFF2-40B4-BE49-F238E27FC236}">
+                <a16:creationId xmlns:a16="http://schemas.microsoft.com/office/drawing/2014/main" id="{16693B6D-07E7-7B48-99A1-63E38E07BCC9}"/>
+              </a:ext>
+            </a:extLst>
+          </p:cNvPr>
+          <p:cNvPicPr>
+            <a:picLocks noChangeAspect="1"/>
+          </p:cNvPicPr>
           <p:nvPr/>
-        </p:nvSpPr>
-        <p:spPr bwMode="auto">
+        </p:nvPicPr>
+        <p:blipFill>
+          <a:blip r:embed="rId4"/>
+          <a:stretch>
+            <a:fillRect/>
+          </a:stretch>
+        </p:blipFill>
+        <p:spPr>
           <a:xfrm>
-            <a:off x="5943599" y="3276599"/>
-            <a:ext cx="5339443" cy="5339443"/>
+            <a:off x="546900" y="1700462"/>
+            <a:ext cx="5233766" cy="4991869"/>
           </a:xfrm>
           <a:prstGeom prst="rect">
             <a:avLst/>
           </a:prstGeom>
-          <a:noFill/>
-          <a:extLst>
-            <a:ext uri="{909E8E84-426E-40DD-AFC4-6F175D3DCCD1}">
-              <a14:hiddenFill xmlns:a14="http://schemas.microsoft.com/office/drawing/2010/main">
-                <a:solidFill>
-                  <a:srgbClr val="FFFFFF"/>
-                </a:solidFill>
-              </a14:hiddenFill>
-            </a:ext>
-          </a:extLst>
         </p:spPr>
-        <p:txBody>
-          <a:bodyPr vert="horz" wrap="square" lIns="91440" tIns="45720" rIns="91440" bIns="45720" numCol="1" anchor="t" anchorCtr="0" compatLnSpc="1">
-            <a:prstTxWarp prst="textNoShape">
-              <a:avLst/>
-            </a:prstTxWarp>
-          </a:bodyPr>
-          <a:lstStyle/>
-          <a:p>
-            <a:endParaRPr lang="en-US"/>
-          </a:p>
-        </p:txBody>
-      </p:sp>
-      <p:sp>
-        <p:nvSpPr>
-          <p:cNvPr id="4" name="AutoShape 4">
-            <a:extLst>
-              <a:ext uri="{FF2B5EF4-FFF2-40B4-BE49-F238E27FC236}">
-                <a16:creationId xmlns:a16="http://schemas.microsoft.com/office/drawing/2014/main" id="{8070242B-70C5-BB4A-960A-BE0D676EA5A9}"/>
-              </a:ext>
-            </a:extLst>
-          </p:cNvPr>
-          <p:cNvSpPr>
-            <a:spLocks noChangeAspect="1" noChangeArrowheads="1"/>
-          </p:cNvSpPr>
+      </p:pic>
+      <p:pic>
+        <p:nvPicPr>
+          <p:cNvPr id="7" name="Picture 6">
+            <a:extLst>
+              <a:ext uri="{FF2B5EF4-FFF2-40B4-BE49-F238E27FC236}">
+                <a16:creationId xmlns:a16="http://schemas.microsoft.com/office/drawing/2014/main" id="{59B2C2ED-B34E-A04E-B679-60C1B3C2D8F0}"/>
+              </a:ext>
+            </a:extLst>
+          </p:cNvPr>
+          <p:cNvPicPr>
+            <a:picLocks noChangeAspect="1"/>
+          </p:cNvPicPr>
           <p:nvPr/>
-        </p:nvSpPr>
-        <p:spPr bwMode="auto">
+        </p:nvPicPr>
+        <p:blipFill rotWithShape="1">
+          <a:blip r:embed="rId4"/>
+          <a:srcRect l="73688" t="70821" r="1967" b="3053"/>
+          <a:stretch/>
+        </p:blipFill>
+        <p:spPr>
           <a:xfrm>
-            <a:off x="5943599" y="3276599"/>
-            <a:ext cx="5012871" cy="5012871"/>
+            <a:off x="9062936" y="4363452"/>
+            <a:ext cx="2359043" cy="2414605"/>
           </a:xfrm>
           <a:prstGeom prst="rect">
             <a:avLst/>
           </a:prstGeom>
-          <a:noFill/>
-          <a:extLst>
-            <a:ext uri="{909E8E84-426E-40DD-AFC4-6F175D3DCCD1}">
-              <a14:hiddenFill xmlns:a14="http://schemas.microsoft.com/office/drawing/2010/main">
-                <a:solidFill>
-                  <a:srgbClr val="FFFFFF"/>
-                </a:solidFill>
-              </a14:hiddenFill>
-            </a:ext>
-          </a:extLst>
         </p:spPr>
-        <p:txBody>
-          <a:bodyPr vert="horz" wrap="square" lIns="91440" tIns="45720" rIns="91440" bIns="45720" numCol="1" anchor="t" anchorCtr="0" compatLnSpc="1">
-            <a:prstTxWarp prst="textNoShape">
-              <a:avLst/>
-            </a:prstTxWarp>
-          </a:bodyPr>
+      </p:pic>
+      <p:sp>
+        <p:nvSpPr>
+          <p:cNvPr id="3" name="Right Arrow 2">
+            <a:extLst>
+              <a:ext uri="{FF2B5EF4-FFF2-40B4-BE49-F238E27FC236}">
+                <a16:creationId xmlns:a16="http://schemas.microsoft.com/office/drawing/2014/main" id="{E805734F-ACE7-4447-B017-4E857A824F4C}"/>
+              </a:ext>
+            </a:extLst>
+          </p:cNvPr>
+          <p:cNvSpPr/>
+          <p:nvPr/>
+        </p:nvSpPr>
+        <p:spPr>
+          <a:xfrm>
+            <a:off x="6641432" y="4944241"/>
+            <a:ext cx="1700463" cy="1055506"/>
+          </a:xfrm>
+          <a:prstGeom prst="rightArrow">
+            <a:avLst/>
+          </a:prstGeom>
+          <a:solidFill>
+            <a:schemeClr val="accent6"/>
+          </a:solidFill>
+          <a:ln>
+            <a:solidFill>
+              <a:schemeClr val="accent1"/>
+            </a:solidFill>
+          </a:ln>
+        </p:spPr>
+        <p:style>
+          <a:lnRef idx="2">
+            <a:schemeClr val="accent1">
+              <a:shade val="50000"/>
+            </a:schemeClr>
+          </a:lnRef>
+          <a:fillRef idx="1">
+            <a:schemeClr val="accent1"/>
+          </a:fillRef>
+          <a:effectRef idx="0">
+            <a:schemeClr val="accent1"/>
+          </a:effectRef>
+          <a:fontRef idx="minor">
+            <a:schemeClr val="lt1"/>
+          </a:fontRef>
+        </p:style>
+        <p:txBody>
+          <a:bodyPr rtlCol="0" anchor="ctr"/>
           <a:lstStyle/>
           <a:p>
+            <a:pPr algn="ctr"/>
             <a:endParaRPr lang="en-US"/>
           </a:p>
         </p:txBody>
       </p:sp>
+      <p:sp>
+        <p:nvSpPr>
+          <p:cNvPr id="8" name="Right Arrow 7">
+            <a:extLst>
+              <a:ext uri="{FF2B5EF4-FFF2-40B4-BE49-F238E27FC236}">
+                <a16:creationId xmlns:a16="http://schemas.microsoft.com/office/drawing/2014/main" id="{8997AC19-6660-1D43-8250-67D75E3D9760}"/>
+              </a:ext>
+            </a:extLst>
+          </p:cNvPr>
+          <p:cNvSpPr/>
+          <p:nvPr/>
+        </p:nvSpPr>
+        <p:spPr>
+          <a:xfrm>
+            <a:off x="6571569" y="2094593"/>
+            <a:ext cx="1700463" cy="1055506"/>
+          </a:xfrm>
+          <a:prstGeom prst="rightArrow">
+            <a:avLst/>
+          </a:prstGeom>
+          <a:solidFill>
+            <a:schemeClr val="accent6"/>
+          </a:solidFill>
+        </p:spPr>
+        <p:style>
+          <a:lnRef idx="2">
+            <a:schemeClr val="accent1">
+              <a:shade val="50000"/>
+            </a:schemeClr>
+          </a:lnRef>
+          <a:fillRef idx="1">
+            <a:schemeClr val="accent1"/>
+          </a:fillRef>
+          <a:effectRef idx="0">
+            <a:schemeClr val="accent1"/>
+          </a:effectRef>
+          <a:fontRef idx="minor">
+            <a:schemeClr val="lt1"/>
+          </a:fontRef>
+        </p:style>
+        <p:txBody>
+          <a:bodyPr rtlCol="0" anchor="ctr"/>
+          <a:lstStyle/>
+          <a:p>
+            <a:pPr algn="ctr"/>
+            <a:endParaRPr lang="en-US"/>
+          </a:p>
+        </p:txBody>
+      </p:sp>
+      <p:pic>
+        <p:nvPicPr>
+          <p:cNvPr id="9" name="Picture 8">
+            <a:extLst>
+              <a:ext uri="{FF2B5EF4-FFF2-40B4-BE49-F238E27FC236}">
+                <a16:creationId xmlns:a16="http://schemas.microsoft.com/office/drawing/2014/main" id="{ED721997-04BE-7F44-A6AB-D7BD81085D5D}"/>
+              </a:ext>
+            </a:extLst>
+          </p:cNvPr>
+          <p:cNvPicPr>
+            <a:picLocks noChangeAspect="1"/>
+          </p:cNvPicPr>
+          <p:nvPr/>
+        </p:nvPicPr>
+        <p:blipFill rotWithShape="1">
+          <a:blip r:embed="rId4"/>
+          <a:srcRect l="67510" t="1455" r="1046" b="75172"/>
+          <a:stretch/>
+        </p:blipFill>
+        <p:spPr>
+          <a:xfrm>
+            <a:off x="9062935" y="1700462"/>
+            <a:ext cx="2808224" cy="1990890"/>
+          </a:xfrm>
+          <a:prstGeom prst="rect">
+            <a:avLst/>
+          </a:prstGeom>
+        </p:spPr>
+      </p:pic>
     </p:spTree>
     <p:extLst>
       <p:ext uri="{BB962C8B-B14F-4D97-AF65-F5344CB8AC3E}">
-        <p14:creationId xmlns:p14="http://schemas.microsoft.com/office/powerpoint/2010/main" val="1397239896"/>
+        <p14:creationId xmlns:p14="http://schemas.microsoft.com/office/powerpoint/2010/main" val="4213610689"/>
       </p:ext>
     </p:extLst>
   </p:cSld>
@@ -6344,7 +7804,7 @@
 </p:sld>
 </file>
 
-<file path=ppt/slides/slide14.xml><?xml version="1.0" encoding="utf-8"?>
+<file path=ppt/slides/slide15.xml><?xml version="1.0" encoding="utf-8"?>
 <p:sld xmlns:a="http://schemas.openxmlformats.org/drawingml/2006/main" xmlns:r="http://schemas.openxmlformats.org/officeDocument/2006/relationships" xmlns:p="http://schemas.openxmlformats.org/presentationml/2006/main">
   <p:cSld>
     <p:spTree>
@@ -6393,7 +7853,7 @@
                   <a:srgbClr val="EA5E46"/>
                 </a:solidFill>
               </a:rPr>
-              <a:t>Coding Approach</a:t>
+              <a:t>Dashboard Design</a:t>
             </a:r>
           </a:p>
         </p:txBody>
@@ -6501,7 +7961,7 @@
 </p:sld>
 </file>
 
-<file path=ppt/slides/slide15.xml><?xml version="1.0" encoding="utf-8"?>
+<file path=ppt/slides/slide16.xml><?xml version="1.0" encoding="utf-8"?>
 <p:sld xmlns:a="http://schemas.openxmlformats.org/drawingml/2006/main" xmlns:r="http://schemas.openxmlformats.org/officeDocument/2006/relationships" xmlns:p="http://schemas.openxmlformats.org/presentationml/2006/main">
   <p:cSld>
     <p:spTree>
@@ -6550,7 +8010,7 @@
                   <a:srgbClr val="EA5E46"/>
                 </a:solidFill>
               </a:rPr>
-              <a:t>Next Steps…</a:t>
+              <a:t>Dashboard Design</a:t>
             </a:r>
           </a:p>
         </p:txBody>
@@ -6647,6 +8107,500 @@
       </p:cxnSp>
       <p:sp>
         <p:nvSpPr>
+          <p:cNvPr id="3" name="AutoShape 2">
+            <a:extLst>
+              <a:ext uri="{FF2B5EF4-FFF2-40B4-BE49-F238E27FC236}">
+                <a16:creationId xmlns:a16="http://schemas.microsoft.com/office/drawing/2014/main" id="{4A003885-906A-5B4D-B7E6-D590C2605E53}"/>
+              </a:ext>
+            </a:extLst>
+          </p:cNvPr>
+          <p:cNvSpPr>
+            <a:spLocks noChangeAspect="1" noChangeArrowheads="1"/>
+          </p:cNvSpPr>
+          <p:nvPr/>
+        </p:nvSpPr>
+        <p:spPr bwMode="auto">
+          <a:xfrm>
+            <a:off x="5943599" y="3276599"/>
+            <a:ext cx="5339443" cy="5339443"/>
+          </a:xfrm>
+          <a:prstGeom prst="rect">
+            <a:avLst/>
+          </a:prstGeom>
+          <a:noFill/>
+          <a:extLst>
+            <a:ext uri="{909E8E84-426E-40DD-AFC4-6F175D3DCCD1}">
+              <a14:hiddenFill xmlns:a14="http://schemas.microsoft.com/office/drawing/2010/main">
+                <a:solidFill>
+                  <a:srgbClr val="FFFFFF"/>
+                </a:solidFill>
+              </a14:hiddenFill>
+            </a:ext>
+          </a:extLst>
+        </p:spPr>
+        <p:txBody>
+          <a:bodyPr vert="horz" wrap="square" lIns="91440" tIns="45720" rIns="91440" bIns="45720" numCol="1" anchor="t" anchorCtr="0" compatLnSpc="1">
+            <a:prstTxWarp prst="textNoShape">
+              <a:avLst/>
+            </a:prstTxWarp>
+          </a:bodyPr>
+          <a:lstStyle/>
+          <a:p>
+            <a:endParaRPr lang="en-US"/>
+          </a:p>
+        </p:txBody>
+      </p:sp>
+      <p:sp>
+        <p:nvSpPr>
+          <p:cNvPr id="4" name="AutoShape 4">
+            <a:extLst>
+              <a:ext uri="{FF2B5EF4-FFF2-40B4-BE49-F238E27FC236}">
+                <a16:creationId xmlns:a16="http://schemas.microsoft.com/office/drawing/2014/main" id="{8070242B-70C5-BB4A-960A-BE0D676EA5A9}"/>
+              </a:ext>
+            </a:extLst>
+          </p:cNvPr>
+          <p:cNvSpPr>
+            <a:spLocks noChangeAspect="1" noChangeArrowheads="1"/>
+          </p:cNvSpPr>
+          <p:nvPr/>
+        </p:nvSpPr>
+        <p:spPr bwMode="auto">
+          <a:xfrm>
+            <a:off x="5943599" y="3276599"/>
+            <a:ext cx="5012871" cy="5012871"/>
+          </a:xfrm>
+          <a:prstGeom prst="rect">
+            <a:avLst/>
+          </a:prstGeom>
+          <a:noFill/>
+          <a:extLst>
+            <a:ext uri="{909E8E84-426E-40DD-AFC4-6F175D3DCCD1}">
+              <a14:hiddenFill xmlns:a14="http://schemas.microsoft.com/office/drawing/2010/main">
+                <a:solidFill>
+                  <a:srgbClr val="FFFFFF"/>
+                </a:solidFill>
+              </a14:hiddenFill>
+            </a:ext>
+          </a:extLst>
+        </p:spPr>
+        <p:txBody>
+          <a:bodyPr vert="horz" wrap="square" lIns="91440" tIns="45720" rIns="91440" bIns="45720" numCol="1" anchor="t" anchorCtr="0" compatLnSpc="1">
+            <a:prstTxWarp prst="textNoShape">
+              <a:avLst/>
+            </a:prstTxWarp>
+          </a:bodyPr>
+          <a:lstStyle/>
+          <a:p>
+            <a:endParaRPr lang="en-US"/>
+          </a:p>
+        </p:txBody>
+      </p:sp>
+    </p:spTree>
+    <p:extLst>
+      <p:ext uri="{BB962C8B-B14F-4D97-AF65-F5344CB8AC3E}">
+        <p14:creationId xmlns:p14="http://schemas.microsoft.com/office/powerpoint/2010/main" val="1397239896"/>
+      </p:ext>
+    </p:extLst>
+  </p:cSld>
+  <p:clrMapOvr>
+    <a:masterClrMapping/>
+  </p:clrMapOvr>
+</p:sld>
+</file>
+
+<file path=ppt/slides/slide17.xml><?xml version="1.0" encoding="utf-8"?>
+<p:sld xmlns:a="http://schemas.openxmlformats.org/drawingml/2006/main" xmlns:r="http://schemas.openxmlformats.org/officeDocument/2006/relationships" xmlns:p="http://schemas.openxmlformats.org/presentationml/2006/main">
+  <p:cSld>
+    <p:spTree>
+      <p:nvGrpSpPr>
+        <p:cNvPr id="1" name=""/>
+        <p:cNvGrpSpPr/>
+        <p:nvPr/>
+      </p:nvGrpSpPr>
+      <p:grpSpPr>
+        <a:xfrm>
+          <a:off x="0" y="0"/>
+          <a:ext cx="0" cy="0"/>
+          <a:chOff x="0" y="0"/>
+          <a:chExt cx="0" cy="0"/>
+        </a:xfrm>
+      </p:grpSpPr>
+      <p:sp>
+        <p:nvSpPr>
+          <p:cNvPr id="2" name="Title 1">
+            <a:extLst>
+              <a:ext uri="{FF2B5EF4-FFF2-40B4-BE49-F238E27FC236}">
+                <a16:creationId xmlns:a16="http://schemas.microsoft.com/office/drawing/2014/main" id="{59B8B577-5676-3C4B-A107-E41DB331FD85}"/>
+              </a:ext>
+            </a:extLst>
+          </p:cNvPr>
+          <p:cNvSpPr>
+            <a:spLocks noGrp="1"/>
+          </p:cNvSpPr>
+          <p:nvPr>
+            <p:ph type="title"/>
+          </p:nvPr>
+        </p:nvSpPr>
+        <p:spPr>
+          <a:xfrm>
+            <a:off x="4272238" y="588197"/>
+            <a:ext cx="10515600" cy="1325563"/>
+          </a:xfrm>
+        </p:spPr>
+        <p:txBody>
+          <a:bodyPr/>
+          <a:lstStyle/>
+          <a:p>
+            <a:r>
+              <a:rPr lang="en-US" dirty="0">
+                <a:solidFill>
+                  <a:srgbClr val="EA5E46"/>
+                </a:solidFill>
+              </a:rPr>
+              <a:t>Project Takeaways</a:t>
+            </a:r>
+          </a:p>
+        </p:txBody>
+      </p:sp>
+      <p:pic>
+        <p:nvPicPr>
+          <p:cNvPr id="2050" name="Picture 2" descr="Image result for air bnb logo">
+            <a:extLst>
+              <a:ext uri="{FF2B5EF4-FFF2-40B4-BE49-F238E27FC236}">
+                <a16:creationId xmlns:a16="http://schemas.microsoft.com/office/drawing/2014/main" id="{A162C291-208B-BE48-BF44-7D5CD7EF6151}"/>
+              </a:ext>
+            </a:extLst>
+          </p:cNvPr>
+          <p:cNvPicPr>
+            <a:picLocks noChangeAspect="1" noChangeArrowheads="1"/>
+          </p:cNvPicPr>
+          <p:nvPr/>
+        </p:nvPicPr>
+        <p:blipFill>
+          <a:blip r:embed="rId3">
+            <a:extLst>
+              <a:ext uri="{28A0092B-C50C-407E-A947-70E740481C1C}">
+                <a14:useLocalDpi xmlns:a14="http://schemas.microsoft.com/office/drawing/2010/main" val="0"/>
+              </a:ext>
+            </a:extLst>
+          </a:blip>
+          <a:srcRect/>
+          <a:stretch>
+            <a:fillRect/>
+          </a:stretch>
+        </p:blipFill>
+        <p:spPr bwMode="auto">
+          <a:xfrm>
+            <a:off x="2080820" y="0"/>
+            <a:ext cx="2189605" cy="2022038"/>
+          </a:xfrm>
+          <a:prstGeom prst="rect">
+            <a:avLst/>
+          </a:prstGeom>
+          <a:noFill/>
+          <a:extLst>
+            <a:ext uri="{909E8E84-426E-40DD-AFC4-6F175D3DCCD1}">
+              <a14:hiddenFill xmlns:a14="http://schemas.microsoft.com/office/drawing/2010/main">
+                <a:solidFill>
+                  <a:srgbClr val="FFFFFF"/>
+                </a:solidFill>
+              </a14:hiddenFill>
+            </a:ext>
+          </a:extLst>
+        </p:spPr>
+      </p:pic>
+      <p:cxnSp>
+        <p:nvCxnSpPr>
+          <p:cNvPr id="6" name="Straight Connector 5">
+            <a:extLst>
+              <a:ext uri="{FF2B5EF4-FFF2-40B4-BE49-F238E27FC236}">
+                <a16:creationId xmlns:a16="http://schemas.microsoft.com/office/drawing/2014/main" id="{7D0926DC-6298-B648-9DF9-0D78D09F9FC8}"/>
+              </a:ext>
+            </a:extLst>
+          </p:cNvPr>
+          <p:cNvCxnSpPr>
+            <a:cxnSpLocks/>
+          </p:cNvCxnSpPr>
+          <p:nvPr/>
+        </p:nvCxnSpPr>
+        <p:spPr>
+          <a:xfrm>
+            <a:off x="2526110" y="1576551"/>
+            <a:ext cx="9518745" cy="1"/>
+          </a:xfrm>
+          <a:prstGeom prst="line">
+            <a:avLst/>
+          </a:prstGeom>
+          <a:ln w="12700">
+            <a:solidFill>
+              <a:srgbClr val="EA5E46"/>
+            </a:solidFill>
+          </a:ln>
+        </p:spPr>
+        <p:style>
+          <a:lnRef idx="1">
+            <a:schemeClr val="accent2"/>
+          </a:lnRef>
+          <a:fillRef idx="0">
+            <a:schemeClr val="accent2"/>
+          </a:fillRef>
+          <a:effectRef idx="0">
+            <a:schemeClr val="accent2"/>
+          </a:effectRef>
+          <a:fontRef idx="minor">
+            <a:schemeClr val="tx1"/>
+          </a:fontRef>
+        </p:style>
+      </p:cxnSp>
+      <p:sp>
+        <p:nvSpPr>
+          <p:cNvPr id="3" name="AutoShape 2">
+            <a:extLst>
+              <a:ext uri="{FF2B5EF4-FFF2-40B4-BE49-F238E27FC236}">
+                <a16:creationId xmlns:a16="http://schemas.microsoft.com/office/drawing/2014/main" id="{4A003885-906A-5B4D-B7E6-D590C2605E53}"/>
+              </a:ext>
+            </a:extLst>
+          </p:cNvPr>
+          <p:cNvSpPr>
+            <a:spLocks noChangeAspect="1" noChangeArrowheads="1"/>
+          </p:cNvSpPr>
+          <p:nvPr/>
+        </p:nvSpPr>
+        <p:spPr bwMode="auto">
+          <a:xfrm>
+            <a:off x="5943599" y="3276599"/>
+            <a:ext cx="5339443" cy="5339443"/>
+          </a:xfrm>
+          <a:prstGeom prst="rect">
+            <a:avLst/>
+          </a:prstGeom>
+          <a:noFill/>
+          <a:extLst>
+            <a:ext uri="{909E8E84-426E-40DD-AFC4-6F175D3DCCD1}">
+              <a14:hiddenFill xmlns:a14="http://schemas.microsoft.com/office/drawing/2010/main">
+                <a:solidFill>
+                  <a:srgbClr val="FFFFFF"/>
+                </a:solidFill>
+              </a14:hiddenFill>
+            </a:ext>
+          </a:extLst>
+        </p:spPr>
+        <p:txBody>
+          <a:bodyPr vert="horz" wrap="square" lIns="91440" tIns="45720" rIns="91440" bIns="45720" numCol="1" anchor="t" anchorCtr="0" compatLnSpc="1">
+            <a:prstTxWarp prst="textNoShape">
+              <a:avLst/>
+            </a:prstTxWarp>
+          </a:bodyPr>
+          <a:lstStyle/>
+          <a:p>
+            <a:endParaRPr lang="en-US"/>
+          </a:p>
+        </p:txBody>
+      </p:sp>
+      <p:sp>
+        <p:nvSpPr>
+          <p:cNvPr id="4" name="AutoShape 4">
+            <a:extLst>
+              <a:ext uri="{FF2B5EF4-FFF2-40B4-BE49-F238E27FC236}">
+                <a16:creationId xmlns:a16="http://schemas.microsoft.com/office/drawing/2014/main" id="{8070242B-70C5-BB4A-960A-BE0D676EA5A9}"/>
+              </a:ext>
+            </a:extLst>
+          </p:cNvPr>
+          <p:cNvSpPr>
+            <a:spLocks noChangeAspect="1" noChangeArrowheads="1"/>
+          </p:cNvSpPr>
+          <p:nvPr/>
+        </p:nvSpPr>
+        <p:spPr bwMode="auto">
+          <a:xfrm>
+            <a:off x="5943599" y="3276599"/>
+            <a:ext cx="5012871" cy="5012871"/>
+          </a:xfrm>
+          <a:prstGeom prst="rect">
+            <a:avLst/>
+          </a:prstGeom>
+          <a:noFill/>
+          <a:extLst>
+            <a:ext uri="{909E8E84-426E-40DD-AFC4-6F175D3DCCD1}">
+              <a14:hiddenFill xmlns:a14="http://schemas.microsoft.com/office/drawing/2010/main">
+                <a:solidFill>
+                  <a:srgbClr val="FFFFFF"/>
+                </a:solidFill>
+              </a14:hiddenFill>
+            </a:ext>
+          </a:extLst>
+        </p:spPr>
+        <p:txBody>
+          <a:bodyPr vert="horz" wrap="square" lIns="91440" tIns="45720" rIns="91440" bIns="45720" numCol="1" anchor="t" anchorCtr="0" compatLnSpc="1">
+            <a:prstTxWarp prst="textNoShape">
+              <a:avLst/>
+            </a:prstTxWarp>
+          </a:bodyPr>
+          <a:lstStyle/>
+          <a:p>
+            <a:endParaRPr lang="en-US"/>
+          </a:p>
+        </p:txBody>
+      </p:sp>
+    </p:spTree>
+    <p:extLst>
+      <p:ext uri="{BB962C8B-B14F-4D97-AF65-F5344CB8AC3E}">
+        <p14:creationId xmlns:p14="http://schemas.microsoft.com/office/powerpoint/2010/main" val="1844236934"/>
+      </p:ext>
+    </p:extLst>
+  </p:cSld>
+  <p:clrMapOvr>
+    <a:masterClrMapping/>
+  </p:clrMapOvr>
+</p:sld>
+</file>
+
+<file path=ppt/slides/slide18.xml><?xml version="1.0" encoding="utf-8"?>
+<p:sld xmlns:a="http://schemas.openxmlformats.org/drawingml/2006/main" xmlns:r="http://schemas.openxmlformats.org/officeDocument/2006/relationships" xmlns:p="http://schemas.openxmlformats.org/presentationml/2006/main">
+  <p:cSld>
+    <p:spTree>
+      <p:nvGrpSpPr>
+        <p:cNvPr id="1" name=""/>
+        <p:cNvGrpSpPr/>
+        <p:nvPr/>
+      </p:nvGrpSpPr>
+      <p:grpSpPr>
+        <a:xfrm>
+          <a:off x="0" y="0"/>
+          <a:ext cx="0" cy="0"/>
+          <a:chOff x="0" y="0"/>
+          <a:chExt cx="0" cy="0"/>
+        </a:xfrm>
+      </p:grpSpPr>
+      <p:sp>
+        <p:nvSpPr>
+          <p:cNvPr id="2" name="Title 1">
+            <a:extLst>
+              <a:ext uri="{FF2B5EF4-FFF2-40B4-BE49-F238E27FC236}">
+                <a16:creationId xmlns:a16="http://schemas.microsoft.com/office/drawing/2014/main" id="{59B8B577-5676-3C4B-A107-E41DB331FD85}"/>
+              </a:ext>
+            </a:extLst>
+          </p:cNvPr>
+          <p:cNvSpPr>
+            <a:spLocks noGrp="1"/>
+          </p:cNvSpPr>
+          <p:nvPr>
+            <p:ph type="title"/>
+          </p:nvPr>
+        </p:nvSpPr>
+        <p:spPr>
+          <a:xfrm>
+            <a:off x="4272238" y="588197"/>
+            <a:ext cx="10515600" cy="1325563"/>
+          </a:xfrm>
+        </p:spPr>
+        <p:txBody>
+          <a:bodyPr/>
+          <a:lstStyle/>
+          <a:p>
+            <a:r>
+              <a:rPr lang="en-US" dirty="0">
+                <a:solidFill>
+                  <a:srgbClr val="EA5E46"/>
+                </a:solidFill>
+              </a:rPr>
+              <a:t>Next Steps…</a:t>
+            </a:r>
+          </a:p>
+        </p:txBody>
+      </p:sp>
+      <p:pic>
+        <p:nvPicPr>
+          <p:cNvPr id="2050" name="Picture 2" descr="Image result for air bnb logo">
+            <a:extLst>
+              <a:ext uri="{FF2B5EF4-FFF2-40B4-BE49-F238E27FC236}">
+                <a16:creationId xmlns:a16="http://schemas.microsoft.com/office/drawing/2014/main" id="{A162C291-208B-BE48-BF44-7D5CD7EF6151}"/>
+              </a:ext>
+            </a:extLst>
+          </p:cNvPr>
+          <p:cNvPicPr>
+            <a:picLocks noChangeAspect="1" noChangeArrowheads="1"/>
+          </p:cNvPicPr>
+          <p:nvPr/>
+        </p:nvPicPr>
+        <p:blipFill>
+          <a:blip r:embed="rId3">
+            <a:extLst>
+              <a:ext uri="{28A0092B-C50C-407E-A947-70E740481C1C}">
+                <a14:useLocalDpi xmlns:a14="http://schemas.microsoft.com/office/drawing/2010/main" val="0"/>
+              </a:ext>
+            </a:extLst>
+          </a:blip>
+          <a:srcRect/>
+          <a:stretch>
+            <a:fillRect/>
+          </a:stretch>
+        </p:blipFill>
+        <p:spPr bwMode="auto">
+          <a:xfrm>
+            <a:off x="2080820" y="0"/>
+            <a:ext cx="2189605" cy="2022038"/>
+          </a:xfrm>
+          <a:prstGeom prst="rect">
+            <a:avLst/>
+          </a:prstGeom>
+          <a:noFill/>
+          <a:extLst>
+            <a:ext uri="{909E8E84-426E-40DD-AFC4-6F175D3DCCD1}">
+              <a14:hiddenFill xmlns:a14="http://schemas.microsoft.com/office/drawing/2010/main">
+                <a:solidFill>
+                  <a:srgbClr val="FFFFFF"/>
+                </a:solidFill>
+              </a14:hiddenFill>
+            </a:ext>
+          </a:extLst>
+        </p:spPr>
+      </p:pic>
+      <p:cxnSp>
+        <p:nvCxnSpPr>
+          <p:cNvPr id="6" name="Straight Connector 5">
+            <a:extLst>
+              <a:ext uri="{FF2B5EF4-FFF2-40B4-BE49-F238E27FC236}">
+                <a16:creationId xmlns:a16="http://schemas.microsoft.com/office/drawing/2014/main" id="{7D0926DC-6298-B648-9DF9-0D78D09F9FC8}"/>
+              </a:ext>
+            </a:extLst>
+          </p:cNvPr>
+          <p:cNvCxnSpPr>
+            <a:cxnSpLocks/>
+          </p:cNvCxnSpPr>
+          <p:nvPr/>
+        </p:nvCxnSpPr>
+        <p:spPr>
+          <a:xfrm>
+            <a:off x="2526110" y="1576551"/>
+            <a:ext cx="9518745" cy="1"/>
+          </a:xfrm>
+          <a:prstGeom prst="line">
+            <a:avLst/>
+          </a:prstGeom>
+          <a:ln w="12700">
+            <a:solidFill>
+              <a:srgbClr val="EA5E46"/>
+            </a:solidFill>
+          </a:ln>
+        </p:spPr>
+        <p:style>
+          <a:lnRef idx="1">
+            <a:schemeClr val="accent2"/>
+          </a:lnRef>
+          <a:fillRef idx="0">
+            <a:schemeClr val="accent2"/>
+          </a:fillRef>
+          <a:effectRef idx="0">
+            <a:schemeClr val="accent2"/>
+          </a:effectRef>
+          <a:fontRef idx="minor">
+            <a:schemeClr val="tx1"/>
+          </a:fontRef>
+        </p:style>
+      </p:cxnSp>
+      <p:sp>
+        <p:nvSpPr>
           <p:cNvPr id="4" name="TextBox 3">
             <a:extLst>
               <a:ext uri="{FF2B5EF4-FFF2-40B4-BE49-F238E27FC236}">
@@ -6738,6 +8692,206 @@
     <p:extLst>
       <p:ext uri="{BB962C8B-B14F-4D97-AF65-F5344CB8AC3E}">
         <p14:creationId xmlns:p14="http://schemas.microsoft.com/office/powerpoint/2010/main" val="1925952981"/>
+      </p:ext>
+    </p:extLst>
+  </p:cSld>
+  <p:clrMapOvr>
+    <a:masterClrMapping/>
+  </p:clrMapOvr>
+</p:sld>
+</file>
+
+<file path=ppt/slides/slide19.xml><?xml version="1.0" encoding="utf-8"?>
+<p:sld xmlns:a="http://schemas.openxmlformats.org/drawingml/2006/main" xmlns:r="http://schemas.openxmlformats.org/officeDocument/2006/relationships" xmlns:p="http://schemas.openxmlformats.org/presentationml/2006/main">
+  <p:cSld>
+    <p:spTree>
+      <p:nvGrpSpPr>
+        <p:cNvPr id="1" name=""/>
+        <p:cNvGrpSpPr/>
+        <p:nvPr/>
+      </p:nvGrpSpPr>
+      <p:grpSpPr>
+        <a:xfrm>
+          <a:off x="0" y="0"/>
+          <a:ext cx="0" cy="0"/>
+          <a:chOff x="0" y="0"/>
+          <a:chExt cx="0" cy="0"/>
+        </a:xfrm>
+      </p:grpSpPr>
+      <p:sp>
+        <p:nvSpPr>
+          <p:cNvPr id="2" name="Title 1">
+            <a:extLst>
+              <a:ext uri="{FF2B5EF4-FFF2-40B4-BE49-F238E27FC236}">
+                <a16:creationId xmlns:a16="http://schemas.microsoft.com/office/drawing/2014/main" id="{59B8B577-5676-3C4B-A107-E41DB331FD85}"/>
+              </a:ext>
+            </a:extLst>
+          </p:cNvPr>
+          <p:cNvSpPr>
+            <a:spLocks noGrp="1"/>
+          </p:cNvSpPr>
+          <p:nvPr>
+            <p:ph type="title"/>
+          </p:nvPr>
+        </p:nvSpPr>
+        <p:spPr>
+          <a:xfrm>
+            <a:off x="4272238" y="588197"/>
+            <a:ext cx="10515600" cy="1325563"/>
+          </a:xfrm>
+        </p:spPr>
+        <p:txBody>
+          <a:bodyPr/>
+          <a:lstStyle/>
+          <a:p>
+            <a:r>
+              <a:rPr lang="en-US" dirty="0">
+                <a:solidFill>
+                  <a:srgbClr val="EA5E46"/>
+                </a:solidFill>
+              </a:rPr>
+              <a:t>Thank You!</a:t>
+            </a:r>
+          </a:p>
+        </p:txBody>
+      </p:sp>
+      <p:pic>
+        <p:nvPicPr>
+          <p:cNvPr id="2050" name="Picture 2" descr="Image result for air bnb logo">
+            <a:extLst>
+              <a:ext uri="{FF2B5EF4-FFF2-40B4-BE49-F238E27FC236}">
+                <a16:creationId xmlns:a16="http://schemas.microsoft.com/office/drawing/2014/main" id="{A162C291-208B-BE48-BF44-7D5CD7EF6151}"/>
+              </a:ext>
+            </a:extLst>
+          </p:cNvPr>
+          <p:cNvPicPr>
+            <a:picLocks noChangeAspect="1" noChangeArrowheads="1"/>
+          </p:cNvPicPr>
+          <p:nvPr/>
+        </p:nvPicPr>
+        <p:blipFill>
+          <a:blip r:embed="rId3">
+            <a:extLst>
+              <a:ext uri="{28A0092B-C50C-407E-A947-70E740481C1C}">
+                <a14:useLocalDpi xmlns:a14="http://schemas.microsoft.com/office/drawing/2010/main" val="0"/>
+              </a:ext>
+            </a:extLst>
+          </a:blip>
+          <a:srcRect/>
+          <a:stretch>
+            <a:fillRect/>
+          </a:stretch>
+        </p:blipFill>
+        <p:spPr bwMode="auto">
+          <a:xfrm>
+            <a:off x="2080820" y="0"/>
+            <a:ext cx="2189605" cy="2022038"/>
+          </a:xfrm>
+          <a:prstGeom prst="rect">
+            <a:avLst/>
+          </a:prstGeom>
+          <a:noFill/>
+          <a:extLst>
+            <a:ext uri="{909E8E84-426E-40DD-AFC4-6F175D3DCCD1}">
+              <a14:hiddenFill xmlns:a14="http://schemas.microsoft.com/office/drawing/2010/main">
+                <a:solidFill>
+                  <a:srgbClr val="FFFFFF"/>
+                </a:solidFill>
+              </a14:hiddenFill>
+            </a:ext>
+          </a:extLst>
+        </p:spPr>
+      </p:pic>
+      <p:cxnSp>
+        <p:nvCxnSpPr>
+          <p:cNvPr id="6" name="Straight Connector 5">
+            <a:extLst>
+              <a:ext uri="{FF2B5EF4-FFF2-40B4-BE49-F238E27FC236}">
+                <a16:creationId xmlns:a16="http://schemas.microsoft.com/office/drawing/2014/main" id="{7D0926DC-6298-B648-9DF9-0D78D09F9FC8}"/>
+              </a:ext>
+            </a:extLst>
+          </p:cNvPr>
+          <p:cNvCxnSpPr>
+            <a:cxnSpLocks/>
+          </p:cNvCxnSpPr>
+          <p:nvPr/>
+        </p:nvCxnSpPr>
+        <p:spPr>
+          <a:xfrm>
+            <a:off x="2526110" y="1576551"/>
+            <a:ext cx="9518745" cy="1"/>
+          </a:xfrm>
+          <a:prstGeom prst="line">
+            <a:avLst/>
+          </a:prstGeom>
+          <a:ln w="12700">
+            <a:solidFill>
+              <a:srgbClr val="EA5E46"/>
+            </a:solidFill>
+          </a:ln>
+        </p:spPr>
+        <p:style>
+          <a:lnRef idx="1">
+            <a:schemeClr val="accent2"/>
+          </a:lnRef>
+          <a:fillRef idx="0">
+            <a:schemeClr val="accent2"/>
+          </a:fillRef>
+          <a:effectRef idx="0">
+            <a:schemeClr val="accent2"/>
+          </a:effectRef>
+          <a:fontRef idx="minor">
+            <a:schemeClr val="tx1"/>
+          </a:fontRef>
+        </p:style>
+      </p:cxnSp>
+      <p:sp>
+        <p:nvSpPr>
+          <p:cNvPr id="4" name="TextBox 3">
+            <a:extLst>
+              <a:ext uri="{FF2B5EF4-FFF2-40B4-BE49-F238E27FC236}">
+                <a16:creationId xmlns:a16="http://schemas.microsoft.com/office/drawing/2014/main" id="{67A13954-A54D-0C44-B403-C1722DD42C61}"/>
+              </a:ext>
+            </a:extLst>
+          </p:cNvPr>
+          <p:cNvSpPr txBox="1"/>
+          <p:nvPr/>
+        </p:nvSpPr>
+        <p:spPr>
+          <a:xfrm>
+            <a:off x="360947" y="1913760"/>
+            <a:ext cx="11450053" cy="3662541"/>
+          </a:xfrm>
+          <a:prstGeom prst="rect">
+            <a:avLst/>
+          </a:prstGeom>
+          <a:noFill/>
+        </p:spPr>
+        <p:txBody>
+          <a:bodyPr wrap="square" rtlCol="0">
+            <a:spAutoFit/>
+          </a:bodyPr>
+          <a:lstStyle/>
+          <a:p>
+            <a:pPr marL="285750" indent="-285750">
+              <a:buFontTx/>
+              <a:buChar char="-"/>
+            </a:pPr>
+            <a:endParaRPr lang="en-US" dirty="0"/>
+          </a:p>
+          <a:p>
+            <a:pPr marL="285750" indent="-285750">
+              <a:buFontTx/>
+              <a:buChar char="-"/>
+            </a:pPr>
+            <a:endParaRPr lang="en-US" dirty="0"/>
+          </a:p>
+        </p:txBody>
+      </p:sp>
+    </p:spTree>
+    <p:extLst>
+      <p:ext uri="{BB962C8B-B14F-4D97-AF65-F5344CB8AC3E}">
+        <p14:creationId xmlns:p14="http://schemas.microsoft.com/office/powerpoint/2010/main" val="1869370372"/>
       </p:ext>
     </p:extLst>
   </p:cSld>
@@ -6986,14 +9140,10 @@
               <a:rPr lang="en-US" sz="2800" dirty="0">
                 <a:latin typeface="+mj-lt"/>
               </a:rPr>
-              <a:t>Airbnb has over 7 million listings and over 2.9 million hosts worldwide in 2021. </a:t>
-            </a:r>
-          </a:p>
-          <a:p>
-            <a:pPr marL="285750" indent="-285750">
-              <a:buFontTx/>
-              <a:buChar char="-"/>
-            </a:pPr>
+              <a:t>Airbnb has over 7 million listings and over 2.9 million hosts worldwide.</a:t>
+            </a:r>
+          </a:p>
+          <a:p>
             <a:endParaRPr lang="en-US" sz="2800" dirty="0">
               <a:latin typeface="+mj-lt"/>
             </a:endParaRPr>
@@ -7211,6 +9361,304 @@
 </p:sld>
 </file>
 
+<file path=ppt/slides/slide20.xml><?xml version="1.0" encoding="utf-8"?>
+<p:sld xmlns:a="http://schemas.openxmlformats.org/drawingml/2006/main" xmlns:r="http://schemas.openxmlformats.org/officeDocument/2006/relationships" xmlns:p="http://schemas.openxmlformats.org/presentationml/2006/main">
+  <p:cSld>
+    <p:spTree>
+      <p:nvGrpSpPr>
+        <p:cNvPr id="1" name=""/>
+        <p:cNvGrpSpPr/>
+        <p:nvPr/>
+      </p:nvGrpSpPr>
+      <p:grpSpPr>
+        <a:xfrm>
+          <a:off x="0" y="0"/>
+          <a:ext cx="0" cy="0"/>
+          <a:chOff x="0" y="0"/>
+          <a:chExt cx="0" cy="0"/>
+        </a:xfrm>
+      </p:grpSpPr>
+      <p:pic>
+        <p:nvPicPr>
+          <p:cNvPr id="5" name="Picture 4">
+            <a:extLst>
+              <a:ext uri="{FF2B5EF4-FFF2-40B4-BE49-F238E27FC236}">
+                <a16:creationId xmlns:a16="http://schemas.microsoft.com/office/drawing/2014/main" id="{91C619BE-7D8B-1C44-8174-BB5141A7C075}"/>
+              </a:ext>
+            </a:extLst>
+          </p:cNvPr>
+          <p:cNvPicPr>
+            <a:picLocks noChangeAspect="1"/>
+          </p:cNvPicPr>
+          <p:nvPr/>
+        </p:nvPicPr>
+        <p:blipFill>
+          <a:blip r:embed="rId3"/>
+          <a:stretch>
+            <a:fillRect/>
+          </a:stretch>
+        </p:blipFill>
+        <p:spPr>
+          <a:xfrm>
+            <a:off x="0" y="264695"/>
+            <a:ext cx="12192000" cy="8381999"/>
+          </a:xfrm>
+          <a:prstGeom prst="rect">
+            <a:avLst/>
+          </a:prstGeom>
+        </p:spPr>
+      </p:pic>
+      <p:sp>
+        <p:nvSpPr>
+          <p:cNvPr id="2" name="Title 1">
+            <a:extLst>
+              <a:ext uri="{FF2B5EF4-FFF2-40B4-BE49-F238E27FC236}">
+                <a16:creationId xmlns:a16="http://schemas.microsoft.com/office/drawing/2014/main" id="{59B8B577-5676-3C4B-A107-E41DB331FD85}"/>
+              </a:ext>
+            </a:extLst>
+          </p:cNvPr>
+          <p:cNvSpPr>
+            <a:spLocks noGrp="1"/>
+          </p:cNvSpPr>
+          <p:nvPr>
+            <p:ph type="title"/>
+          </p:nvPr>
+        </p:nvSpPr>
+        <p:spPr>
+          <a:xfrm>
+            <a:off x="4481763" y="1913760"/>
+            <a:ext cx="7216942" cy="1916974"/>
+          </a:xfrm>
+        </p:spPr>
+        <p:txBody>
+          <a:bodyPr>
+            <a:noAutofit/>
+          </a:bodyPr>
+          <a:lstStyle/>
+          <a:p>
+            <a:r>
+              <a:rPr lang="en-US" sz="9600" dirty="0">
+                <a:latin typeface="Arial Rounded MT Bold" panose="020F0704030504030204" pitchFamily="34" charset="77"/>
+                <a:cs typeface="Baloo Tamma" panose="03080902040302020200" pitchFamily="66" charset="77"/>
+              </a:rPr>
+              <a:t>Q&amp;A…</a:t>
+            </a:r>
+          </a:p>
+        </p:txBody>
+      </p:sp>
+      <p:sp>
+        <p:nvSpPr>
+          <p:cNvPr id="4" name="TextBox 3">
+            <a:extLst>
+              <a:ext uri="{FF2B5EF4-FFF2-40B4-BE49-F238E27FC236}">
+                <a16:creationId xmlns:a16="http://schemas.microsoft.com/office/drawing/2014/main" id="{67A13954-A54D-0C44-B403-C1722DD42C61}"/>
+              </a:ext>
+            </a:extLst>
+          </p:cNvPr>
+          <p:cNvSpPr txBox="1"/>
+          <p:nvPr/>
+        </p:nvSpPr>
+        <p:spPr>
+          <a:xfrm>
+            <a:off x="360947" y="1913760"/>
+            <a:ext cx="11450053" cy="646331"/>
+          </a:xfrm>
+          <a:prstGeom prst="rect">
+            <a:avLst/>
+          </a:prstGeom>
+          <a:noFill/>
+        </p:spPr>
+        <p:txBody>
+          <a:bodyPr wrap="square" rtlCol="0">
+            <a:spAutoFit/>
+          </a:bodyPr>
+          <a:lstStyle/>
+          <a:p>
+            <a:endParaRPr lang="en-US" dirty="0"/>
+          </a:p>
+          <a:p>
+            <a:pPr marL="285750" indent="-285750">
+              <a:buFontTx/>
+              <a:buChar char="-"/>
+            </a:pPr>
+            <a:endParaRPr lang="en-US" dirty="0"/>
+          </a:p>
+        </p:txBody>
+      </p:sp>
+    </p:spTree>
+    <p:extLst>
+      <p:ext uri="{BB962C8B-B14F-4D97-AF65-F5344CB8AC3E}">
+        <p14:creationId xmlns:p14="http://schemas.microsoft.com/office/powerpoint/2010/main" val="3883169900"/>
+      </p:ext>
+    </p:extLst>
+  </p:cSld>
+  <p:clrMapOvr>
+    <a:masterClrMapping/>
+  </p:clrMapOvr>
+  <p:timing>
+    <p:tnLst>
+      <p:par>
+        <p:cTn id="1" dur="indefinite" restart="never" nodeType="tmRoot">
+          <p:childTnLst>
+            <p:seq concurrent="1">
+              <p:cTn id="2" repeatCount="indefinite" restart="whenNotActive" fill="hold" evtFilter="cancelBubble" nodeType="interactiveSeq">
+                <p:stCondLst>
+                  <p:cond delay="indefinite"/>
+                  <p:cond evt="onBegin" delay="0">
+                    <p:tn val="1"/>
+                  </p:cond>
+                </p:stCondLst>
+                <p:endSync evt="end" delay="0">
+                  <p:rtn val="all"/>
+                </p:endSync>
+                <p:childTnLst>
+                  <p:par>
+                    <p:cTn id="3" fill="hold">
+                      <p:stCondLst>
+                        <p:cond delay="0"/>
+                      </p:stCondLst>
+                      <p:childTnLst>
+                        <p:par>
+                          <p:cTn id="4" fill="hold">
+                            <p:stCondLst>
+                              <p:cond delay="0"/>
+                            </p:stCondLst>
+                            <p:childTnLst>
+                              <p:par>
+                                <p:cTn id="5" presetID="0" presetClass="path" presetSubtype="0" accel="50000" decel="50000" fill="hold" nodeType="clickEffect">
+                                  <p:stCondLst>
+                                    <p:cond delay="0"/>
+                                  </p:stCondLst>
+                                  <p:childTnLst>
+                                    <p:animMotion origin="layout" path="M 0 0 L 0.00492 0.05945" pathEditMode="relative" ptsTypes="AA">
+                                      <p:cBhvr>
+                                        <p:cTn id="6" dur="30000" fill="hold"/>
+                                        <p:tgtEl>
+                                          <p:spTgt spid="5"/>
+                                        </p:tgtEl>
+                                        <p:attrNameLst>
+                                          <p:attrName>ppt_x</p:attrName>
+                                          <p:attrName>ppt_y</p:attrName>
+                                        </p:attrNameLst>
+                                      </p:cBhvr>
+                                    </p:animMotion>
+                                  </p:childTnLst>
+                                </p:cTn>
+                              </p:par>
+                              <p:par>
+                                <p:cTn id="7" presetID="6" presetClass="emph" presetSubtype="0" accel="50000" decel="50000" fill="hold" nodeType="withEffect">
+                                  <p:stCondLst>
+                                    <p:cond delay="0"/>
+                                  </p:stCondLst>
+                                  <p:childTnLst>
+                                    <p:animScale>
+                                      <p:cBhvr>
+                                        <p:cTn id="8" dur="30000" fill="hold"/>
+                                        <p:tgtEl>
+                                          <p:spTgt spid="5"/>
+                                        </p:tgtEl>
+                                      </p:cBhvr>
+                                      <p:by x="150000" y="150000"/>
+                                    </p:animScale>
+                                  </p:childTnLst>
+                                </p:cTn>
+                              </p:par>
+                            </p:childTnLst>
+                          </p:cTn>
+                        </p:par>
+                        <p:par>
+                          <p:cTn id="9" fill="hold">
+                            <p:stCondLst>
+                              <p:cond delay="30000"/>
+                            </p:stCondLst>
+                            <p:childTnLst>
+                              <p:par>
+                                <p:cTn id="10" presetID="0" presetClass="path" presetSubtype="0" accel="50000" decel="50000" fill="hold" nodeType="afterEffect">
+                                  <p:stCondLst>
+                                    <p:cond delay="5000"/>
+                                  </p:stCondLst>
+                                  <p:childTnLst>
+                                    <p:animMotion origin="layout" path="M 0.00492 0.05945 L 0 0" pathEditMode="relative" ptsTypes="AA">
+                                      <p:cBhvr>
+                                        <p:cTn id="11" dur="30000" fill="hold"/>
+                                        <p:tgtEl>
+                                          <p:spTgt spid="5"/>
+                                        </p:tgtEl>
+                                        <p:attrNameLst>
+                                          <p:attrName>ppt_x</p:attrName>
+                                          <p:attrName>ppt_y</p:attrName>
+                                        </p:attrNameLst>
+                                      </p:cBhvr>
+                                    </p:animMotion>
+                                  </p:childTnLst>
+                                </p:cTn>
+                              </p:par>
+                              <p:par>
+                                <p:cTn id="12" presetID="6" presetClass="emph" presetSubtype="0" accel="50000" decel="50000" fill="hold" nodeType="withEffect">
+                                  <p:stCondLst>
+                                    <p:cond delay="5000"/>
+                                  </p:stCondLst>
+                                  <p:childTnLst>
+                                    <p:animScale>
+                                      <p:cBhvr>
+                                        <p:cTn id="13" dur="30000" fill="hold"/>
+                                        <p:tgtEl>
+                                          <p:spTgt spid="5"/>
+                                        </p:tgtEl>
+                                      </p:cBhvr>
+                                      <p:by x="150000" y="150000"/>
+                                      <p:to x="100000" y="100000"/>
+                                    </p:animScale>
+                                  </p:childTnLst>
+                                </p:cTn>
+                              </p:par>
+                            </p:childTnLst>
+                          </p:cTn>
+                        </p:par>
+                        <p:par>
+                          <p:cTn id="14" fill="hold">
+                            <p:stCondLst>
+                              <p:cond delay="65000"/>
+                            </p:stCondLst>
+                            <p:childTnLst>
+                              <p:par>
+                                <p:cTn id="15" presetID="0" presetClass="path" presetSubtype="0" accel="50000" decel="50000" fill="hold" nodeType="afterEffect">
+                                  <p:stCondLst>
+                                    <p:cond delay="0"/>
+                                  </p:stCondLst>
+                                  <p:childTnLst>
+                                    <p:animMotion origin="layout" path="M 0 0 L 0 0" pathEditMode="relative" ptsTypes="AA">
+                                      <p:cBhvr>
+                                        <p:cTn id="16" dur="5000" fill="hold"/>
+                                        <p:tgtEl>
+                                          <p:spTgt spid="5"/>
+                                        </p:tgtEl>
+                                        <p:attrNameLst>
+                                          <p:attrName>ppt_x</p:attrName>
+                                          <p:attrName>ppt_y</p:attrName>
+                                        </p:attrNameLst>
+                                      </p:cBhvr>
+                                    </p:animMotion>
+                                  </p:childTnLst>
+                                </p:cTn>
+                              </p:par>
+                            </p:childTnLst>
+                          </p:cTn>
+                        </p:par>
+                      </p:childTnLst>
+                    </p:cTn>
+                  </p:par>
+                </p:childTnLst>
+              </p:cTn>
+            </p:seq>
+          </p:childTnLst>
+        </p:cTn>
+      </p:par>
+    </p:tnLst>
+  </p:timing>
+</p:sld>
+</file>
+
 <file path=ppt/slides/slide3.xml><?xml version="1.0" encoding="utf-8"?>
 <p:sld xmlns:a="http://schemas.openxmlformats.org/drawingml/2006/main" xmlns:r="http://schemas.openxmlformats.org/officeDocument/2006/relationships" xmlns:p="http://schemas.openxmlformats.org/presentationml/2006/main">
   <p:cSld>
@@ -7609,7 +10057,7 @@
         <p:spPr>
           <a:xfrm>
             <a:off x="1815757" y="4899037"/>
-            <a:ext cx="8560485" cy="1477328"/>
+            <a:ext cx="8560485" cy="1200329"/>
           </a:xfrm>
           <a:prstGeom prst="rect">
             <a:avLst/>
@@ -7627,10 +10075,8 @@
               <a:rPr lang="en-US" sz="3600" dirty="0">
                 <a:latin typeface="+mj-lt"/>
               </a:rPr>
-              <a:t>How has the demand for Airbnb rentals evolved between **date?</a:t>
-            </a:r>
-          </a:p>
-          <a:p>
+              <a:t>How has the demand for Airbnb rentals evolved over time?</a:t>
+            </a:r>
             <a:endParaRPr lang="en-US" dirty="0"/>
           </a:p>
         </p:txBody>
@@ -8274,7 +10720,7 @@
         <p:spPr>
           <a:xfrm>
             <a:off x="984029" y="2136338"/>
-            <a:ext cx="10223941" cy="4524315"/>
+            <a:ext cx="10223941" cy="4062651"/>
           </a:xfrm>
           <a:prstGeom prst="rect">
             <a:avLst/>
@@ -8348,7 +10794,7 @@
               <a:rPr lang="en-US" sz="2400" dirty="0">
                 <a:latin typeface="+mj-lt"/>
               </a:rPr>
-              <a:t>Detailed listings data provided 36924 records from **Date**. </a:t>
+              <a:t>Detailed listings data provided 36924 records for NYC.</a:t>
             </a:r>
           </a:p>
           <a:p>
@@ -9213,56 +11659,6 @@
               <a:buFont typeface="Arial" panose="020B0604020202020204" pitchFamily="34" charset="0"/>
               <a:buChar char="•"/>
             </a:pPr>
-            <a:r>
-              <a:rPr lang="en-CA" dirty="0">
-                <a:latin typeface="+mj-lt"/>
-              </a:rPr>
-              <a:t>Values in columns comprised of special characters (e.g. $, %, and ,) were standardized.</a:t>
-            </a:r>
-          </a:p>
-          <a:p>
-            <a:endParaRPr lang="en-CA" dirty="0">
-              <a:latin typeface="+mj-lt"/>
-            </a:endParaRPr>
-          </a:p>
-          <a:p>
-            <a:pPr marL="285750" indent="-285750">
-              <a:buFont typeface="Arial" panose="020B0604020202020204" pitchFamily="34" charset="0"/>
-              <a:buChar char="•"/>
-            </a:pPr>
-            <a:r>
-              <a:rPr lang="en-CA" dirty="0">
-                <a:latin typeface="+mj-lt"/>
-              </a:rPr>
-              <a:t>Needed to further reduce the size of dataset to meet free uploading requirements to </a:t>
-            </a:r>
-            <a:r>
-              <a:rPr lang="en-CA" dirty="0" err="1">
-                <a:latin typeface="+mj-lt"/>
-              </a:rPr>
-              <a:t>postgres</a:t>
-            </a:r>
-            <a:r>
-              <a:rPr lang="en-CA" dirty="0">
-                <a:latin typeface="+mj-lt"/>
-              </a:rPr>
-              <a:t> SQL. </a:t>
-            </a:r>
-          </a:p>
-          <a:p>
-            <a:pPr marL="285750" indent="-285750">
-              <a:buFont typeface="Arial" panose="020B0604020202020204" pitchFamily="34" charset="0"/>
-              <a:buChar char="•"/>
-            </a:pPr>
-            <a:endParaRPr lang="en-CA" dirty="0">
-              <a:latin typeface="+mj-lt"/>
-            </a:endParaRPr>
-          </a:p>
-          <a:p>
-            <a:pPr marL="285750" indent="-285750">
-              <a:buFont typeface="Arial" panose="020B0604020202020204" pitchFamily="34" charset="0"/>
-              <a:buChar char="•"/>
-            </a:pPr>
             <a:endParaRPr lang="en-CA" dirty="0">
               <a:latin typeface="+mj-lt"/>
             </a:endParaRPr>
@@ -9431,213 +11827,64 @@
           </a:fontRef>
         </p:style>
       </p:cxnSp>
-      <p:sp>
-        <p:nvSpPr>
-          <p:cNvPr id="4" name="TextBox 3">
-            <a:extLst>
-              <a:ext uri="{FF2B5EF4-FFF2-40B4-BE49-F238E27FC236}">
-                <a16:creationId xmlns:a16="http://schemas.microsoft.com/office/drawing/2014/main" id="{FB0D01EF-6ADC-6344-A841-0F352D3A6404}"/>
-              </a:ext>
-            </a:extLst>
-          </p:cNvPr>
-          <p:cNvSpPr txBox="1"/>
+      <p:pic>
+        <p:nvPicPr>
+          <p:cNvPr id="5" name="Picture 4">
+            <a:extLst>
+              <a:ext uri="{FF2B5EF4-FFF2-40B4-BE49-F238E27FC236}">
+                <a16:creationId xmlns:a16="http://schemas.microsoft.com/office/drawing/2014/main" id="{1C154DF0-FFBD-2E4B-96A2-6CBFB2792A52}"/>
+              </a:ext>
+            </a:extLst>
+          </p:cNvPr>
+          <p:cNvPicPr>
+            <a:picLocks noChangeAspect="1"/>
+          </p:cNvPicPr>
           <p:nvPr/>
-        </p:nvSpPr>
+        </p:nvPicPr>
+        <p:blipFill rotWithShape="1">
+          <a:blip r:embed="rId4"/>
+          <a:srcRect r="1497" b="50127"/>
+          <a:stretch/>
+        </p:blipFill>
         <p:spPr>
           <a:xfrm>
-            <a:off x="8577943" y="1683665"/>
-            <a:ext cx="3614057" cy="5139869"/>
+            <a:off x="3175622" y="1654162"/>
+            <a:ext cx="2189605" cy="5139870"/>
           </a:xfrm>
           <a:prstGeom prst="rect">
             <a:avLst/>
           </a:prstGeom>
-          <a:noFill/>
         </p:spPr>
-        <p:txBody>
-          <a:bodyPr wrap="square" rtlCol="0">
-            <a:spAutoFit/>
-          </a:bodyPr>
-          <a:lstStyle/>
-          <a:p>
-            <a:r>
-              <a:rPr lang="en-US" sz="2400" b="1" dirty="0">
-                <a:latin typeface="+mj-lt"/>
-              </a:rPr>
-              <a:t>***listing </a:t>
-            </a:r>
-          </a:p>
-          <a:p>
-            <a:r>
-              <a:rPr lang="en-US" sz="2000" dirty="0">
-                <a:latin typeface="+mj-lt"/>
-              </a:rPr>
-              <a:t>			id  </a:t>
-            </a:r>
-          </a:p>
-          <a:p>
-            <a:r>
-              <a:rPr lang="en-US" sz="2000" dirty="0">
-                <a:latin typeface="+mj-lt"/>
-              </a:rPr>
-              <a:t>		          name </a:t>
-            </a:r>
-          </a:p>
-          <a:p>
-            <a:r>
-              <a:rPr lang="en-US" sz="2000" dirty="0">
-                <a:latin typeface="+mj-lt"/>
-              </a:rPr>
-              <a:t>		       host_id </a:t>
-            </a:r>
-          </a:p>
-          <a:p>
-            <a:r>
-              <a:rPr lang="en-US" sz="2000" dirty="0">
-                <a:latin typeface="+mj-lt"/>
-              </a:rPr>
-              <a:t>                         neighbourhood</a:t>
-            </a:r>
-          </a:p>
-          <a:p>
-            <a:r>
-              <a:rPr lang="en-US" sz="2000" dirty="0"/>
-              <a:t>            </a:t>
-            </a:r>
-            <a:r>
-              <a:rPr lang="en-US" sz="2000" dirty="0">
-                <a:latin typeface="+mj-lt"/>
-              </a:rPr>
-              <a:t>neighbourhood_group </a:t>
-            </a:r>
-          </a:p>
-          <a:p>
-            <a:r>
-              <a:rPr lang="en-US" sz="2000" dirty="0">
-                <a:latin typeface="+mj-lt"/>
-              </a:rPr>
-              <a:t>	                      latitude</a:t>
-            </a:r>
-          </a:p>
-          <a:p>
-            <a:r>
-              <a:rPr lang="en-US" sz="2000" dirty="0">
-                <a:latin typeface="+mj-lt"/>
-              </a:rPr>
-              <a:t>                                   longitude           		</a:t>
-            </a:r>
-            <a:r>
-              <a:rPr lang="en-US" sz="2000" dirty="0" err="1">
-                <a:latin typeface="+mj-lt"/>
-              </a:rPr>
-              <a:t>room_type</a:t>
-            </a:r>
-            <a:endParaRPr lang="en-US" sz="2000" dirty="0">
-              <a:latin typeface="+mj-lt"/>
-            </a:endParaRPr>
-          </a:p>
-          <a:p>
-            <a:r>
-              <a:rPr lang="en-US" sz="2000" dirty="0">
-                <a:latin typeface="+mj-lt"/>
-              </a:rPr>
-              <a:t>		           price </a:t>
-            </a:r>
-          </a:p>
-          <a:p>
-            <a:r>
-              <a:rPr lang="en-US" sz="2000" dirty="0">
-                <a:latin typeface="+mj-lt"/>
-              </a:rPr>
-              <a:t>                      </a:t>
-            </a:r>
-            <a:r>
-              <a:rPr lang="en-US" sz="2000" dirty="0" err="1">
-                <a:latin typeface="+mj-lt"/>
-              </a:rPr>
-              <a:t>minimum_nights</a:t>
-            </a:r>
-            <a:endParaRPr lang="en-US" sz="2000" dirty="0">
-              <a:latin typeface="+mj-lt"/>
-            </a:endParaRPr>
-          </a:p>
-          <a:p>
-            <a:r>
-              <a:rPr lang="en-US" sz="2000" dirty="0">
-                <a:latin typeface="+mj-lt"/>
-              </a:rPr>
-              <a:t>                </a:t>
-            </a:r>
-            <a:r>
-              <a:rPr lang="en-US" sz="2000" dirty="0" err="1">
-                <a:latin typeface="+mj-lt"/>
-              </a:rPr>
-              <a:t>number_of_reviews</a:t>
-            </a:r>
-            <a:endParaRPr lang="en-US" sz="2000" dirty="0">
-              <a:latin typeface="+mj-lt"/>
-            </a:endParaRPr>
-          </a:p>
-          <a:p>
-            <a:r>
-              <a:rPr lang="en-US" sz="2000" dirty="0">
-                <a:latin typeface="+mj-lt"/>
-              </a:rPr>
-              <a:t>                                </a:t>
-            </a:r>
-            <a:r>
-              <a:rPr lang="en-US" sz="2000" dirty="0" err="1">
-                <a:latin typeface="+mj-lt"/>
-              </a:rPr>
-              <a:t>last_review</a:t>
-            </a:r>
-            <a:endParaRPr lang="en-US" sz="2000" dirty="0">
-              <a:latin typeface="+mj-lt"/>
-            </a:endParaRPr>
-          </a:p>
-          <a:p>
-            <a:r>
-              <a:rPr lang="en-US" sz="2000" dirty="0">
-                <a:latin typeface="+mj-lt"/>
-              </a:rPr>
-              <a:t>                </a:t>
-            </a:r>
-            <a:r>
-              <a:rPr lang="en-US" sz="2000" dirty="0" err="1">
-                <a:latin typeface="+mj-lt"/>
-              </a:rPr>
-              <a:t>reviews_per_month</a:t>
-            </a:r>
-            <a:endParaRPr lang="en-US" sz="2000" dirty="0">
-              <a:latin typeface="+mj-lt"/>
-            </a:endParaRPr>
-          </a:p>
-          <a:p>
-            <a:r>
-              <a:rPr lang="en-US" sz="2000" dirty="0">
-                <a:latin typeface="+mj-lt"/>
-              </a:rPr>
-              <a:t>          </a:t>
-            </a:r>
-            <a:r>
-              <a:rPr lang="en-US" sz="2000" dirty="0" err="1">
-                <a:latin typeface="+mj-lt"/>
-              </a:rPr>
-              <a:t>calculated_host_listings</a:t>
-            </a:r>
-            <a:endParaRPr lang="en-US" sz="2000" dirty="0">
-              <a:latin typeface="+mj-lt"/>
-            </a:endParaRPr>
-          </a:p>
-          <a:p>
-            <a:r>
-              <a:rPr lang="en-US" sz="2000" dirty="0">
-                <a:latin typeface="+mj-lt"/>
-              </a:rPr>
-              <a:t>                         availability_365</a:t>
-            </a:r>
-          </a:p>
-        </p:txBody>
-      </p:sp>
+      </p:pic>
+      <p:pic>
+        <p:nvPicPr>
+          <p:cNvPr id="9" name="Picture 8">
+            <a:extLst>
+              <a:ext uri="{FF2B5EF4-FFF2-40B4-BE49-F238E27FC236}">
+                <a16:creationId xmlns:a16="http://schemas.microsoft.com/office/drawing/2014/main" id="{6B0EE8BB-BCB4-6949-810C-E6718F2EF834}"/>
+              </a:ext>
+            </a:extLst>
+          </p:cNvPr>
+          <p:cNvPicPr>
+            <a:picLocks noChangeAspect="1"/>
+          </p:cNvPicPr>
+          <p:nvPr/>
+        </p:nvPicPr>
+        <p:blipFill rotWithShape="1">
+          <a:blip r:embed="rId4"/>
+          <a:srcRect t="50000"/>
+          <a:stretch/>
+        </p:blipFill>
+        <p:spPr>
+          <a:xfrm>
+            <a:off x="6095999" y="1718130"/>
+            <a:ext cx="2217198" cy="5139870"/>
+          </a:xfrm>
+          <a:prstGeom prst="rect">
+            <a:avLst/>
+          </a:prstGeom>
+        </p:spPr>
+      </p:pic>
     </p:spTree>
     <p:extLst>
       <p:ext uri="{BB962C8B-B14F-4D97-AF65-F5344CB8AC3E}">
@@ -9701,6 +11948,606 @@
                 </a:solidFill>
               </a:rPr>
               <a:t>Relationship of Datasets</a:t>
+            </a:r>
+          </a:p>
+        </p:txBody>
+      </p:sp>
+      <p:pic>
+        <p:nvPicPr>
+          <p:cNvPr id="2050" name="Picture 2" descr="Image result for air bnb logo">
+            <a:extLst>
+              <a:ext uri="{FF2B5EF4-FFF2-40B4-BE49-F238E27FC236}">
+                <a16:creationId xmlns:a16="http://schemas.microsoft.com/office/drawing/2014/main" id="{A162C291-208B-BE48-BF44-7D5CD7EF6151}"/>
+              </a:ext>
+            </a:extLst>
+          </p:cNvPr>
+          <p:cNvPicPr>
+            <a:picLocks noChangeAspect="1" noChangeArrowheads="1"/>
+          </p:cNvPicPr>
+          <p:nvPr/>
+        </p:nvPicPr>
+        <p:blipFill>
+          <a:blip r:embed="rId3">
+            <a:extLst>
+              <a:ext uri="{28A0092B-C50C-407E-A947-70E740481C1C}">
+                <a14:useLocalDpi xmlns:a14="http://schemas.microsoft.com/office/drawing/2010/main" val="0"/>
+              </a:ext>
+            </a:extLst>
+          </a:blip>
+          <a:srcRect/>
+          <a:stretch>
+            <a:fillRect/>
+          </a:stretch>
+        </p:blipFill>
+        <p:spPr bwMode="auto">
+          <a:xfrm>
+            <a:off x="2080820" y="0"/>
+            <a:ext cx="2189605" cy="2022038"/>
+          </a:xfrm>
+          <a:prstGeom prst="rect">
+            <a:avLst/>
+          </a:prstGeom>
+          <a:noFill/>
+          <a:extLst>
+            <a:ext uri="{909E8E84-426E-40DD-AFC4-6F175D3DCCD1}">
+              <a14:hiddenFill xmlns:a14="http://schemas.microsoft.com/office/drawing/2010/main">
+                <a:solidFill>
+                  <a:srgbClr val="FFFFFF"/>
+                </a:solidFill>
+              </a14:hiddenFill>
+            </a:ext>
+          </a:extLst>
+        </p:spPr>
+      </p:pic>
+      <p:cxnSp>
+        <p:nvCxnSpPr>
+          <p:cNvPr id="6" name="Straight Connector 5">
+            <a:extLst>
+              <a:ext uri="{FF2B5EF4-FFF2-40B4-BE49-F238E27FC236}">
+                <a16:creationId xmlns:a16="http://schemas.microsoft.com/office/drawing/2014/main" id="{7D0926DC-6298-B648-9DF9-0D78D09F9FC8}"/>
+              </a:ext>
+            </a:extLst>
+          </p:cNvPr>
+          <p:cNvCxnSpPr>
+            <a:cxnSpLocks/>
+          </p:cNvCxnSpPr>
+          <p:nvPr/>
+        </p:nvCxnSpPr>
+        <p:spPr>
+          <a:xfrm>
+            <a:off x="2526110" y="1576551"/>
+            <a:ext cx="9518745" cy="1"/>
+          </a:xfrm>
+          <a:prstGeom prst="line">
+            <a:avLst/>
+          </a:prstGeom>
+          <a:ln w="12700">
+            <a:solidFill>
+              <a:srgbClr val="EA5E46"/>
+            </a:solidFill>
+          </a:ln>
+        </p:spPr>
+        <p:style>
+          <a:lnRef idx="1">
+            <a:schemeClr val="accent2"/>
+          </a:lnRef>
+          <a:fillRef idx="0">
+            <a:schemeClr val="accent2"/>
+          </a:fillRef>
+          <a:effectRef idx="0">
+            <a:schemeClr val="accent2"/>
+          </a:effectRef>
+          <a:fontRef idx="minor">
+            <a:schemeClr val="tx1"/>
+          </a:fontRef>
+        </p:style>
+      </p:cxnSp>
+      <p:pic>
+        <p:nvPicPr>
+          <p:cNvPr id="10" name="Picture 9">
+            <a:extLst>
+              <a:ext uri="{FF2B5EF4-FFF2-40B4-BE49-F238E27FC236}">
+                <a16:creationId xmlns:a16="http://schemas.microsoft.com/office/drawing/2014/main" id="{E342B9DC-43D4-CC48-B655-5845207A35FB}"/>
+              </a:ext>
+            </a:extLst>
+          </p:cNvPr>
+          <p:cNvPicPr>
+            <a:picLocks noChangeAspect="1"/>
+          </p:cNvPicPr>
+          <p:nvPr/>
+        </p:nvPicPr>
+        <p:blipFill rotWithShape="1">
+          <a:blip r:embed="rId4"/>
+          <a:srcRect l="45511" t="5430" r="37603" b="3657"/>
+          <a:stretch/>
+        </p:blipFill>
+        <p:spPr>
+          <a:xfrm>
+            <a:off x="5509930" y="2351836"/>
+            <a:ext cx="1291925" cy="4506164"/>
+          </a:xfrm>
+          <a:prstGeom prst="rect">
+            <a:avLst/>
+          </a:prstGeom>
+        </p:spPr>
+      </p:pic>
+      <p:pic>
+        <p:nvPicPr>
+          <p:cNvPr id="13" name="Picture 12">
+            <a:extLst>
+              <a:ext uri="{FF2B5EF4-FFF2-40B4-BE49-F238E27FC236}">
+                <a16:creationId xmlns:a16="http://schemas.microsoft.com/office/drawing/2014/main" id="{9E67ED4F-1576-1541-A944-8699AF813E2B}"/>
+              </a:ext>
+            </a:extLst>
+          </p:cNvPr>
+          <p:cNvPicPr>
+            <a:picLocks noChangeAspect="1"/>
+          </p:cNvPicPr>
+          <p:nvPr/>
+        </p:nvPicPr>
+        <p:blipFill rotWithShape="1">
+          <a:blip r:embed="rId5"/>
+          <a:srcRect b="27746"/>
+          <a:stretch/>
+        </p:blipFill>
+        <p:spPr>
+          <a:xfrm>
+            <a:off x="259967" y="3066746"/>
+            <a:ext cx="5105585" cy="1640923"/>
+          </a:xfrm>
+          <a:prstGeom prst="rect">
+            <a:avLst/>
+          </a:prstGeom>
+          <a:ln>
+            <a:noFill/>
+          </a:ln>
+          <a:effectLst>
+            <a:outerShdw blurRad="292100" dist="139700" dir="2700000" algn="tl" rotWithShape="0">
+              <a:srgbClr val="333333">
+                <a:alpha val="65000"/>
+              </a:srgbClr>
+            </a:outerShdw>
+          </a:effectLst>
+        </p:spPr>
+      </p:pic>
+      <p:pic>
+        <p:nvPicPr>
+          <p:cNvPr id="15" name="Picture 14">
+            <a:extLst>
+              <a:ext uri="{FF2B5EF4-FFF2-40B4-BE49-F238E27FC236}">
+                <a16:creationId xmlns:a16="http://schemas.microsoft.com/office/drawing/2014/main" id="{F50E880E-B8B2-0248-9E46-1FFBC6A90CD9}"/>
+              </a:ext>
+            </a:extLst>
+          </p:cNvPr>
+          <p:cNvPicPr>
+            <a:picLocks noChangeAspect="1"/>
+          </p:cNvPicPr>
+          <p:nvPr/>
+        </p:nvPicPr>
+        <p:blipFill rotWithShape="1">
+          <a:blip r:embed="rId6"/>
+          <a:srcRect l="11998" t="33336" r="9081" b="9203"/>
+          <a:stretch/>
+        </p:blipFill>
+        <p:spPr>
+          <a:xfrm>
+            <a:off x="4777324" y="1960622"/>
+            <a:ext cx="3144253" cy="445488"/>
+          </a:xfrm>
+          <a:prstGeom prst="rect">
+            <a:avLst/>
+          </a:prstGeom>
+        </p:spPr>
+      </p:pic>
+      <p:pic>
+        <p:nvPicPr>
+          <p:cNvPr id="19" name="Picture 18">
+            <a:extLst>
+              <a:ext uri="{FF2B5EF4-FFF2-40B4-BE49-F238E27FC236}">
+                <a16:creationId xmlns:a16="http://schemas.microsoft.com/office/drawing/2014/main" id="{699F3749-6A78-9E44-A443-9F44A367CC9D}"/>
+              </a:ext>
+            </a:extLst>
+          </p:cNvPr>
+          <p:cNvPicPr>
+            <a:picLocks noChangeAspect="1"/>
+          </p:cNvPicPr>
+          <p:nvPr/>
+        </p:nvPicPr>
+        <p:blipFill>
+          <a:blip r:embed="rId7"/>
+          <a:stretch>
+            <a:fillRect/>
+          </a:stretch>
+        </p:blipFill>
+        <p:spPr>
+          <a:xfrm>
+            <a:off x="6801855" y="4155214"/>
+            <a:ext cx="3975100" cy="2298700"/>
+          </a:xfrm>
+          <a:prstGeom prst="rect">
+            <a:avLst/>
+          </a:prstGeom>
+          <a:ln>
+            <a:noFill/>
+          </a:ln>
+          <a:effectLst>
+            <a:outerShdw blurRad="292100" dist="139700" dir="2700000" algn="tl" rotWithShape="0">
+              <a:srgbClr val="333333">
+                <a:alpha val="65000"/>
+              </a:srgbClr>
+            </a:outerShdw>
+          </a:effectLst>
+        </p:spPr>
+      </p:pic>
+      <p:pic>
+        <p:nvPicPr>
+          <p:cNvPr id="17" name="Picture 16">
+            <a:extLst>
+              <a:ext uri="{FF2B5EF4-FFF2-40B4-BE49-F238E27FC236}">
+                <a16:creationId xmlns:a16="http://schemas.microsoft.com/office/drawing/2014/main" id="{C734C720-234E-5046-8E65-DC162E79B38A}"/>
+              </a:ext>
+            </a:extLst>
+          </p:cNvPr>
+          <p:cNvPicPr>
+            <a:picLocks noChangeAspect="1"/>
+          </p:cNvPicPr>
+          <p:nvPr/>
+        </p:nvPicPr>
+        <p:blipFill rotWithShape="1">
+          <a:blip r:embed="rId8"/>
+          <a:srcRect t="26501" r="5906" b="13963"/>
+          <a:stretch/>
+        </p:blipFill>
+        <p:spPr>
+          <a:xfrm>
+            <a:off x="6946233" y="1716512"/>
+            <a:ext cx="4681389" cy="2298742"/>
+          </a:xfrm>
+          <a:prstGeom prst="rect">
+            <a:avLst/>
+          </a:prstGeom>
+          <a:ln>
+            <a:noFill/>
+          </a:ln>
+          <a:effectLst>
+            <a:outerShdw blurRad="292100" dist="139700" dir="2700000" algn="tl" rotWithShape="0">
+              <a:srgbClr val="333333">
+                <a:alpha val="65000"/>
+              </a:srgbClr>
+            </a:outerShdw>
+          </a:effectLst>
+        </p:spPr>
+      </p:pic>
+    </p:spTree>
+    <p:extLst>
+      <p:ext uri="{BB962C8B-B14F-4D97-AF65-F5344CB8AC3E}">
+        <p14:creationId xmlns:p14="http://schemas.microsoft.com/office/powerpoint/2010/main" val="2801975816"/>
+      </p:ext>
+    </p:extLst>
+  </p:cSld>
+  <p:clrMapOvr>
+    <a:masterClrMapping/>
+  </p:clrMapOvr>
+  <p:timing>
+    <p:tnLst>
+      <p:par>
+        <p:cTn id="1" dur="indefinite" restart="never" nodeType="tmRoot">
+          <p:childTnLst>
+            <p:seq concurrent="1" nextAc="seek">
+              <p:cTn id="2" dur="indefinite" nodeType="mainSeq">
+                <p:childTnLst>
+                  <p:par>
+                    <p:cTn id="3" fill="hold">
+                      <p:stCondLst>
+                        <p:cond delay="indefinite"/>
+                      </p:stCondLst>
+                      <p:childTnLst>
+                        <p:par>
+                          <p:cTn id="4" fill="hold">
+                            <p:stCondLst>
+                              <p:cond delay="0"/>
+                            </p:stCondLst>
+                            <p:childTnLst>
+                              <p:par>
+                                <p:cTn id="5" presetID="2" presetClass="entr" presetSubtype="4" fill="hold" nodeType="clickEffect">
+                                  <p:stCondLst>
+                                    <p:cond delay="0"/>
+                                  </p:stCondLst>
+                                  <p:childTnLst>
+                                    <p:set>
+                                      <p:cBhvr>
+                                        <p:cTn id="6" dur="1" fill="hold">
+                                          <p:stCondLst>
+                                            <p:cond delay="0"/>
+                                          </p:stCondLst>
+                                        </p:cTn>
+                                        <p:tgtEl>
+                                          <p:spTgt spid="13"/>
+                                        </p:tgtEl>
+                                        <p:attrNameLst>
+                                          <p:attrName>style.visibility</p:attrName>
+                                        </p:attrNameLst>
+                                      </p:cBhvr>
+                                      <p:to>
+                                        <p:strVal val="visible"/>
+                                      </p:to>
+                                    </p:set>
+                                    <p:anim calcmode="lin" valueType="num">
+                                      <p:cBhvr additive="base">
+                                        <p:cTn id="7" dur="500" fill="hold"/>
+                                        <p:tgtEl>
+                                          <p:spTgt spid="13"/>
+                                        </p:tgtEl>
+                                        <p:attrNameLst>
+                                          <p:attrName>ppt_x</p:attrName>
+                                        </p:attrNameLst>
+                                      </p:cBhvr>
+                                      <p:tavLst>
+                                        <p:tav tm="0">
+                                          <p:val>
+                                            <p:strVal val="#ppt_x"/>
+                                          </p:val>
+                                        </p:tav>
+                                        <p:tav tm="100000">
+                                          <p:val>
+                                            <p:strVal val="#ppt_x"/>
+                                          </p:val>
+                                        </p:tav>
+                                      </p:tavLst>
+                                    </p:anim>
+                                    <p:anim calcmode="lin" valueType="num">
+                                      <p:cBhvr additive="base">
+                                        <p:cTn id="8" dur="500" fill="hold"/>
+                                        <p:tgtEl>
+                                          <p:spTgt spid="13"/>
+                                        </p:tgtEl>
+                                        <p:attrNameLst>
+                                          <p:attrName>ppt_y</p:attrName>
+                                        </p:attrNameLst>
+                                      </p:cBhvr>
+                                      <p:tavLst>
+                                        <p:tav tm="0">
+                                          <p:val>
+                                            <p:strVal val="1+#ppt_h/2"/>
+                                          </p:val>
+                                        </p:tav>
+                                        <p:tav tm="100000">
+                                          <p:val>
+                                            <p:strVal val="#ppt_y"/>
+                                          </p:val>
+                                        </p:tav>
+                                      </p:tavLst>
+                                    </p:anim>
+                                  </p:childTnLst>
+                                </p:cTn>
+                              </p:par>
+                              <p:par>
+                                <p:cTn id="9" presetID="2" presetClass="entr" presetSubtype="4" fill="hold" nodeType="withEffect">
+                                  <p:stCondLst>
+                                    <p:cond delay="0"/>
+                                  </p:stCondLst>
+                                  <p:childTnLst>
+                                    <p:set>
+                                      <p:cBhvr>
+                                        <p:cTn id="10" dur="1" fill="hold">
+                                          <p:stCondLst>
+                                            <p:cond delay="0"/>
+                                          </p:stCondLst>
+                                        </p:cTn>
+                                        <p:tgtEl>
+                                          <p:spTgt spid="17"/>
+                                        </p:tgtEl>
+                                        <p:attrNameLst>
+                                          <p:attrName>style.visibility</p:attrName>
+                                        </p:attrNameLst>
+                                      </p:cBhvr>
+                                      <p:to>
+                                        <p:strVal val="visible"/>
+                                      </p:to>
+                                    </p:set>
+                                    <p:anim calcmode="lin" valueType="num">
+                                      <p:cBhvr additive="base">
+                                        <p:cTn id="11" dur="500" fill="hold"/>
+                                        <p:tgtEl>
+                                          <p:spTgt spid="17"/>
+                                        </p:tgtEl>
+                                        <p:attrNameLst>
+                                          <p:attrName>ppt_x</p:attrName>
+                                        </p:attrNameLst>
+                                      </p:cBhvr>
+                                      <p:tavLst>
+                                        <p:tav tm="0">
+                                          <p:val>
+                                            <p:strVal val="#ppt_x"/>
+                                          </p:val>
+                                        </p:tav>
+                                        <p:tav tm="100000">
+                                          <p:val>
+                                            <p:strVal val="#ppt_x"/>
+                                          </p:val>
+                                        </p:tav>
+                                      </p:tavLst>
+                                    </p:anim>
+                                    <p:anim calcmode="lin" valueType="num">
+                                      <p:cBhvr additive="base">
+                                        <p:cTn id="12" dur="500" fill="hold"/>
+                                        <p:tgtEl>
+                                          <p:spTgt spid="17"/>
+                                        </p:tgtEl>
+                                        <p:attrNameLst>
+                                          <p:attrName>ppt_y</p:attrName>
+                                        </p:attrNameLst>
+                                      </p:cBhvr>
+                                      <p:tavLst>
+                                        <p:tav tm="0">
+                                          <p:val>
+                                            <p:strVal val="1+#ppt_h/2"/>
+                                          </p:val>
+                                        </p:tav>
+                                        <p:tav tm="100000">
+                                          <p:val>
+                                            <p:strVal val="#ppt_y"/>
+                                          </p:val>
+                                        </p:tav>
+                                      </p:tavLst>
+                                    </p:anim>
+                                  </p:childTnLst>
+                                </p:cTn>
+                              </p:par>
+                              <p:par>
+                                <p:cTn id="13" presetID="2" presetClass="entr" presetSubtype="4" fill="hold" nodeType="withEffect">
+                                  <p:stCondLst>
+                                    <p:cond delay="0"/>
+                                  </p:stCondLst>
+                                  <p:childTnLst>
+                                    <p:set>
+                                      <p:cBhvr>
+                                        <p:cTn id="14" dur="1" fill="hold">
+                                          <p:stCondLst>
+                                            <p:cond delay="0"/>
+                                          </p:stCondLst>
+                                        </p:cTn>
+                                        <p:tgtEl>
+                                          <p:spTgt spid="19"/>
+                                        </p:tgtEl>
+                                        <p:attrNameLst>
+                                          <p:attrName>style.visibility</p:attrName>
+                                        </p:attrNameLst>
+                                      </p:cBhvr>
+                                      <p:to>
+                                        <p:strVal val="visible"/>
+                                      </p:to>
+                                    </p:set>
+                                    <p:anim calcmode="lin" valueType="num">
+                                      <p:cBhvr additive="base">
+                                        <p:cTn id="15" dur="500" fill="hold"/>
+                                        <p:tgtEl>
+                                          <p:spTgt spid="19"/>
+                                        </p:tgtEl>
+                                        <p:attrNameLst>
+                                          <p:attrName>ppt_x</p:attrName>
+                                        </p:attrNameLst>
+                                      </p:cBhvr>
+                                      <p:tavLst>
+                                        <p:tav tm="0">
+                                          <p:val>
+                                            <p:strVal val="#ppt_x"/>
+                                          </p:val>
+                                        </p:tav>
+                                        <p:tav tm="100000">
+                                          <p:val>
+                                            <p:strVal val="#ppt_x"/>
+                                          </p:val>
+                                        </p:tav>
+                                      </p:tavLst>
+                                    </p:anim>
+                                    <p:anim calcmode="lin" valueType="num">
+                                      <p:cBhvr additive="base">
+                                        <p:cTn id="16" dur="500" fill="hold"/>
+                                        <p:tgtEl>
+                                          <p:spTgt spid="19"/>
+                                        </p:tgtEl>
+                                        <p:attrNameLst>
+                                          <p:attrName>ppt_y</p:attrName>
+                                        </p:attrNameLst>
+                                      </p:cBhvr>
+                                      <p:tavLst>
+                                        <p:tav tm="0">
+                                          <p:val>
+                                            <p:strVal val="1+#ppt_h/2"/>
+                                          </p:val>
+                                        </p:tav>
+                                        <p:tav tm="100000">
+                                          <p:val>
+                                            <p:strVal val="#ppt_y"/>
+                                          </p:val>
+                                        </p:tav>
+                                      </p:tavLst>
+                                    </p:anim>
+                                  </p:childTnLst>
+                                </p:cTn>
+                              </p:par>
+                            </p:childTnLst>
+                          </p:cTn>
+                        </p:par>
+                      </p:childTnLst>
+                    </p:cTn>
+                  </p:par>
+                </p:childTnLst>
+              </p:cTn>
+              <p:prevCondLst>
+                <p:cond evt="onPrev" delay="0">
+                  <p:tgtEl>
+                    <p:sldTgt/>
+                  </p:tgtEl>
+                </p:cond>
+              </p:prevCondLst>
+              <p:nextCondLst>
+                <p:cond evt="onNext" delay="0">
+                  <p:tgtEl>
+                    <p:sldTgt/>
+                  </p:tgtEl>
+                </p:cond>
+              </p:nextCondLst>
+            </p:seq>
+          </p:childTnLst>
+        </p:cTn>
+      </p:par>
+    </p:tnLst>
+  </p:timing>
+</p:sld>
+</file>
+
+<file path=ppt/slides/slide9.xml><?xml version="1.0" encoding="utf-8"?>
+<p:sld xmlns:a="http://schemas.openxmlformats.org/drawingml/2006/main" xmlns:r="http://schemas.openxmlformats.org/officeDocument/2006/relationships" xmlns:p="http://schemas.openxmlformats.org/presentationml/2006/main">
+  <p:cSld>
+    <p:spTree>
+      <p:nvGrpSpPr>
+        <p:cNvPr id="1" name=""/>
+        <p:cNvGrpSpPr/>
+        <p:nvPr/>
+      </p:nvGrpSpPr>
+      <p:grpSpPr>
+        <a:xfrm>
+          <a:off x="0" y="0"/>
+          <a:ext cx="0" cy="0"/>
+          <a:chOff x="0" y="0"/>
+          <a:chExt cx="0" cy="0"/>
+        </a:xfrm>
+      </p:grpSpPr>
+      <p:sp>
+        <p:nvSpPr>
+          <p:cNvPr id="2" name="Title 1">
+            <a:extLst>
+              <a:ext uri="{FF2B5EF4-FFF2-40B4-BE49-F238E27FC236}">
+                <a16:creationId xmlns:a16="http://schemas.microsoft.com/office/drawing/2014/main" id="{59B8B577-5676-3C4B-A107-E41DB331FD85}"/>
+              </a:ext>
+            </a:extLst>
+          </p:cNvPr>
+          <p:cNvSpPr>
+            <a:spLocks noGrp="1"/>
+          </p:cNvSpPr>
+          <p:nvPr>
+            <p:ph type="title"/>
+          </p:nvPr>
+        </p:nvSpPr>
+        <p:spPr>
+          <a:xfrm>
+            <a:off x="4272238" y="588197"/>
+            <a:ext cx="10515600" cy="1325563"/>
+          </a:xfrm>
+        </p:spPr>
+        <p:txBody>
+          <a:bodyPr/>
+          <a:lstStyle/>
+          <a:p>
+            <a:r>
+              <a:rPr lang="en-US" dirty="0">
+                <a:solidFill>
+                  <a:srgbClr val="EA5E46"/>
+                </a:solidFill>
+              </a:rPr>
+              <a:t>Property types available in NYC</a:t>
             </a:r>
           </a:p>
         </p:txBody>
@@ -9798,164 +12645,7 @@
     </p:spTree>
     <p:extLst>
       <p:ext uri="{BB962C8B-B14F-4D97-AF65-F5344CB8AC3E}">
-        <p14:creationId xmlns:p14="http://schemas.microsoft.com/office/powerpoint/2010/main" val="2801975816"/>
-      </p:ext>
-    </p:extLst>
-  </p:cSld>
-  <p:clrMapOvr>
-    <a:masterClrMapping/>
-  </p:clrMapOvr>
-</p:sld>
-</file>
-
-<file path=ppt/slides/slide9.xml><?xml version="1.0" encoding="utf-8"?>
-<p:sld xmlns:a="http://schemas.openxmlformats.org/drawingml/2006/main" xmlns:r="http://schemas.openxmlformats.org/officeDocument/2006/relationships" xmlns:p="http://schemas.openxmlformats.org/presentationml/2006/main">
-  <p:cSld>
-    <p:spTree>
-      <p:nvGrpSpPr>
-        <p:cNvPr id="1" name=""/>
-        <p:cNvGrpSpPr/>
-        <p:nvPr/>
-      </p:nvGrpSpPr>
-      <p:grpSpPr>
-        <a:xfrm>
-          <a:off x="0" y="0"/>
-          <a:ext cx="0" cy="0"/>
-          <a:chOff x="0" y="0"/>
-          <a:chExt cx="0" cy="0"/>
-        </a:xfrm>
-      </p:grpSpPr>
-      <p:sp>
-        <p:nvSpPr>
-          <p:cNvPr id="2" name="Title 1">
-            <a:extLst>
-              <a:ext uri="{FF2B5EF4-FFF2-40B4-BE49-F238E27FC236}">
-                <a16:creationId xmlns:a16="http://schemas.microsoft.com/office/drawing/2014/main" id="{59B8B577-5676-3C4B-A107-E41DB331FD85}"/>
-              </a:ext>
-            </a:extLst>
-          </p:cNvPr>
-          <p:cNvSpPr>
-            <a:spLocks noGrp="1"/>
-          </p:cNvSpPr>
-          <p:nvPr>
-            <p:ph type="title"/>
-          </p:nvPr>
-        </p:nvSpPr>
-        <p:spPr>
-          <a:xfrm>
-            <a:off x="4272238" y="588197"/>
-            <a:ext cx="10515600" cy="1325563"/>
-          </a:xfrm>
-        </p:spPr>
-        <p:txBody>
-          <a:bodyPr/>
-          <a:lstStyle/>
-          <a:p>
-            <a:r>
-              <a:rPr lang="en-US" dirty="0">
-                <a:solidFill>
-                  <a:srgbClr val="EA5E46"/>
-                </a:solidFill>
-              </a:rPr>
-              <a:t>Relationship of Datasets</a:t>
-            </a:r>
-          </a:p>
-        </p:txBody>
-      </p:sp>
-      <p:pic>
-        <p:nvPicPr>
-          <p:cNvPr id="2050" name="Picture 2" descr="Image result for air bnb logo">
-            <a:extLst>
-              <a:ext uri="{FF2B5EF4-FFF2-40B4-BE49-F238E27FC236}">
-                <a16:creationId xmlns:a16="http://schemas.microsoft.com/office/drawing/2014/main" id="{A162C291-208B-BE48-BF44-7D5CD7EF6151}"/>
-              </a:ext>
-            </a:extLst>
-          </p:cNvPr>
-          <p:cNvPicPr>
-            <a:picLocks noChangeAspect="1" noChangeArrowheads="1"/>
-          </p:cNvPicPr>
-          <p:nvPr/>
-        </p:nvPicPr>
-        <p:blipFill>
-          <a:blip r:embed="rId3">
-            <a:extLst>
-              <a:ext uri="{28A0092B-C50C-407E-A947-70E740481C1C}">
-                <a14:useLocalDpi xmlns:a14="http://schemas.microsoft.com/office/drawing/2010/main" val="0"/>
-              </a:ext>
-            </a:extLst>
-          </a:blip>
-          <a:srcRect/>
-          <a:stretch>
-            <a:fillRect/>
-          </a:stretch>
-        </p:blipFill>
-        <p:spPr bwMode="auto">
-          <a:xfrm>
-            <a:off x="2080820" y="0"/>
-            <a:ext cx="2189605" cy="2022038"/>
-          </a:xfrm>
-          <a:prstGeom prst="rect">
-            <a:avLst/>
-          </a:prstGeom>
-          <a:noFill/>
-          <a:extLst>
-            <a:ext uri="{909E8E84-426E-40DD-AFC4-6F175D3DCCD1}">
-              <a14:hiddenFill xmlns:a14="http://schemas.microsoft.com/office/drawing/2010/main">
-                <a:solidFill>
-                  <a:srgbClr val="FFFFFF"/>
-                </a:solidFill>
-              </a14:hiddenFill>
-            </a:ext>
-          </a:extLst>
-        </p:spPr>
-      </p:pic>
-      <p:cxnSp>
-        <p:nvCxnSpPr>
-          <p:cNvPr id="6" name="Straight Connector 5">
-            <a:extLst>
-              <a:ext uri="{FF2B5EF4-FFF2-40B4-BE49-F238E27FC236}">
-                <a16:creationId xmlns:a16="http://schemas.microsoft.com/office/drawing/2014/main" id="{7D0926DC-6298-B648-9DF9-0D78D09F9FC8}"/>
-              </a:ext>
-            </a:extLst>
-          </p:cNvPr>
-          <p:cNvCxnSpPr>
-            <a:cxnSpLocks/>
-          </p:cNvCxnSpPr>
-          <p:nvPr/>
-        </p:nvCxnSpPr>
-        <p:spPr>
-          <a:xfrm>
-            <a:off x="2526110" y="1576551"/>
-            <a:ext cx="9518745" cy="1"/>
-          </a:xfrm>
-          <a:prstGeom prst="line">
-            <a:avLst/>
-          </a:prstGeom>
-          <a:ln w="12700">
-            <a:solidFill>
-              <a:srgbClr val="EA5E46"/>
-            </a:solidFill>
-          </a:ln>
-        </p:spPr>
-        <p:style>
-          <a:lnRef idx="1">
-            <a:schemeClr val="accent2"/>
-          </a:lnRef>
-          <a:fillRef idx="0">
-            <a:schemeClr val="accent2"/>
-          </a:fillRef>
-          <a:effectRef idx="0">
-            <a:schemeClr val="accent2"/>
-          </a:effectRef>
-          <a:fontRef idx="minor">
-            <a:schemeClr val="tx1"/>
-          </a:fontRef>
-        </p:style>
-      </p:cxnSp>
-    </p:spTree>
-    <p:extLst>
-      <p:ext uri="{BB962C8B-B14F-4D97-AF65-F5344CB8AC3E}">
-        <p14:creationId xmlns:p14="http://schemas.microsoft.com/office/powerpoint/2010/main" val="178910535"/>
+        <p14:creationId xmlns:p14="http://schemas.microsoft.com/office/powerpoint/2010/main" val="3095852737"/>
       </p:ext>
     </p:extLst>
   </p:cSld>
